--- a/SEM_presentation/01_efa/image/slide_logos.pptx
+++ b/SEM_presentation/01_efa/image/slide_logos.pptx
@@ -7,6 +7,7 @@
   <p:sldIdLst>
     <p:sldId id="256" r:id="rId2"/>
     <p:sldId id="257" r:id="rId3"/>
+    <p:sldId id="258" r:id="rId4"/>
   </p:sldIdLst>
   <p:sldSz cx="12192000" cy="6858000"/>
   <p:notesSz cx="6858000" cy="9144000"/>
@@ -105,7 +106,73 @@
       </a:defRPr>
     </a:lvl9pPr>
   </p:defaultTextStyle>
+  <p:extLst>
+    <p:ext uri="{EFAFB233-063F-42B5-8137-9DF3F51BA10A}">
+      <p15:sldGuideLst xmlns:p15="http://schemas.microsoft.com/office/powerpoint/2012/main"/>
+    </p:ext>
+  </p:extLst>
 </p:presentation>
+</file>
+
+<file path=ppt/revisionInfo.xml><?xml version="1.0" encoding="utf-8"?>
+<p1510:revInfo xmlns:a="http://schemas.openxmlformats.org/drawingml/2006/main" xmlns:r="http://schemas.openxmlformats.org/officeDocument/2006/relationships" xmlns:p1510="http://schemas.microsoft.com/office/powerpoint/2015/10/main">
+  <p1510:revLst>
+    <p1510:client id="{5AC45C88-7A94-46F3-BAC5-161FFDB890F3}" v="3" dt="2021-08-04T04:32:29.532"/>
+  </p1510:revLst>
+</p1510:revInfo>
+</file>
+
+<file path=ppt/changesInfos/changesInfo1.xml><?xml version="1.0" encoding="utf-8"?>
+<pc:chgInfo xmlns:a="http://schemas.openxmlformats.org/drawingml/2006/main" xmlns:r="http://schemas.openxmlformats.org/officeDocument/2006/relationships" xmlns:ac="http://schemas.microsoft.com/office/drawing/2013/main/command" xmlns:pc="http://schemas.microsoft.com/office/powerpoint/2013/main/command">
+  <pc:docChgLst>
+    <pc:chgData name="CHRISTOPHER LLONES" userId="ee08fdad-24ed-4713-bb77-380897b11f62" providerId="ADAL" clId="{5AC45C88-7A94-46F3-BAC5-161FFDB890F3}"/>
+    <pc:docChg chg="custSel addSld modSld">
+      <pc:chgData name="CHRISTOPHER LLONES" userId="ee08fdad-24ed-4713-bb77-380897b11f62" providerId="ADAL" clId="{5AC45C88-7A94-46F3-BAC5-161FFDB890F3}" dt="2021-08-04T04:32:29.531" v="4" actId="5736"/>
+      <pc:docMkLst>
+        <pc:docMk/>
+      </pc:docMkLst>
+      <pc:sldChg chg="addSp delSp modSp new mod">
+        <pc:chgData name="CHRISTOPHER LLONES" userId="ee08fdad-24ed-4713-bb77-380897b11f62" providerId="ADAL" clId="{5AC45C88-7A94-46F3-BAC5-161FFDB890F3}" dt="2021-08-04T04:32:29.531" v="4" actId="5736"/>
+        <pc:sldMkLst>
+          <pc:docMk/>
+          <pc:sldMk cId="1579710484" sldId="258"/>
+        </pc:sldMkLst>
+        <pc:spChg chg="del">
+          <ac:chgData name="CHRISTOPHER LLONES" userId="ee08fdad-24ed-4713-bb77-380897b11f62" providerId="ADAL" clId="{5AC45C88-7A94-46F3-BAC5-161FFDB890F3}" dt="2021-08-04T04:31:56.551" v="2" actId="478"/>
+          <ac:spMkLst>
+            <pc:docMk/>
+            <pc:sldMk cId="1579710484" sldId="258"/>
+            <ac:spMk id="2" creationId="{FB562C75-0D2D-45C2-8458-917D141A8ED9}"/>
+          </ac:spMkLst>
+        </pc:spChg>
+        <pc:spChg chg="del">
+          <ac:chgData name="CHRISTOPHER LLONES" userId="ee08fdad-24ed-4713-bb77-380897b11f62" providerId="ADAL" clId="{5AC45C88-7A94-46F3-BAC5-161FFDB890F3}" dt="2021-08-04T04:31:56.551" v="2" actId="478"/>
+          <ac:spMkLst>
+            <pc:docMk/>
+            <pc:sldMk cId="1579710484" sldId="258"/>
+            <ac:spMk id="3" creationId="{634EE345-A15C-47E2-89B0-3FF7EBCB43DF}"/>
+          </ac:spMkLst>
+        </pc:spChg>
+        <pc:graphicFrameChg chg="add del mod">
+          <ac:chgData name="CHRISTOPHER LLONES" userId="ee08fdad-24ed-4713-bb77-380897b11f62" providerId="ADAL" clId="{5AC45C88-7A94-46F3-BAC5-161FFDB890F3}" dt="2021-08-04T04:31:56.551" v="2" actId="478"/>
+          <ac:graphicFrameMkLst>
+            <pc:docMk/>
+            <pc:sldMk cId="1579710484" sldId="258"/>
+            <ac:graphicFrameMk id="4" creationId="{2EC2FAC0-6432-4675-93C8-125574BC42B1}"/>
+          </ac:graphicFrameMkLst>
+        </pc:graphicFrameChg>
+        <pc:graphicFrameChg chg="add mod">
+          <ac:chgData name="CHRISTOPHER LLONES" userId="ee08fdad-24ed-4713-bb77-380897b11f62" providerId="ADAL" clId="{5AC45C88-7A94-46F3-BAC5-161FFDB890F3}" dt="2021-08-04T04:32:29.531" v="4" actId="5736"/>
+          <ac:graphicFrameMkLst>
+            <pc:docMk/>
+            <pc:sldMk cId="1579710484" sldId="258"/>
+            <ac:graphicFrameMk id="5" creationId="{DD7DCB67-FF56-41DA-A1D8-ECE9C2881C86}"/>
+          </ac:graphicFrameMkLst>
+        </pc:graphicFrameChg>
+      </pc:sldChg>
+    </pc:docChg>
+  </pc:docChgLst>
+</pc:chgInfo>
 </file>
 
 <file path=ppt/slideLayouts/slideLayout1.xml><?xml version="1.0" encoding="utf-8"?>
@@ -257,7 +324,7 @@
           <a:p>
             <a:fld id="{A7E68E60-9218-46BB-A378-9A469EA0EEDE}" type="datetimeFigureOut">
               <a:rPr lang="en-GB" smtClean="0"/>
-              <a:t>25/07/2021</a:t>
+              <a:t>04/08/2021</a:t>
             </a:fld>
             <a:endParaRPr lang="en-GB"/>
           </a:p>
@@ -457,7 +524,7 @@
           <a:p>
             <a:fld id="{A7E68E60-9218-46BB-A378-9A469EA0EEDE}" type="datetimeFigureOut">
               <a:rPr lang="en-GB" smtClean="0"/>
-              <a:t>25/07/2021</a:t>
+              <a:t>04/08/2021</a:t>
             </a:fld>
             <a:endParaRPr lang="en-GB"/>
           </a:p>
@@ -667,7 +734,7 @@
           <a:p>
             <a:fld id="{A7E68E60-9218-46BB-A378-9A469EA0EEDE}" type="datetimeFigureOut">
               <a:rPr lang="en-GB" smtClean="0"/>
-              <a:t>25/07/2021</a:t>
+              <a:t>04/08/2021</a:t>
             </a:fld>
             <a:endParaRPr lang="en-GB"/>
           </a:p>
@@ -867,7 +934,7 @@
           <a:p>
             <a:fld id="{A7E68E60-9218-46BB-A378-9A469EA0EEDE}" type="datetimeFigureOut">
               <a:rPr lang="en-GB" smtClean="0"/>
-              <a:t>25/07/2021</a:t>
+              <a:t>04/08/2021</a:t>
             </a:fld>
             <a:endParaRPr lang="en-GB"/>
           </a:p>
@@ -1143,7 +1210,7 @@
           <a:p>
             <a:fld id="{A7E68E60-9218-46BB-A378-9A469EA0EEDE}" type="datetimeFigureOut">
               <a:rPr lang="en-GB" smtClean="0"/>
-              <a:t>25/07/2021</a:t>
+              <a:t>04/08/2021</a:t>
             </a:fld>
             <a:endParaRPr lang="en-GB"/>
           </a:p>
@@ -1411,7 +1478,7 @@
           <a:p>
             <a:fld id="{A7E68E60-9218-46BB-A378-9A469EA0EEDE}" type="datetimeFigureOut">
               <a:rPr lang="en-GB" smtClean="0"/>
-              <a:t>25/07/2021</a:t>
+              <a:t>04/08/2021</a:t>
             </a:fld>
             <a:endParaRPr lang="en-GB"/>
           </a:p>
@@ -1826,7 +1893,7 @@
           <a:p>
             <a:fld id="{A7E68E60-9218-46BB-A378-9A469EA0EEDE}" type="datetimeFigureOut">
               <a:rPr lang="en-GB" smtClean="0"/>
-              <a:t>25/07/2021</a:t>
+              <a:t>04/08/2021</a:t>
             </a:fld>
             <a:endParaRPr lang="en-GB"/>
           </a:p>
@@ -1968,7 +2035,7 @@
           <a:p>
             <a:fld id="{A7E68E60-9218-46BB-A378-9A469EA0EEDE}" type="datetimeFigureOut">
               <a:rPr lang="en-GB" smtClean="0"/>
-              <a:t>25/07/2021</a:t>
+              <a:t>04/08/2021</a:t>
             </a:fld>
             <a:endParaRPr lang="en-GB"/>
           </a:p>
@@ -2081,7 +2148,7 @@
           <a:p>
             <a:fld id="{A7E68E60-9218-46BB-A378-9A469EA0EEDE}" type="datetimeFigureOut">
               <a:rPr lang="en-GB" smtClean="0"/>
-              <a:t>25/07/2021</a:t>
+              <a:t>04/08/2021</a:t>
             </a:fld>
             <a:endParaRPr lang="en-GB"/>
           </a:p>
@@ -2394,7 +2461,7 @@
           <a:p>
             <a:fld id="{A7E68E60-9218-46BB-A378-9A469EA0EEDE}" type="datetimeFigureOut">
               <a:rPr lang="en-GB" smtClean="0"/>
-              <a:t>25/07/2021</a:t>
+              <a:t>04/08/2021</a:t>
             </a:fld>
             <a:endParaRPr lang="en-GB"/>
           </a:p>
@@ -2683,7 +2750,7 @@
           <a:p>
             <a:fld id="{A7E68E60-9218-46BB-A378-9A469EA0EEDE}" type="datetimeFigureOut">
               <a:rPr lang="en-GB" smtClean="0"/>
-              <a:t>25/07/2021</a:t>
+              <a:t>04/08/2021</a:t>
             </a:fld>
             <a:endParaRPr lang="en-GB"/>
           </a:p>
@@ -2926,7 +2993,7 @@
           <a:p>
             <a:fld id="{A7E68E60-9218-46BB-A378-9A469EA0EEDE}" type="datetimeFigureOut">
               <a:rPr lang="en-GB" smtClean="0"/>
-              <a:t>25/07/2021</a:t>
+              <a:t>04/08/2021</a:t>
             </a:fld>
             <a:endParaRPr lang="en-GB"/>
           </a:p>
@@ -5690,6 +5757,2705 @@
 </p:sld>
 </file>
 
+<file path=ppt/slides/slide3.xml><?xml version="1.0" encoding="utf-8"?>
+<p:sld xmlns:a="http://schemas.openxmlformats.org/drawingml/2006/main" xmlns:r="http://schemas.openxmlformats.org/officeDocument/2006/relationships" xmlns:p="http://schemas.openxmlformats.org/presentationml/2006/main">
+  <p:cSld>
+    <p:spTree>
+      <p:nvGrpSpPr>
+        <p:cNvPr id="1" name=""/>
+        <p:cNvGrpSpPr/>
+        <p:nvPr/>
+      </p:nvGrpSpPr>
+      <p:grpSpPr>
+        <a:xfrm>
+          <a:off x="0" y="0"/>
+          <a:ext cx="0" cy="0"/>
+          <a:chOff x="0" y="0"/>
+          <a:chExt cx="0" cy="0"/>
+        </a:xfrm>
+      </p:grpSpPr>
+      <mc:AlternateContent xmlns:mc="http://schemas.openxmlformats.org/markup-compatibility/2006">
+        <mc:Choice xmlns:a14="http://schemas.microsoft.com/office/drawing/2010/main" Requires="a14">
+          <p:graphicFrame>
+            <p:nvGraphicFramePr>
+              <p:cNvPr id="5" name="Table 4">
+                <a:extLst>
+                  <a:ext uri="{FF2B5EF4-FFF2-40B4-BE49-F238E27FC236}">
+                    <a16:creationId xmlns:a16="http://schemas.microsoft.com/office/drawing/2014/main" id="{DD7DCB67-FF56-41DA-A1D8-ECE9C2881C86}"/>
+                  </a:ext>
+                </a:extLst>
+              </p:cNvPr>
+              <p:cNvGraphicFramePr>
+                <a:graphicFrameLocks noGrp="1"/>
+              </p:cNvGraphicFramePr>
+              <p:nvPr>
+                <p:extLst>
+                  <p:ext uri="{D42A27DB-BD31-4B8C-83A1-F6EECF244321}">
+                    <p14:modId xmlns:p14="http://schemas.microsoft.com/office/powerpoint/2010/main" val="3096543741"/>
+                  </p:ext>
+                </p:extLst>
+              </p:nvPr>
+            </p:nvGraphicFramePr>
+            <p:xfrm>
+              <a:off x="4049234" y="82142"/>
+              <a:ext cx="6850993" cy="6693715"/>
+            </p:xfrm>
+            <a:graphic>
+              <a:graphicData uri="http://schemas.openxmlformats.org/drawingml/2006/table">
+                <a:tbl>
+                  <a:tblPr firstRow="1" bandRow="1">
+                    <a:tableStyleId>{3B4B98B0-60AC-42C2-AFA5-B58CD77FA1E5}</a:tableStyleId>
+                  </a:tblPr>
+                  <a:tblGrid>
+                    <a:gridCol w="608325">
+                      <a:extLst>
+                        <a:ext uri="{9D8B030D-6E8A-4147-A177-3AD203B41FA5}">
+                          <a16:colId xmlns:a16="http://schemas.microsoft.com/office/drawing/2014/main" val="1358090828"/>
+                        </a:ext>
+                      </a:extLst>
+                    </a:gridCol>
+                    <a:gridCol w="1973716">
+                      <a:extLst>
+                        <a:ext uri="{9D8B030D-6E8A-4147-A177-3AD203B41FA5}">
+                          <a16:colId xmlns:a16="http://schemas.microsoft.com/office/drawing/2014/main" val="3394853744"/>
+                        </a:ext>
+                      </a:extLst>
+                    </a:gridCol>
+                    <a:gridCol w="4268952">
+                      <a:extLst>
+                        <a:ext uri="{9D8B030D-6E8A-4147-A177-3AD203B41FA5}">
+                          <a16:colId xmlns:a16="http://schemas.microsoft.com/office/drawing/2014/main" val="2804598532"/>
+                        </a:ext>
+                      </a:extLst>
+                    </a:gridCol>
+                  </a:tblGrid>
+                  <a:tr h="526414">
+                    <a:tc>
+                      <a:txBody>
+                        <a:bodyPr/>
+                        <a:lstStyle/>
+                        <a:p>
+                          <a14:m>
+                            <m:oMathPara xmlns:m="http://schemas.openxmlformats.org/officeDocument/2006/math">
+                              <m:oMathParaPr>
+                                <m:jc m:val="centerGroup"/>
+                              </m:oMathParaPr>
+                              <m:oMath xmlns:m="http://schemas.openxmlformats.org/officeDocument/2006/math">
+                                <m:sSub>
+                                  <m:sSubPr>
+                                    <m:ctrlPr>
+                                      <a:rPr lang="en-PH" sz="1600" b="0" smtClean="0"/>
+                                    </m:ctrlPr>
+                                  </m:sSubPr>
+                                  <m:e>
+                                    <m:r>
+                                      <a:rPr lang="en-PH" sz="1600" b="0" smtClean="0"/>
+                                      <m:t>𝑋</m:t>
+                                    </m:r>
+                                  </m:e>
+                                  <m:sub>
+                                    <m:r>
+                                      <a:rPr lang="en-PH" sz="1600" b="0" smtClean="0"/>
+                                      <m:t>6</m:t>
+                                    </m:r>
+                                  </m:sub>
+                                </m:sSub>
+                              </m:oMath>
+                            </m:oMathPara>
+                          </a14:m>
+                          <a:endParaRPr lang="en-GB" sz="1400" b="0" dirty="0">
+                            <a:latin typeface="Arial" panose="020B0604020202020204" pitchFamily="34" charset="0"/>
+                            <a:cs typeface="Arial" panose="020B0604020202020204" pitchFamily="34" charset="0"/>
+                          </a:endParaRPr>
+                        </a:p>
+                      </a:txBody>
+                      <a:tcPr>
+                        <a:lnL w="12700" cap="flat" cmpd="sng" algn="ctr">
+                          <a:solidFill>
+                            <a:schemeClr val="tx1"/>
+                          </a:solidFill>
+                          <a:prstDash val="solid"/>
+                          <a:round/>
+                          <a:headEnd type="none" w="med" len="med"/>
+                          <a:tailEnd type="none" w="med" len="med"/>
+                        </a:lnL>
+                        <a:lnR>
+                          <a:noFill/>
+                        </a:lnR>
+                        <a:lnT w="12700" cap="flat" cmpd="sng" algn="ctr">
+                          <a:solidFill>
+                            <a:schemeClr val="tx1"/>
+                          </a:solidFill>
+                          <a:prstDash val="solid"/>
+                          <a:round/>
+                          <a:headEnd type="none" w="med" len="med"/>
+                          <a:tailEnd type="none" w="med" len="med"/>
+                        </a:lnT>
+                        <a:lnB w="12700" cmpd="sng">
+                          <a:noFill/>
+                        </a:lnB>
+                        <a:lnTlToBr w="12700" cmpd="sng">
+                          <a:noFill/>
+                          <a:prstDash val="solid"/>
+                        </a:lnTlToBr>
+                        <a:lnBlToTr w="12700" cmpd="sng">
+                          <a:noFill/>
+                          <a:prstDash val="solid"/>
+                        </a:lnBlToTr>
+                      </a:tcPr>
+                    </a:tc>
+                    <a:tc>
+                      <a:txBody>
+                        <a:bodyPr/>
+                        <a:lstStyle/>
+                        <a:p>
+                          <a:r>
+                            <a:rPr lang="en-PH" sz="1400" b="0" dirty="0"/>
+                            <a:t>Product quality</a:t>
+                          </a:r>
+                          <a:endParaRPr lang="en-GB" sz="1400" b="0" dirty="0">
+                            <a:latin typeface="Arial" panose="020B0604020202020204" pitchFamily="34" charset="0"/>
+                            <a:cs typeface="Arial" panose="020B0604020202020204" pitchFamily="34" charset="0"/>
+                          </a:endParaRPr>
+                        </a:p>
+                      </a:txBody>
+                      <a:tcPr>
+                        <a:lnL>
+                          <a:noFill/>
+                        </a:lnL>
+                        <a:lnR>
+                          <a:noFill/>
+                        </a:lnR>
+                        <a:lnT w="12700" cap="flat" cmpd="sng" algn="ctr">
+                          <a:solidFill>
+                            <a:schemeClr val="tx1"/>
+                          </a:solidFill>
+                          <a:prstDash val="solid"/>
+                          <a:round/>
+                          <a:headEnd type="none" w="med" len="med"/>
+                          <a:tailEnd type="none" w="med" len="med"/>
+                        </a:lnT>
+                        <a:lnB w="12700" cmpd="sng">
+                          <a:noFill/>
+                        </a:lnB>
+                        <a:lnTlToBr w="12700" cmpd="sng">
+                          <a:noFill/>
+                          <a:prstDash val="solid"/>
+                        </a:lnTlToBr>
+                        <a:lnBlToTr w="12700" cmpd="sng">
+                          <a:noFill/>
+                          <a:prstDash val="solid"/>
+                        </a:lnBlToTr>
+                      </a:tcPr>
+                    </a:tc>
+                    <a:tc>
+                      <a:txBody>
+                        <a:bodyPr/>
+                        <a:lstStyle/>
+                        <a:p>
+                          <a:r>
+                            <a:rPr lang="en-PH" sz="1400" b="0" dirty="0"/>
+                            <a:t>Perceived level of quality of HBAT’s paper products</a:t>
+                          </a:r>
+                          <a:endParaRPr lang="en-GB" sz="1400" b="0" dirty="0">
+                            <a:latin typeface="Arial" panose="020B0604020202020204" pitchFamily="34" charset="0"/>
+                            <a:cs typeface="Arial" panose="020B0604020202020204" pitchFamily="34" charset="0"/>
+                          </a:endParaRPr>
+                        </a:p>
+                      </a:txBody>
+                      <a:tcPr>
+                        <a:lnL>
+                          <a:noFill/>
+                        </a:lnL>
+                        <a:lnR w="12700" cap="flat" cmpd="sng" algn="ctr">
+                          <a:solidFill>
+                            <a:schemeClr val="tx1"/>
+                          </a:solidFill>
+                          <a:prstDash val="solid"/>
+                          <a:round/>
+                          <a:headEnd type="none" w="med" len="med"/>
+                          <a:tailEnd type="none" w="med" len="med"/>
+                        </a:lnR>
+                        <a:lnT w="12700" cap="flat" cmpd="sng" algn="ctr">
+                          <a:solidFill>
+                            <a:schemeClr val="tx1"/>
+                          </a:solidFill>
+                          <a:prstDash val="solid"/>
+                          <a:round/>
+                          <a:headEnd type="none" w="med" len="med"/>
+                          <a:tailEnd type="none" w="med" len="med"/>
+                        </a:lnT>
+                        <a:lnB w="12700" cmpd="sng">
+                          <a:noFill/>
+                        </a:lnB>
+                        <a:lnTlToBr w="12700" cmpd="sng">
+                          <a:noFill/>
+                          <a:prstDash val="solid"/>
+                        </a:lnTlToBr>
+                        <a:lnBlToTr w="12700" cmpd="sng">
+                          <a:noFill/>
+                          <a:prstDash val="solid"/>
+                        </a:lnBlToTr>
+                      </a:tcPr>
+                    </a:tc>
+                    <a:extLst>
+                      <a:ext uri="{0D108BD9-81ED-4DB2-BD59-A6C34878D82A}">
+                        <a16:rowId xmlns:a16="http://schemas.microsoft.com/office/drawing/2014/main" val="168199111"/>
+                      </a:ext>
+                    </a:extLst>
+                  </a:tr>
+                  <a:tr h="376747">
+                    <a:tc>
+                      <a:txBody>
+                        <a:bodyPr/>
+                        <a:lstStyle/>
+                        <a:p>
+                          <a14:m>
+                            <m:oMathPara xmlns:m="http://schemas.openxmlformats.org/officeDocument/2006/math">
+                              <m:oMathParaPr>
+                                <m:jc m:val="centerGroup"/>
+                              </m:oMathParaPr>
+                              <m:oMath xmlns:m="http://schemas.openxmlformats.org/officeDocument/2006/math">
+                                <m:sSub>
+                                  <m:sSubPr>
+                                    <m:ctrlPr>
+                                      <a:rPr lang="en-PH" sz="1400" b="0" smtClean="0"/>
+                                    </m:ctrlPr>
+                                  </m:sSubPr>
+                                  <m:e>
+                                    <m:r>
+                                      <a:rPr lang="en-PH" sz="1400" b="0" smtClean="0"/>
+                                      <m:t>𝑋</m:t>
+                                    </m:r>
+                                  </m:e>
+                                  <m:sub>
+                                    <m:r>
+                                      <a:rPr lang="en-PH" sz="1400" b="0" smtClean="0"/>
+                                      <m:t>7</m:t>
+                                    </m:r>
+                                  </m:sub>
+                                </m:sSub>
+                              </m:oMath>
+                            </m:oMathPara>
+                          </a14:m>
+                          <a:endParaRPr lang="en-GB" sz="1400" b="0" dirty="0">
+                            <a:latin typeface="Arial" panose="020B0604020202020204" pitchFamily="34" charset="0"/>
+                            <a:cs typeface="Arial" panose="020B0604020202020204" pitchFamily="34" charset="0"/>
+                          </a:endParaRPr>
+                        </a:p>
+                      </a:txBody>
+                      <a:tcPr>
+                        <a:lnL w="12700" cap="flat" cmpd="sng" algn="ctr">
+                          <a:solidFill>
+                            <a:schemeClr val="tx1"/>
+                          </a:solidFill>
+                          <a:prstDash val="solid"/>
+                          <a:round/>
+                          <a:headEnd type="none" w="med" len="med"/>
+                          <a:tailEnd type="none" w="med" len="med"/>
+                        </a:lnL>
+                        <a:lnT w="12700" cmpd="sng">
+                          <a:noFill/>
+                        </a:lnT>
+                      </a:tcPr>
+                    </a:tc>
+                    <a:tc>
+                      <a:txBody>
+                        <a:bodyPr/>
+                        <a:lstStyle/>
+                        <a:p>
+                          <a:r>
+                            <a:rPr lang="en-PH" sz="1400" b="0" dirty="0"/>
+                            <a:t>E-commerce</a:t>
+                          </a:r>
+                          <a:endParaRPr lang="en-GB" sz="1400" b="0" dirty="0">
+                            <a:latin typeface="Arial" panose="020B0604020202020204" pitchFamily="34" charset="0"/>
+                            <a:cs typeface="Arial" panose="020B0604020202020204" pitchFamily="34" charset="0"/>
+                          </a:endParaRPr>
+                        </a:p>
+                      </a:txBody>
+                      <a:tcPr>
+                        <a:lnT w="12700" cmpd="sng">
+                          <a:noFill/>
+                        </a:lnT>
+                      </a:tcPr>
+                    </a:tc>
+                    <a:tc>
+                      <a:txBody>
+                        <a:bodyPr/>
+                        <a:lstStyle/>
+                        <a:p>
+                          <a:r>
+                            <a:rPr lang="en-PH" sz="1400" b="0" dirty="0"/>
+                            <a:t>Overall image of HBAT’s website; user-friendliness</a:t>
+                          </a:r>
+                          <a:endParaRPr lang="en-GB" sz="1400" b="0" dirty="0">
+                            <a:latin typeface="Arial" panose="020B0604020202020204" pitchFamily="34" charset="0"/>
+                            <a:cs typeface="Arial" panose="020B0604020202020204" pitchFamily="34" charset="0"/>
+                          </a:endParaRPr>
+                        </a:p>
+                      </a:txBody>
+                      <a:tcPr>
+                        <a:lnR w="12700" cap="flat" cmpd="sng" algn="ctr">
+                          <a:solidFill>
+                            <a:schemeClr val="tx1"/>
+                          </a:solidFill>
+                          <a:prstDash val="solid"/>
+                          <a:round/>
+                          <a:headEnd type="none" w="med" len="med"/>
+                          <a:tailEnd type="none" w="med" len="med"/>
+                        </a:lnR>
+                        <a:lnT w="12700" cmpd="sng">
+                          <a:noFill/>
+                        </a:lnT>
+                      </a:tcPr>
+                    </a:tc>
+                    <a:extLst>
+                      <a:ext uri="{0D108BD9-81ED-4DB2-BD59-A6C34878D82A}">
+                        <a16:rowId xmlns:a16="http://schemas.microsoft.com/office/drawing/2014/main" val="3695046256"/>
+                      </a:ext>
+                    </a:extLst>
+                  </a:tr>
+                  <a:tr h="526414">
+                    <a:tc>
+                      <a:txBody>
+                        <a:bodyPr/>
+                        <a:lstStyle/>
+                        <a:p>
+                          <a14:m>
+                            <m:oMathPara xmlns:m="http://schemas.openxmlformats.org/officeDocument/2006/math">
+                              <m:oMathParaPr>
+                                <m:jc m:val="centerGroup"/>
+                              </m:oMathParaPr>
+                              <m:oMath xmlns:m="http://schemas.openxmlformats.org/officeDocument/2006/math">
+                                <m:sSub>
+                                  <m:sSubPr>
+                                    <m:ctrlPr>
+                                      <a:rPr lang="en-PH" sz="1400" b="0" smtClean="0"/>
+                                    </m:ctrlPr>
+                                  </m:sSubPr>
+                                  <m:e>
+                                    <m:r>
+                                      <a:rPr lang="en-PH" sz="1400" b="0" smtClean="0"/>
+                                      <m:t>𝑋</m:t>
+                                    </m:r>
+                                  </m:e>
+                                  <m:sub>
+                                    <m:r>
+                                      <a:rPr lang="en-PH" sz="1400" b="0" smtClean="0"/>
+                                      <m:t>8</m:t>
+                                    </m:r>
+                                  </m:sub>
+                                </m:sSub>
+                              </m:oMath>
+                            </m:oMathPara>
+                          </a14:m>
+                          <a:endParaRPr lang="en-GB" sz="1400" b="0" dirty="0">
+                            <a:latin typeface="Arial" panose="020B0604020202020204" pitchFamily="34" charset="0"/>
+                            <a:cs typeface="Arial" panose="020B0604020202020204" pitchFamily="34" charset="0"/>
+                          </a:endParaRPr>
+                        </a:p>
+                      </a:txBody>
+                      <a:tcPr>
+                        <a:lnL w="12700" cap="flat" cmpd="sng" algn="ctr">
+                          <a:solidFill>
+                            <a:schemeClr val="tx1"/>
+                          </a:solidFill>
+                          <a:prstDash val="solid"/>
+                          <a:round/>
+                          <a:headEnd type="none" w="med" len="med"/>
+                          <a:tailEnd type="none" w="med" len="med"/>
+                        </a:lnL>
+                      </a:tcPr>
+                    </a:tc>
+                    <a:tc>
+                      <a:txBody>
+                        <a:bodyPr/>
+                        <a:lstStyle/>
+                        <a:p>
+                          <a:r>
+                            <a:rPr lang="en-PH" sz="1400" b="0" dirty="0"/>
+                            <a:t>Technical support</a:t>
+                          </a:r>
+                          <a:endParaRPr lang="en-GB" sz="1400" b="0" dirty="0">
+                            <a:latin typeface="Arial" panose="020B0604020202020204" pitchFamily="34" charset="0"/>
+                            <a:cs typeface="Arial" panose="020B0604020202020204" pitchFamily="34" charset="0"/>
+                          </a:endParaRPr>
+                        </a:p>
+                      </a:txBody>
+                      <a:tcPr/>
+                    </a:tc>
+                    <a:tc>
+                      <a:txBody>
+                        <a:bodyPr/>
+                        <a:lstStyle/>
+                        <a:p>
+                          <a:r>
+                            <a:rPr lang="en-PH" sz="1400" b="0" dirty="0"/>
+                            <a:t>Extent to which technical support is offered</a:t>
+                          </a:r>
+                          <a:endParaRPr lang="en-GB" sz="1400" b="0" dirty="0">
+                            <a:latin typeface="Arial" panose="020B0604020202020204" pitchFamily="34" charset="0"/>
+                            <a:cs typeface="Arial" panose="020B0604020202020204" pitchFamily="34" charset="0"/>
+                          </a:endParaRPr>
+                        </a:p>
+                      </a:txBody>
+                      <a:tcPr>
+                        <a:lnR w="12700" cap="flat" cmpd="sng" algn="ctr">
+                          <a:solidFill>
+                            <a:schemeClr val="tx1"/>
+                          </a:solidFill>
+                          <a:prstDash val="solid"/>
+                          <a:round/>
+                          <a:headEnd type="none" w="med" len="med"/>
+                          <a:tailEnd type="none" w="med" len="med"/>
+                        </a:lnR>
+                      </a:tcPr>
+                    </a:tc>
+                    <a:extLst>
+                      <a:ext uri="{0D108BD9-81ED-4DB2-BD59-A6C34878D82A}">
+                        <a16:rowId xmlns:a16="http://schemas.microsoft.com/office/drawing/2014/main" val="2372983334"/>
+                      </a:ext>
+                    </a:extLst>
+                  </a:tr>
+                  <a:tr h="526414">
+                    <a:tc>
+                      <a:txBody>
+                        <a:bodyPr/>
+                        <a:lstStyle/>
+                        <a:p>
+                          <a14:m>
+                            <m:oMathPara xmlns:m="http://schemas.openxmlformats.org/officeDocument/2006/math">
+                              <m:oMathParaPr>
+                                <m:jc m:val="centerGroup"/>
+                              </m:oMathParaPr>
+                              <m:oMath xmlns:m="http://schemas.openxmlformats.org/officeDocument/2006/math">
+                                <m:sSub>
+                                  <m:sSubPr>
+                                    <m:ctrlPr>
+                                      <a:rPr lang="en-PH" sz="1400" b="0" smtClean="0"/>
+                                    </m:ctrlPr>
+                                  </m:sSubPr>
+                                  <m:e>
+                                    <m:r>
+                                      <a:rPr lang="en-PH" sz="1400" b="0" smtClean="0"/>
+                                      <m:t>𝑋</m:t>
+                                    </m:r>
+                                  </m:e>
+                                  <m:sub>
+                                    <m:r>
+                                      <a:rPr lang="en-PH" sz="1400" b="0" smtClean="0"/>
+                                      <m:t>9</m:t>
+                                    </m:r>
+                                  </m:sub>
+                                </m:sSub>
+                              </m:oMath>
+                            </m:oMathPara>
+                          </a14:m>
+                          <a:endParaRPr lang="en-GB" sz="1400" b="0" dirty="0">
+                            <a:latin typeface="Arial" panose="020B0604020202020204" pitchFamily="34" charset="0"/>
+                            <a:cs typeface="Arial" panose="020B0604020202020204" pitchFamily="34" charset="0"/>
+                          </a:endParaRPr>
+                        </a:p>
+                      </a:txBody>
+                      <a:tcPr>
+                        <a:lnL w="12700" cap="flat" cmpd="sng" algn="ctr">
+                          <a:solidFill>
+                            <a:schemeClr val="tx1"/>
+                          </a:solidFill>
+                          <a:prstDash val="solid"/>
+                          <a:round/>
+                          <a:headEnd type="none" w="med" len="med"/>
+                          <a:tailEnd type="none" w="med" len="med"/>
+                        </a:lnL>
+                      </a:tcPr>
+                    </a:tc>
+                    <a:tc>
+                      <a:txBody>
+                        <a:bodyPr/>
+                        <a:lstStyle/>
+                        <a:p>
+                          <a:r>
+                            <a:rPr lang="en-PH" sz="1400" b="0" dirty="0"/>
+                            <a:t>Complaint resolution</a:t>
+                          </a:r>
+                          <a:endParaRPr lang="en-GB" sz="1400" b="0" dirty="0">
+                            <a:latin typeface="Arial" panose="020B0604020202020204" pitchFamily="34" charset="0"/>
+                            <a:cs typeface="Arial" panose="020B0604020202020204" pitchFamily="34" charset="0"/>
+                          </a:endParaRPr>
+                        </a:p>
+                      </a:txBody>
+                      <a:tcPr/>
+                    </a:tc>
+                    <a:tc>
+                      <a:txBody>
+                        <a:bodyPr/>
+                        <a:lstStyle/>
+                        <a:p>
+                          <a:r>
+                            <a:rPr lang="en-PH" sz="1400" b="0" dirty="0"/>
+                            <a:t>Extent to which any complaints are resolved in timely and complete manner</a:t>
+                          </a:r>
+                          <a:endParaRPr lang="en-GB" sz="1400" b="0" dirty="0">
+                            <a:latin typeface="Arial" panose="020B0604020202020204" pitchFamily="34" charset="0"/>
+                            <a:cs typeface="Arial" panose="020B0604020202020204" pitchFamily="34" charset="0"/>
+                          </a:endParaRPr>
+                        </a:p>
+                      </a:txBody>
+                      <a:tcPr>
+                        <a:lnR w="12700" cap="flat" cmpd="sng" algn="ctr">
+                          <a:solidFill>
+                            <a:schemeClr val="tx1"/>
+                          </a:solidFill>
+                          <a:prstDash val="solid"/>
+                          <a:round/>
+                          <a:headEnd type="none" w="med" len="med"/>
+                          <a:tailEnd type="none" w="med" len="med"/>
+                        </a:lnR>
+                      </a:tcPr>
+                    </a:tc>
+                    <a:extLst>
+                      <a:ext uri="{0D108BD9-81ED-4DB2-BD59-A6C34878D82A}">
+                        <a16:rowId xmlns:a16="http://schemas.microsoft.com/office/drawing/2014/main" val="2216671192"/>
+                      </a:ext>
+                    </a:extLst>
+                  </a:tr>
+                  <a:tr h="526414">
+                    <a:tc>
+                      <a:txBody>
+                        <a:bodyPr/>
+                        <a:lstStyle/>
+                        <a:p>
+                          <a14:m>
+                            <m:oMathPara xmlns:m="http://schemas.openxmlformats.org/officeDocument/2006/math">
+                              <m:oMathParaPr>
+                                <m:jc m:val="centerGroup"/>
+                              </m:oMathParaPr>
+                              <m:oMath xmlns:m="http://schemas.openxmlformats.org/officeDocument/2006/math">
+                                <m:sSub>
+                                  <m:sSubPr>
+                                    <m:ctrlPr>
+                                      <a:rPr lang="en-PH" sz="1400" b="0" smtClean="0"/>
+                                    </m:ctrlPr>
+                                  </m:sSubPr>
+                                  <m:e>
+                                    <m:r>
+                                      <a:rPr lang="en-PH" sz="1400" b="0" smtClean="0"/>
+                                      <m:t>𝑋</m:t>
+                                    </m:r>
+                                  </m:e>
+                                  <m:sub>
+                                    <m:r>
+                                      <a:rPr lang="en-PH" sz="1400" b="0" smtClean="0"/>
+                                      <m:t>10</m:t>
+                                    </m:r>
+                                  </m:sub>
+                                </m:sSub>
+                              </m:oMath>
+                            </m:oMathPara>
+                          </a14:m>
+                          <a:endParaRPr lang="en-GB" sz="1400" b="0" dirty="0">
+                            <a:latin typeface="Arial" panose="020B0604020202020204" pitchFamily="34" charset="0"/>
+                            <a:cs typeface="Arial" panose="020B0604020202020204" pitchFamily="34" charset="0"/>
+                          </a:endParaRPr>
+                        </a:p>
+                      </a:txBody>
+                      <a:tcPr>
+                        <a:lnL w="12700" cap="flat" cmpd="sng" algn="ctr">
+                          <a:solidFill>
+                            <a:schemeClr val="tx1"/>
+                          </a:solidFill>
+                          <a:prstDash val="solid"/>
+                          <a:round/>
+                          <a:headEnd type="none" w="med" len="med"/>
+                          <a:tailEnd type="none" w="med" len="med"/>
+                        </a:lnL>
+                      </a:tcPr>
+                    </a:tc>
+                    <a:tc>
+                      <a:txBody>
+                        <a:bodyPr/>
+                        <a:lstStyle/>
+                        <a:p>
+                          <a:r>
+                            <a:rPr lang="en-PH" sz="1400" b="0" dirty="0"/>
+                            <a:t>Advertising</a:t>
+                          </a:r>
+                          <a:endParaRPr lang="en-GB" sz="1400" b="0" dirty="0">
+                            <a:latin typeface="Arial" panose="020B0604020202020204" pitchFamily="34" charset="0"/>
+                            <a:cs typeface="Arial" panose="020B0604020202020204" pitchFamily="34" charset="0"/>
+                          </a:endParaRPr>
+                        </a:p>
+                      </a:txBody>
+                      <a:tcPr/>
+                    </a:tc>
+                    <a:tc>
+                      <a:txBody>
+                        <a:bodyPr/>
+                        <a:lstStyle/>
+                        <a:p>
+                          <a:r>
+                            <a:rPr lang="en-PH" sz="1400" b="0" dirty="0"/>
+                            <a:t>Perceptions of HBAT’s product line to meet customer needs</a:t>
+                          </a:r>
+                          <a:endParaRPr lang="en-GB" sz="1400" b="0" dirty="0">
+                            <a:latin typeface="Arial" panose="020B0604020202020204" pitchFamily="34" charset="0"/>
+                            <a:cs typeface="Arial" panose="020B0604020202020204" pitchFamily="34" charset="0"/>
+                          </a:endParaRPr>
+                        </a:p>
+                      </a:txBody>
+                      <a:tcPr>
+                        <a:lnR w="12700" cap="flat" cmpd="sng" algn="ctr">
+                          <a:solidFill>
+                            <a:schemeClr val="tx1"/>
+                          </a:solidFill>
+                          <a:prstDash val="solid"/>
+                          <a:round/>
+                          <a:headEnd type="none" w="med" len="med"/>
+                          <a:tailEnd type="none" w="med" len="med"/>
+                        </a:lnR>
+                      </a:tcPr>
+                    </a:tc>
+                    <a:extLst>
+                      <a:ext uri="{0D108BD9-81ED-4DB2-BD59-A6C34878D82A}">
+                        <a16:rowId xmlns:a16="http://schemas.microsoft.com/office/drawing/2014/main" val="3692207160"/>
+                      </a:ext>
+                    </a:extLst>
+                  </a:tr>
+                  <a:tr h="526414">
+                    <a:tc>
+                      <a:txBody>
+                        <a:bodyPr/>
+                        <a:lstStyle/>
+                        <a:p>
+                          <a14:m>
+                            <m:oMathPara xmlns:m="http://schemas.openxmlformats.org/officeDocument/2006/math">
+                              <m:oMathParaPr>
+                                <m:jc m:val="centerGroup"/>
+                              </m:oMathParaPr>
+                              <m:oMath xmlns:m="http://schemas.openxmlformats.org/officeDocument/2006/math">
+                                <m:sSub>
+                                  <m:sSubPr>
+                                    <m:ctrlPr>
+                                      <a:rPr lang="en-PH" sz="1400" b="0" smtClean="0"/>
+                                    </m:ctrlPr>
+                                  </m:sSubPr>
+                                  <m:e>
+                                    <m:r>
+                                      <a:rPr lang="en-PH" sz="1400" b="0" smtClean="0"/>
+                                      <m:t>𝑋</m:t>
+                                    </m:r>
+                                  </m:e>
+                                  <m:sub>
+                                    <m:r>
+                                      <a:rPr lang="en-PH" sz="1400" b="0" smtClean="0"/>
+                                      <m:t>11</m:t>
+                                    </m:r>
+                                  </m:sub>
+                                </m:sSub>
+                              </m:oMath>
+                            </m:oMathPara>
+                          </a14:m>
+                          <a:endParaRPr lang="en-GB" sz="1400" b="0" dirty="0">
+                            <a:latin typeface="Arial" panose="020B0604020202020204" pitchFamily="34" charset="0"/>
+                            <a:cs typeface="Arial" panose="020B0604020202020204" pitchFamily="34" charset="0"/>
+                          </a:endParaRPr>
+                        </a:p>
+                      </a:txBody>
+                      <a:tcPr>
+                        <a:lnL w="12700" cap="flat" cmpd="sng" algn="ctr">
+                          <a:solidFill>
+                            <a:schemeClr val="tx1"/>
+                          </a:solidFill>
+                          <a:prstDash val="solid"/>
+                          <a:round/>
+                          <a:headEnd type="none" w="med" len="med"/>
+                          <a:tailEnd type="none" w="med" len="med"/>
+                        </a:lnL>
+                      </a:tcPr>
+                    </a:tc>
+                    <a:tc>
+                      <a:txBody>
+                        <a:bodyPr/>
+                        <a:lstStyle/>
+                        <a:p>
+                          <a:r>
+                            <a:rPr lang="en-PH" sz="1400" b="0" dirty="0"/>
+                            <a:t>Product line</a:t>
+                          </a:r>
+                          <a:endParaRPr lang="en-GB" sz="1400" b="0" dirty="0">
+                            <a:latin typeface="Arial" panose="020B0604020202020204" pitchFamily="34" charset="0"/>
+                            <a:cs typeface="Arial" panose="020B0604020202020204" pitchFamily="34" charset="0"/>
+                          </a:endParaRPr>
+                        </a:p>
+                      </a:txBody>
+                      <a:tcPr/>
+                    </a:tc>
+                    <a:tc>
+                      <a:txBody>
+                        <a:bodyPr/>
+                        <a:lstStyle/>
+                        <a:p>
+                          <a:r>
+                            <a:rPr lang="en-PH" sz="1400" b="0" dirty="0"/>
+                            <a:t>Depth and breadth of HBAT’s product line to meet customer needs</a:t>
+                          </a:r>
+                          <a:endParaRPr lang="en-GB" sz="1400" b="0" dirty="0">
+                            <a:latin typeface="Arial" panose="020B0604020202020204" pitchFamily="34" charset="0"/>
+                            <a:cs typeface="Arial" panose="020B0604020202020204" pitchFamily="34" charset="0"/>
+                          </a:endParaRPr>
+                        </a:p>
+                      </a:txBody>
+                      <a:tcPr>
+                        <a:lnR w="12700" cap="flat" cmpd="sng" algn="ctr">
+                          <a:solidFill>
+                            <a:schemeClr val="tx1"/>
+                          </a:solidFill>
+                          <a:prstDash val="solid"/>
+                          <a:round/>
+                          <a:headEnd type="none" w="med" len="med"/>
+                          <a:tailEnd type="none" w="med" len="med"/>
+                        </a:lnR>
+                      </a:tcPr>
+                    </a:tc>
+                    <a:extLst>
+                      <a:ext uri="{0D108BD9-81ED-4DB2-BD59-A6C34878D82A}">
+                        <a16:rowId xmlns:a16="http://schemas.microsoft.com/office/drawing/2014/main" val="83474327"/>
+                      </a:ext>
+                    </a:extLst>
+                  </a:tr>
+                  <a:tr h="526414">
+                    <a:tc>
+                      <a:txBody>
+                        <a:bodyPr/>
+                        <a:lstStyle/>
+                        <a:p>
+                          <a14:m>
+                            <m:oMathPara xmlns:m="http://schemas.openxmlformats.org/officeDocument/2006/math">
+                              <m:oMathParaPr>
+                                <m:jc m:val="centerGroup"/>
+                              </m:oMathParaPr>
+                              <m:oMath xmlns:m="http://schemas.openxmlformats.org/officeDocument/2006/math">
+                                <m:sSub>
+                                  <m:sSubPr>
+                                    <m:ctrlPr>
+                                      <a:rPr lang="en-PH" sz="1400" b="0" smtClean="0"/>
+                                    </m:ctrlPr>
+                                  </m:sSubPr>
+                                  <m:e>
+                                    <m:r>
+                                      <a:rPr lang="en-PH" sz="1400" b="0" smtClean="0"/>
+                                      <m:t>𝑋</m:t>
+                                    </m:r>
+                                  </m:e>
+                                  <m:sub>
+                                    <m:r>
+                                      <a:rPr lang="en-PH" sz="1400" b="0" smtClean="0"/>
+                                      <m:t>12</m:t>
+                                    </m:r>
+                                  </m:sub>
+                                </m:sSub>
+                              </m:oMath>
+                            </m:oMathPara>
+                          </a14:m>
+                          <a:endParaRPr lang="en-GB" sz="1400" b="0" dirty="0">
+                            <a:latin typeface="Arial" panose="020B0604020202020204" pitchFamily="34" charset="0"/>
+                            <a:cs typeface="Arial" panose="020B0604020202020204" pitchFamily="34" charset="0"/>
+                          </a:endParaRPr>
+                        </a:p>
+                      </a:txBody>
+                      <a:tcPr>
+                        <a:lnL w="12700" cap="flat" cmpd="sng" algn="ctr">
+                          <a:solidFill>
+                            <a:schemeClr val="tx1"/>
+                          </a:solidFill>
+                          <a:prstDash val="solid"/>
+                          <a:round/>
+                          <a:headEnd type="none" w="med" len="med"/>
+                          <a:tailEnd type="none" w="med" len="med"/>
+                        </a:lnL>
+                      </a:tcPr>
+                    </a:tc>
+                    <a:tc>
+                      <a:txBody>
+                        <a:bodyPr/>
+                        <a:lstStyle/>
+                        <a:p>
+                          <a:r>
+                            <a:rPr lang="en-PH" sz="1400" b="0" dirty="0"/>
+                            <a:t>Salesforce image</a:t>
+                          </a:r>
+                          <a:endParaRPr lang="en-GB" sz="1400" b="0" dirty="0">
+                            <a:latin typeface="Arial" panose="020B0604020202020204" pitchFamily="34" charset="0"/>
+                            <a:cs typeface="Arial" panose="020B0604020202020204" pitchFamily="34" charset="0"/>
+                          </a:endParaRPr>
+                        </a:p>
+                      </a:txBody>
+                      <a:tcPr/>
+                    </a:tc>
+                    <a:tc>
+                      <a:txBody>
+                        <a:bodyPr/>
+                        <a:lstStyle/>
+                        <a:p>
+                          <a:r>
+                            <a:rPr lang="en-PH" sz="1400" b="0" dirty="0"/>
+                            <a:t>Overall image of HBAT’s salesforce</a:t>
+                          </a:r>
+                          <a:endParaRPr lang="en-GB" sz="1400" b="0" dirty="0">
+                            <a:latin typeface="Arial" panose="020B0604020202020204" pitchFamily="34" charset="0"/>
+                            <a:cs typeface="Arial" panose="020B0604020202020204" pitchFamily="34" charset="0"/>
+                          </a:endParaRPr>
+                        </a:p>
+                      </a:txBody>
+                      <a:tcPr>
+                        <a:lnR w="12700" cap="flat" cmpd="sng" algn="ctr">
+                          <a:solidFill>
+                            <a:schemeClr val="tx1"/>
+                          </a:solidFill>
+                          <a:prstDash val="solid"/>
+                          <a:round/>
+                          <a:headEnd type="none" w="med" len="med"/>
+                          <a:tailEnd type="none" w="med" len="med"/>
+                        </a:lnR>
+                      </a:tcPr>
+                    </a:tc>
+                    <a:extLst>
+                      <a:ext uri="{0D108BD9-81ED-4DB2-BD59-A6C34878D82A}">
+                        <a16:rowId xmlns:a16="http://schemas.microsoft.com/office/drawing/2014/main" val="2725664331"/>
+                      </a:ext>
+                    </a:extLst>
+                  </a:tr>
+                  <a:tr h="526414">
+                    <a:tc>
+                      <a:txBody>
+                        <a:bodyPr/>
+                        <a:lstStyle/>
+                        <a:p>
+                          <a14:m>
+                            <m:oMathPara xmlns:m="http://schemas.openxmlformats.org/officeDocument/2006/math">
+                              <m:oMathParaPr>
+                                <m:jc m:val="centerGroup"/>
+                              </m:oMathParaPr>
+                              <m:oMath xmlns:m="http://schemas.openxmlformats.org/officeDocument/2006/math">
+                                <m:sSub>
+                                  <m:sSubPr>
+                                    <m:ctrlPr>
+                                      <a:rPr lang="en-PH" sz="1400" b="0" smtClean="0"/>
+                                    </m:ctrlPr>
+                                  </m:sSubPr>
+                                  <m:e>
+                                    <m:r>
+                                      <a:rPr lang="en-PH" sz="1400" b="0" smtClean="0"/>
+                                      <m:t>𝑋</m:t>
+                                    </m:r>
+                                  </m:e>
+                                  <m:sub>
+                                    <m:r>
+                                      <a:rPr lang="en-PH" sz="1400" b="0" smtClean="0"/>
+                                      <m:t>13</m:t>
+                                    </m:r>
+                                  </m:sub>
+                                </m:sSub>
+                              </m:oMath>
+                            </m:oMathPara>
+                          </a14:m>
+                          <a:endParaRPr lang="en-GB" sz="1400" b="0" dirty="0">
+                            <a:latin typeface="Arial" panose="020B0604020202020204" pitchFamily="34" charset="0"/>
+                            <a:cs typeface="Arial" panose="020B0604020202020204" pitchFamily="34" charset="0"/>
+                          </a:endParaRPr>
+                        </a:p>
+                      </a:txBody>
+                      <a:tcPr>
+                        <a:lnL w="12700" cap="flat" cmpd="sng" algn="ctr">
+                          <a:solidFill>
+                            <a:schemeClr val="tx1"/>
+                          </a:solidFill>
+                          <a:prstDash val="solid"/>
+                          <a:round/>
+                          <a:headEnd type="none" w="med" len="med"/>
+                          <a:tailEnd type="none" w="med" len="med"/>
+                        </a:lnL>
+                      </a:tcPr>
+                    </a:tc>
+                    <a:tc>
+                      <a:txBody>
+                        <a:bodyPr/>
+                        <a:lstStyle/>
+                        <a:p>
+                          <a:r>
+                            <a:rPr lang="en-PH" sz="1400" b="0" dirty="0"/>
+                            <a:t>Competitive pricing</a:t>
+                          </a:r>
+                          <a:endParaRPr lang="en-GB" sz="1400" b="0" dirty="0">
+                            <a:latin typeface="Arial" panose="020B0604020202020204" pitchFamily="34" charset="0"/>
+                            <a:cs typeface="Arial" panose="020B0604020202020204" pitchFamily="34" charset="0"/>
+                          </a:endParaRPr>
+                        </a:p>
+                      </a:txBody>
+                      <a:tcPr/>
+                    </a:tc>
+                    <a:tc>
+                      <a:txBody>
+                        <a:bodyPr/>
+                        <a:lstStyle/>
+                        <a:p>
+                          <a:r>
+                            <a:rPr lang="en-PH" sz="1400" b="0" dirty="0"/>
+                            <a:t>Extent to which HBAT offers competitive prices</a:t>
+                          </a:r>
+                          <a:endParaRPr lang="en-GB" sz="1400" b="0" dirty="0">
+                            <a:latin typeface="Arial" panose="020B0604020202020204" pitchFamily="34" charset="0"/>
+                            <a:cs typeface="Arial" panose="020B0604020202020204" pitchFamily="34" charset="0"/>
+                          </a:endParaRPr>
+                        </a:p>
+                      </a:txBody>
+                      <a:tcPr>
+                        <a:lnR w="12700" cap="flat" cmpd="sng" algn="ctr">
+                          <a:solidFill>
+                            <a:schemeClr val="tx1"/>
+                          </a:solidFill>
+                          <a:prstDash val="solid"/>
+                          <a:round/>
+                          <a:headEnd type="none" w="med" len="med"/>
+                          <a:tailEnd type="none" w="med" len="med"/>
+                        </a:lnR>
+                      </a:tcPr>
+                    </a:tc>
+                    <a:extLst>
+                      <a:ext uri="{0D108BD9-81ED-4DB2-BD59-A6C34878D82A}">
+                        <a16:rowId xmlns:a16="http://schemas.microsoft.com/office/drawing/2014/main" val="1713181456"/>
+                      </a:ext>
+                    </a:extLst>
+                  </a:tr>
+                  <a:tr h="526414">
+                    <a:tc>
+                      <a:txBody>
+                        <a:bodyPr/>
+                        <a:lstStyle/>
+                        <a:p>
+                          <a14:m>
+                            <m:oMathPara xmlns:m="http://schemas.openxmlformats.org/officeDocument/2006/math">
+                              <m:oMathParaPr>
+                                <m:jc m:val="centerGroup"/>
+                              </m:oMathParaPr>
+                              <m:oMath xmlns:m="http://schemas.openxmlformats.org/officeDocument/2006/math">
+                                <m:sSub>
+                                  <m:sSubPr>
+                                    <m:ctrlPr>
+                                      <a:rPr lang="en-PH" sz="1400" b="0" smtClean="0"/>
+                                    </m:ctrlPr>
+                                  </m:sSubPr>
+                                  <m:e>
+                                    <m:r>
+                                      <a:rPr lang="en-PH" sz="1400" b="0" smtClean="0"/>
+                                      <m:t>𝑋</m:t>
+                                    </m:r>
+                                  </m:e>
+                                  <m:sub>
+                                    <m:r>
+                                      <a:rPr lang="en-PH" sz="1400" b="0" smtClean="0"/>
+                                      <m:t>14</m:t>
+                                    </m:r>
+                                  </m:sub>
+                                </m:sSub>
+                              </m:oMath>
+                            </m:oMathPara>
+                          </a14:m>
+                          <a:endParaRPr lang="en-GB" sz="1400" b="0" dirty="0">
+                            <a:latin typeface="Arial" panose="020B0604020202020204" pitchFamily="34" charset="0"/>
+                            <a:cs typeface="Arial" panose="020B0604020202020204" pitchFamily="34" charset="0"/>
+                          </a:endParaRPr>
+                        </a:p>
+                      </a:txBody>
+                      <a:tcPr>
+                        <a:lnL w="12700" cap="flat" cmpd="sng" algn="ctr">
+                          <a:solidFill>
+                            <a:schemeClr val="tx1"/>
+                          </a:solidFill>
+                          <a:prstDash val="solid"/>
+                          <a:round/>
+                          <a:headEnd type="none" w="med" len="med"/>
+                          <a:tailEnd type="none" w="med" len="med"/>
+                        </a:lnL>
+                      </a:tcPr>
+                    </a:tc>
+                    <a:tc>
+                      <a:txBody>
+                        <a:bodyPr/>
+                        <a:lstStyle/>
+                        <a:p>
+                          <a:r>
+                            <a:rPr lang="en-PH" sz="1400" b="0" dirty="0"/>
+                            <a:t>Warranty and claims</a:t>
+                          </a:r>
+                          <a:endParaRPr lang="en-GB" sz="1400" b="0" dirty="0">
+                            <a:latin typeface="Arial" panose="020B0604020202020204" pitchFamily="34" charset="0"/>
+                            <a:cs typeface="Arial" panose="020B0604020202020204" pitchFamily="34" charset="0"/>
+                          </a:endParaRPr>
+                        </a:p>
+                      </a:txBody>
+                      <a:tcPr/>
+                    </a:tc>
+                    <a:tc>
+                      <a:txBody>
+                        <a:bodyPr/>
+                        <a:lstStyle/>
+                        <a:p>
+                          <a:r>
+                            <a:rPr lang="en-PH" sz="1400" b="0" dirty="0"/>
+                            <a:t>Extent to which HBAT stands behind its product/ service warranties and claims</a:t>
+                          </a:r>
+                          <a:endParaRPr lang="en-GB" sz="1400" b="0" dirty="0">
+                            <a:latin typeface="Arial" panose="020B0604020202020204" pitchFamily="34" charset="0"/>
+                            <a:cs typeface="Arial" panose="020B0604020202020204" pitchFamily="34" charset="0"/>
+                          </a:endParaRPr>
+                        </a:p>
+                      </a:txBody>
+                      <a:tcPr>
+                        <a:lnR w="12700" cap="flat" cmpd="sng" algn="ctr">
+                          <a:solidFill>
+                            <a:schemeClr val="tx1"/>
+                          </a:solidFill>
+                          <a:prstDash val="solid"/>
+                          <a:round/>
+                          <a:headEnd type="none" w="med" len="med"/>
+                          <a:tailEnd type="none" w="med" len="med"/>
+                        </a:lnR>
+                      </a:tcPr>
+                    </a:tc>
+                    <a:extLst>
+                      <a:ext uri="{0D108BD9-81ED-4DB2-BD59-A6C34878D82A}">
+                        <a16:rowId xmlns:a16="http://schemas.microsoft.com/office/drawing/2014/main" val="1149186816"/>
+                      </a:ext>
+                    </a:extLst>
+                  </a:tr>
+                  <a:tr h="526414">
+                    <a:tc>
+                      <a:txBody>
+                        <a:bodyPr/>
+                        <a:lstStyle/>
+                        <a:p>
+                          <a14:m>
+                            <m:oMathPara xmlns:m="http://schemas.openxmlformats.org/officeDocument/2006/math">
+                              <m:oMathParaPr>
+                                <m:jc m:val="centerGroup"/>
+                              </m:oMathParaPr>
+                              <m:oMath xmlns:m="http://schemas.openxmlformats.org/officeDocument/2006/math">
+                                <m:sSub>
+                                  <m:sSubPr>
+                                    <m:ctrlPr>
+                                      <a:rPr lang="en-PH" sz="1400" b="0" smtClean="0"/>
+                                    </m:ctrlPr>
+                                  </m:sSubPr>
+                                  <m:e>
+                                    <m:r>
+                                      <a:rPr lang="en-PH" sz="1400" b="0" smtClean="0"/>
+                                      <m:t>𝑋</m:t>
+                                    </m:r>
+                                  </m:e>
+                                  <m:sub>
+                                    <m:r>
+                                      <a:rPr lang="en-PH" sz="1400" b="0" smtClean="0"/>
+                                      <m:t>15</m:t>
+                                    </m:r>
+                                  </m:sub>
+                                </m:sSub>
+                              </m:oMath>
+                            </m:oMathPara>
+                          </a14:m>
+                          <a:endParaRPr lang="en-GB" sz="1400" b="0" dirty="0">
+                            <a:latin typeface="Arial" panose="020B0604020202020204" pitchFamily="34" charset="0"/>
+                            <a:cs typeface="Arial" panose="020B0604020202020204" pitchFamily="34" charset="0"/>
+                          </a:endParaRPr>
+                        </a:p>
+                      </a:txBody>
+                      <a:tcPr>
+                        <a:lnL w="12700" cap="flat" cmpd="sng" algn="ctr">
+                          <a:solidFill>
+                            <a:schemeClr val="tx1"/>
+                          </a:solidFill>
+                          <a:prstDash val="solid"/>
+                          <a:round/>
+                          <a:headEnd type="none" w="med" len="med"/>
+                          <a:tailEnd type="none" w="med" len="med"/>
+                        </a:lnL>
+                      </a:tcPr>
+                    </a:tc>
+                    <a:tc>
+                      <a:txBody>
+                        <a:bodyPr/>
+                        <a:lstStyle/>
+                        <a:p>
+                          <a:r>
+                            <a:rPr lang="en-PH" sz="1400" b="0" dirty="0"/>
+                            <a:t>New products</a:t>
+                          </a:r>
+                          <a:endParaRPr lang="en-GB" sz="1400" b="0" dirty="0">
+                            <a:latin typeface="Arial" panose="020B0604020202020204" pitchFamily="34" charset="0"/>
+                            <a:cs typeface="Arial" panose="020B0604020202020204" pitchFamily="34" charset="0"/>
+                          </a:endParaRPr>
+                        </a:p>
+                      </a:txBody>
+                      <a:tcPr/>
+                    </a:tc>
+                    <a:tc>
+                      <a:txBody>
+                        <a:bodyPr/>
+                        <a:lstStyle/>
+                        <a:p>
+                          <a:r>
+                            <a:rPr lang="en-PH" sz="1400" b="0" dirty="0"/>
+                            <a:t>Extent to which  HBAT develops and sells new products</a:t>
+                          </a:r>
+                          <a:endParaRPr lang="en-GB" sz="1400" b="0" dirty="0">
+                            <a:latin typeface="Arial" panose="020B0604020202020204" pitchFamily="34" charset="0"/>
+                            <a:cs typeface="Arial" panose="020B0604020202020204" pitchFamily="34" charset="0"/>
+                          </a:endParaRPr>
+                        </a:p>
+                      </a:txBody>
+                      <a:tcPr>
+                        <a:lnR w="12700" cap="flat" cmpd="sng" algn="ctr">
+                          <a:solidFill>
+                            <a:schemeClr val="tx1"/>
+                          </a:solidFill>
+                          <a:prstDash val="solid"/>
+                          <a:round/>
+                          <a:headEnd type="none" w="med" len="med"/>
+                          <a:tailEnd type="none" w="med" len="med"/>
+                        </a:lnR>
+                      </a:tcPr>
+                    </a:tc>
+                    <a:extLst>
+                      <a:ext uri="{0D108BD9-81ED-4DB2-BD59-A6C34878D82A}">
+                        <a16:rowId xmlns:a16="http://schemas.microsoft.com/office/drawing/2014/main" val="898855204"/>
+                      </a:ext>
+                    </a:extLst>
+                  </a:tr>
+                  <a:tr h="526414">
+                    <a:tc>
+                      <a:txBody>
+                        <a:bodyPr/>
+                        <a:lstStyle/>
+                        <a:p>
+                          <a14:m>
+                            <m:oMathPara xmlns:m="http://schemas.openxmlformats.org/officeDocument/2006/math">
+                              <m:oMathParaPr>
+                                <m:jc m:val="centerGroup"/>
+                              </m:oMathParaPr>
+                              <m:oMath xmlns:m="http://schemas.openxmlformats.org/officeDocument/2006/math">
+                                <m:sSub>
+                                  <m:sSubPr>
+                                    <m:ctrlPr>
+                                      <a:rPr lang="en-PH" sz="1400" b="0" smtClean="0"/>
+                                    </m:ctrlPr>
+                                  </m:sSubPr>
+                                  <m:e>
+                                    <m:r>
+                                      <a:rPr lang="en-PH" sz="1400" b="0" smtClean="0"/>
+                                      <m:t>𝑋</m:t>
+                                    </m:r>
+                                  </m:e>
+                                  <m:sub>
+                                    <m:r>
+                                      <a:rPr lang="en-PH" sz="1400" b="0" smtClean="0"/>
+                                      <m:t>16</m:t>
+                                    </m:r>
+                                  </m:sub>
+                                </m:sSub>
+                              </m:oMath>
+                            </m:oMathPara>
+                          </a14:m>
+                          <a:endParaRPr lang="en-GB" sz="1400" b="0" dirty="0">
+                            <a:latin typeface="Arial" panose="020B0604020202020204" pitchFamily="34" charset="0"/>
+                            <a:cs typeface="Arial" panose="020B0604020202020204" pitchFamily="34" charset="0"/>
+                          </a:endParaRPr>
+                        </a:p>
+                      </a:txBody>
+                      <a:tcPr>
+                        <a:lnL w="12700" cap="flat" cmpd="sng" algn="ctr">
+                          <a:solidFill>
+                            <a:schemeClr val="tx1"/>
+                          </a:solidFill>
+                          <a:prstDash val="solid"/>
+                          <a:round/>
+                          <a:headEnd type="none" w="med" len="med"/>
+                          <a:tailEnd type="none" w="med" len="med"/>
+                        </a:lnL>
+                      </a:tcPr>
+                    </a:tc>
+                    <a:tc>
+                      <a:txBody>
+                        <a:bodyPr/>
+                        <a:lstStyle/>
+                        <a:p>
+                          <a:r>
+                            <a:rPr lang="en-PH" sz="1400" b="0" dirty="0"/>
+                            <a:t>Ordering and billing</a:t>
+                          </a:r>
+                          <a:endParaRPr lang="en-GB" sz="1400" b="0" dirty="0">
+                            <a:latin typeface="Arial" panose="020B0604020202020204" pitchFamily="34" charset="0"/>
+                            <a:cs typeface="Arial" panose="020B0604020202020204" pitchFamily="34" charset="0"/>
+                          </a:endParaRPr>
+                        </a:p>
+                      </a:txBody>
+                      <a:tcPr/>
+                    </a:tc>
+                    <a:tc>
+                      <a:txBody>
+                        <a:bodyPr/>
+                        <a:lstStyle/>
+                        <a:p>
+                          <a:r>
+                            <a:rPr lang="en-PH" sz="1400" b="0" dirty="0"/>
+                            <a:t>Perceptions that ordering and billing is handled efficiently and correctly</a:t>
+                          </a:r>
+                          <a:endParaRPr lang="en-GB" sz="1400" b="0" dirty="0">
+                            <a:latin typeface="Arial" panose="020B0604020202020204" pitchFamily="34" charset="0"/>
+                            <a:cs typeface="Arial" panose="020B0604020202020204" pitchFamily="34" charset="0"/>
+                          </a:endParaRPr>
+                        </a:p>
+                      </a:txBody>
+                      <a:tcPr>
+                        <a:lnR w="12700" cap="flat" cmpd="sng" algn="ctr">
+                          <a:solidFill>
+                            <a:schemeClr val="tx1"/>
+                          </a:solidFill>
+                          <a:prstDash val="solid"/>
+                          <a:round/>
+                          <a:headEnd type="none" w="med" len="med"/>
+                          <a:tailEnd type="none" w="med" len="med"/>
+                        </a:lnR>
+                      </a:tcPr>
+                    </a:tc>
+                    <a:extLst>
+                      <a:ext uri="{0D108BD9-81ED-4DB2-BD59-A6C34878D82A}">
+                        <a16:rowId xmlns:a16="http://schemas.microsoft.com/office/drawing/2014/main" val="710683562"/>
+                      </a:ext>
+                    </a:extLst>
+                  </a:tr>
+                  <a:tr h="526414">
+                    <a:tc>
+                      <a:txBody>
+                        <a:bodyPr/>
+                        <a:lstStyle/>
+                        <a:p>
+                          <a14:m>
+                            <m:oMathPara xmlns:m="http://schemas.openxmlformats.org/officeDocument/2006/math">
+                              <m:oMathParaPr>
+                                <m:jc m:val="centerGroup"/>
+                              </m:oMathParaPr>
+                              <m:oMath xmlns:m="http://schemas.openxmlformats.org/officeDocument/2006/math">
+                                <m:sSub>
+                                  <m:sSubPr>
+                                    <m:ctrlPr>
+                                      <a:rPr lang="en-PH" sz="1400" b="0" smtClean="0"/>
+                                    </m:ctrlPr>
+                                  </m:sSubPr>
+                                  <m:e>
+                                    <m:r>
+                                      <a:rPr lang="en-PH" sz="1400" b="0" smtClean="0"/>
+                                      <m:t>𝑋</m:t>
+                                    </m:r>
+                                  </m:e>
+                                  <m:sub>
+                                    <m:r>
+                                      <a:rPr lang="en-PH" sz="1400" b="0" smtClean="0"/>
+                                      <m:t>17</m:t>
+                                    </m:r>
+                                  </m:sub>
+                                </m:sSub>
+                              </m:oMath>
+                            </m:oMathPara>
+                          </a14:m>
+                          <a:endParaRPr lang="en-GB" sz="1400" b="0" dirty="0">
+                            <a:latin typeface="Arial" panose="020B0604020202020204" pitchFamily="34" charset="0"/>
+                            <a:cs typeface="Arial" panose="020B0604020202020204" pitchFamily="34" charset="0"/>
+                          </a:endParaRPr>
+                        </a:p>
+                      </a:txBody>
+                      <a:tcPr>
+                        <a:lnL w="12700" cap="flat" cmpd="sng" algn="ctr">
+                          <a:solidFill>
+                            <a:schemeClr val="tx1"/>
+                          </a:solidFill>
+                          <a:prstDash val="solid"/>
+                          <a:round/>
+                          <a:headEnd type="none" w="med" len="med"/>
+                          <a:tailEnd type="none" w="med" len="med"/>
+                        </a:lnL>
+                      </a:tcPr>
+                    </a:tc>
+                    <a:tc>
+                      <a:txBody>
+                        <a:bodyPr/>
+                        <a:lstStyle/>
+                        <a:p>
+                          <a:r>
+                            <a:rPr lang="en-PH" sz="1400" b="0" dirty="0"/>
+                            <a:t>Price flexibility</a:t>
+                          </a:r>
+                          <a:endParaRPr lang="en-GB" sz="1400" b="0" dirty="0">
+                            <a:latin typeface="Arial" panose="020B0604020202020204" pitchFamily="34" charset="0"/>
+                            <a:cs typeface="Arial" panose="020B0604020202020204" pitchFamily="34" charset="0"/>
+                          </a:endParaRPr>
+                        </a:p>
+                      </a:txBody>
+                      <a:tcPr/>
+                    </a:tc>
+                    <a:tc>
+                      <a:txBody>
+                        <a:bodyPr/>
+                        <a:lstStyle/>
+                        <a:p>
+                          <a:r>
+                            <a:rPr lang="en-PH" sz="1400" b="0" dirty="0"/>
+                            <a:t>Perceived willingness of HBAT sales reps to negotiate price on purchase of paper products</a:t>
+                          </a:r>
+                          <a:endParaRPr lang="en-GB" sz="1400" b="0" dirty="0">
+                            <a:latin typeface="Arial" panose="020B0604020202020204" pitchFamily="34" charset="0"/>
+                            <a:cs typeface="Arial" panose="020B0604020202020204" pitchFamily="34" charset="0"/>
+                          </a:endParaRPr>
+                        </a:p>
+                      </a:txBody>
+                      <a:tcPr>
+                        <a:lnR w="12700" cap="flat" cmpd="sng" algn="ctr">
+                          <a:solidFill>
+                            <a:schemeClr val="tx1"/>
+                          </a:solidFill>
+                          <a:prstDash val="solid"/>
+                          <a:round/>
+                          <a:headEnd type="none" w="med" len="med"/>
+                          <a:tailEnd type="none" w="med" len="med"/>
+                        </a:lnR>
+                      </a:tcPr>
+                    </a:tc>
+                    <a:extLst>
+                      <a:ext uri="{0D108BD9-81ED-4DB2-BD59-A6C34878D82A}">
+                        <a16:rowId xmlns:a16="http://schemas.microsoft.com/office/drawing/2014/main" val="3615121717"/>
+                      </a:ext>
+                    </a:extLst>
+                  </a:tr>
+                  <a:tr h="526414">
+                    <a:tc>
+                      <a:txBody>
+                        <a:bodyPr/>
+                        <a:lstStyle/>
+                        <a:p>
+                          <a14:m>
+                            <m:oMathPara xmlns:m="http://schemas.openxmlformats.org/officeDocument/2006/math">
+                              <m:oMathParaPr>
+                                <m:jc m:val="centerGroup"/>
+                              </m:oMathParaPr>
+                              <m:oMath xmlns:m="http://schemas.openxmlformats.org/officeDocument/2006/math">
+                                <m:sSub>
+                                  <m:sSubPr>
+                                    <m:ctrlPr>
+                                      <a:rPr lang="en-PH" sz="1400" b="0" smtClean="0"/>
+                                    </m:ctrlPr>
+                                  </m:sSubPr>
+                                  <m:e>
+                                    <m:r>
+                                      <a:rPr lang="en-PH" sz="1400" b="0" smtClean="0"/>
+                                      <m:t>𝑋</m:t>
+                                    </m:r>
+                                  </m:e>
+                                  <m:sub>
+                                    <m:r>
+                                      <a:rPr lang="en-PH" sz="1400" b="0" smtClean="0"/>
+                                      <m:t>18</m:t>
+                                    </m:r>
+                                  </m:sub>
+                                </m:sSub>
+                              </m:oMath>
+                            </m:oMathPara>
+                          </a14:m>
+                          <a:endParaRPr lang="en-GB" sz="1400" b="0" dirty="0">
+                            <a:latin typeface="Arial" panose="020B0604020202020204" pitchFamily="34" charset="0"/>
+                            <a:cs typeface="Arial" panose="020B0604020202020204" pitchFamily="34" charset="0"/>
+                          </a:endParaRPr>
+                        </a:p>
+                      </a:txBody>
+                      <a:tcPr>
+                        <a:lnL w="12700" cap="flat" cmpd="sng" algn="ctr">
+                          <a:solidFill>
+                            <a:schemeClr val="tx1"/>
+                          </a:solidFill>
+                          <a:prstDash val="solid"/>
+                          <a:round/>
+                          <a:headEnd type="none" w="med" len="med"/>
+                          <a:tailEnd type="none" w="med" len="med"/>
+                        </a:lnL>
+                        <a:lnB w="12700" cap="flat" cmpd="sng" algn="ctr">
+                          <a:solidFill>
+                            <a:schemeClr val="tx1"/>
+                          </a:solidFill>
+                          <a:prstDash val="solid"/>
+                          <a:round/>
+                          <a:headEnd type="none" w="med" len="med"/>
+                          <a:tailEnd type="none" w="med" len="med"/>
+                        </a:lnB>
+                      </a:tcPr>
+                    </a:tc>
+                    <a:tc>
+                      <a:txBody>
+                        <a:bodyPr/>
+                        <a:lstStyle/>
+                        <a:p>
+                          <a:r>
+                            <a:rPr lang="en-PH" sz="1400" b="0" dirty="0"/>
+                            <a:t>Delivery speed</a:t>
+                          </a:r>
+                          <a:endParaRPr lang="en-GB" sz="1400" b="0" dirty="0">
+                            <a:latin typeface="Arial" panose="020B0604020202020204" pitchFamily="34" charset="0"/>
+                            <a:cs typeface="Arial" panose="020B0604020202020204" pitchFamily="34" charset="0"/>
+                          </a:endParaRPr>
+                        </a:p>
+                      </a:txBody>
+                      <a:tcPr>
+                        <a:lnB w="12700" cap="flat" cmpd="sng" algn="ctr">
+                          <a:solidFill>
+                            <a:schemeClr val="tx1"/>
+                          </a:solidFill>
+                          <a:prstDash val="solid"/>
+                          <a:round/>
+                          <a:headEnd type="none" w="med" len="med"/>
+                          <a:tailEnd type="none" w="med" len="med"/>
+                        </a:lnB>
+                      </a:tcPr>
+                    </a:tc>
+                    <a:tc>
+                      <a:txBody>
+                        <a:bodyPr/>
+                        <a:lstStyle/>
+                        <a:p>
+                          <a:r>
+                            <a:rPr lang="en-PH" sz="1400" b="0" dirty="0"/>
+                            <a:t>Amount of time it takes to deliver the paper product once an order has been confirmed</a:t>
+                          </a:r>
+                          <a:endParaRPr lang="en-GB" sz="1400" b="0" dirty="0">
+                            <a:latin typeface="Arial" panose="020B0604020202020204" pitchFamily="34" charset="0"/>
+                            <a:cs typeface="Arial" panose="020B0604020202020204" pitchFamily="34" charset="0"/>
+                          </a:endParaRPr>
+                        </a:p>
+                      </a:txBody>
+                      <a:tcPr>
+                        <a:lnR w="12700" cap="flat" cmpd="sng" algn="ctr">
+                          <a:solidFill>
+                            <a:schemeClr val="tx1"/>
+                          </a:solidFill>
+                          <a:prstDash val="solid"/>
+                          <a:round/>
+                          <a:headEnd type="none" w="med" len="med"/>
+                          <a:tailEnd type="none" w="med" len="med"/>
+                        </a:lnR>
+                        <a:lnB w="12700" cap="flat" cmpd="sng" algn="ctr">
+                          <a:solidFill>
+                            <a:schemeClr val="tx1"/>
+                          </a:solidFill>
+                          <a:prstDash val="solid"/>
+                          <a:round/>
+                          <a:headEnd type="none" w="med" len="med"/>
+                          <a:tailEnd type="none" w="med" len="med"/>
+                        </a:lnB>
+                      </a:tcPr>
+                    </a:tc>
+                    <a:extLst>
+                      <a:ext uri="{0D108BD9-81ED-4DB2-BD59-A6C34878D82A}">
+                        <a16:rowId xmlns:a16="http://schemas.microsoft.com/office/drawing/2014/main" val="1045023014"/>
+                      </a:ext>
+                    </a:extLst>
+                  </a:tr>
+                </a:tbl>
+              </a:graphicData>
+            </a:graphic>
+          </p:graphicFrame>
+        </mc:Choice>
+        <mc:Fallback>
+          <p:graphicFrame>
+            <p:nvGraphicFramePr>
+              <p:cNvPr id="5" name="Table 4">
+                <a:extLst>
+                  <a:ext uri="{FF2B5EF4-FFF2-40B4-BE49-F238E27FC236}">
+                    <a16:creationId xmlns:a16="http://schemas.microsoft.com/office/drawing/2014/main" id="{DD7DCB67-FF56-41DA-A1D8-ECE9C2881C86}"/>
+                  </a:ext>
+                </a:extLst>
+              </p:cNvPr>
+              <p:cNvGraphicFramePr>
+                <a:graphicFrameLocks noGrp="1"/>
+              </p:cNvGraphicFramePr>
+              <p:nvPr>
+                <p:extLst>
+                  <p:ext uri="{D42A27DB-BD31-4B8C-83A1-F6EECF244321}">
+                    <p14:modId xmlns:p14="http://schemas.microsoft.com/office/powerpoint/2010/main" val="3096543741"/>
+                  </p:ext>
+                </p:extLst>
+              </p:nvPr>
+            </p:nvGraphicFramePr>
+            <p:xfrm>
+              <a:off x="4049234" y="82142"/>
+              <a:ext cx="6850993" cy="6693715"/>
+            </p:xfrm>
+            <a:graphic>
+              <a:graphicData uri="http://schemas.openxmlformats.org/drawingml/2006/table">
+                <a:tbl>
+                  <a:tblPr firstRow="1" bandRow="1">
+                    <a:tableStyleId>{3B4B98B0-60AC-42C2-AFA5-B58CD77FA1E5}</a:tableStyleId>
+                  </a:tblPr>
+                  <a:tblGrid>
+                    <a:gridCol w="608325">
+                      <a:extLst>
+                        <a:ext uri="{9D8B030D-6E8A-4147-A177-3AD203B41FA5}">
+                          <a16:colId xmlns:a16="http://schemas.microsoft.com/office/drawing/2014/main" val="1358090828"/>
+                        </a:ext>
+                      </a:extLst>
+                    </a:gridCol>
+                    <a:gridCol w="1973716">
+                      <a:extLst>
+                        <a:ext uri="{9D8B030D-6E8A-4147-A177-3AD203B41FA5}">
+                          <a16:colId xmlns:a16="http://schemas.microsoft.com/office/drawing/2014/main" val="3394853744"/>
+                        </a:ext>
+                      </a:extLst>
+                    </a:gridCol>
+                    <a:gridCol w="4268952">
+                      <a:extLst>
+                        <a:ext uri="{9D8B030D-6E8A-4147-A177-3AD203B41FA5}">
+                          <a16:colId xmlns:a16="http://schemas.microsoft.com/office/drawing/2014/main" val="2804598532"/>
+                        </a:ext>
+                      </a:extLst>
+                    </a:gridCol>
+                  </a:tblGrid>
+                  <a:tr h="526414">
+                    <a:tc>
+                      <a:txBody>
+                        <a:bodyPr/>
+                        <a:lstStyle/>
+                        <a:p>
+                          <a:endParaRPr lang="en-US"/>
+                        </a:p>
+                      </a:txBody>
+                      <a:tcPr>
+                        <a:lnL w="12700" cap="flat" cmpd="sng" algn="ctr">
+                          <a:solidFill>
+                            <a:schemeClr val="tx1"/>
+                          </a:solidFill>
+                          <a:prstDash val="solid"/>
+                          <a:round/>
+                          <a:headEnd type="none" w="med" len="med"/>
+                          <a:tailEnd type="none" w="med" len="med"/>
+                        </a:lnL>
+                        <a:lnR>
+                          <a:noFill/>
+                        </a:lnR>
+                        <a:lnT w="12700" cap="flat" cmpd="sng" algn="ctr">
+                          <a:solidFill>
+                            <a:schemeClr val="tx1"/>
+                          </a:solidFill>
+                          <a:prstDash val="solid"/>
+                          <a:round/>
+                          <a:headEnd type="none" w="med" len="med"/>
+                          <a:tailEnd type="none" w="med" len="med"/>
+                        </a:lnT>
+                        <a:lnB w="12700" cmpd="sng">
+                          <a:noFill/>
+                        </a:lnB>
+                        <a:lnTlToBr w="12700" cmpd="sng">
+                          <a:noFill/>
+                          <a:prstDash val="solid"/>
+                        </a:lnTlToBr>
+                        <a:lnBlToTr w="12700" cmpd="sng">
+                          <a:noFill/>
+                          <a:prstDash val="solid"/>
+                        </a:lnBlToTr>
+                        <a:blipFill>
+                          <a:blip r:embed="rId2"/>
+                          <a:stretch>
+                            <a:fillRect l="-1000" t="-1163" r="-1027000" b="-1189535"/>
+                          </a:stretch>
+                        </a:blipFill>
+                      </a:tcPr>
+                    </a:tc>
+                    <a:tc>
+                      <a:txBody>
+                        <a:bodyPr/>
+                        <a:lstStyle/>
+                        <a:p>
+                          <a:r>
+                            <a:rPr lang="en-PH" sz="1400" b="0" dirty="0"/>
+                            <a:t>Product quality</a:t>
+                          </a:r>
+                          <a:endParaRPr lang="en-GB" sz="1400" b="0" dirty="0">
+                            <a:latin typeface="Arial" panose="020B0604020202020204" pitchFamily="34" charset="0"/>
+                            <a:cs typeface="Arial" panose="020B0604020202020204" pitchFamily="34" charset="0"/>
+                          </a:endParaRPr>
+                        </a:p>
+                      </a:txBody>
+                      <a:tcPr>
+                        <a:lnL>
+                          <a:noFill/>
+                        </a:lnL>
+                        <a:lnR>
+                          <a:noFill/>
+                        </a:lnR>
+                        <a:lnT w="12700" cap="flat" cmpd="sng" algn="ctr">
+                          <a:solidFill>
+                            <a:schemeClr val="tx1"/>
+                          </a:solidFill>
+                          <a:prstDash val="solid"/>
+                          <a:round/>
+                          <a:headEnd type="none" w="med" len="med"/>
+                          <a:tailEnd type="none" w="med" len="med"/>
+                        </a:lnT>
+                        <a:lnB w="12700" cmpd="sng">
+                          <a:noFill/>
+                        </a:lnB>
+                        <a:lnTlToBr w="12700" cmpd="sng">
+                          <a:noFill/>
+                          <a:prstDash val="solid"/>
+                        </a:lnTlToBr>
+                        <a:lnBlToTr w="12700" cmpd="sng">
+                          <a:noFill/>
+                          <a:prstDash val="solid"/>
+                        </a:lnBlToTr>
+                      </a:tcPr>
+                    </a:tc>
+                    <a:tc>
+                      <a:txBody>
+                        <a:bodyPr/>
+                        <a:lstStyle/>
+                        <a:p>
+                          <a:r>
+                            <a:rPr lang="en-PH" sz="1400" b="0" dirty="0"/>
+                            <a:t>Perceived level of quality of HBAT’s paper products</a:t>
+                          </a:r>
+                          <a:endParaRPr lang="en-GB" sz="1400" b="0" dirty="0">
+                            <a:latin typeface="Arial" panose="020B0604020202020204" pitchFamily="34" charset="0"/>
+                            <a:cs typeface="Arial" panose="020B0604020202020204" pitchFamily="34" charset="0"/>
+                          </a:endParaRPr>
+                        </a:p>
+                      </a:txBody>
+                      <a:tcPr>
+                        <a:lnL>
+                          <a:noFill/>
+                        </a:lnL>
+                        <a:lnR w="12700" cap="flat" cmpd="sng" algn="ctr">
+                          <a:solidFill>
+                            <a:schemeClr val="tx1"/>
+                          </a:solidFill>
+                          <a:prstDash val="solid"/>
+                          <a:round/>
+                          <a:headEnd type="none" w="med" len="med"/>
+                          <a:tailEnd type="none" w="med" len="med"/>
+                        </a:lnR>
+                        <a:lnT w="12700" cap="flat" cmpd="sng" algn="ctr">
+                          <a:solidFill>
+                            <a:schemeClr val="tx1"/>
+                          </a:solidFill>
+                          <a:prstDash val="solid"/>
+                          <a:round/>
+                          <a:headEnd type="none" w="med" len="med"/>
+                          <a:tailEnd type="none" w="med" len="med"/>
+                        </a:lnT>
+                        <a:lnB w="12700" cmpd="sng">
+                          <a:noFill/>
+                        </a:lnB>
+                        <a:lnTlToBr w="12700" cmpd="sng">
+                          <a:noFill/>
+                          <a:prstDash val="solid"/>
+                        </a:lnTlToBr>
+                        <a:lnBlToTr w="12700" cmpd="sng">
+                          <a:noFill/>
+                          <a:prstDash val="solid"/>
+                        </a:lnBlToTr>
+                      </a:tcPr>
+                    </a:tc>
+                    <a:extLst>
+                      <a:ext uri="{0D108BD9-81ED-4DB2-BD59-A6C34878D82A}">
+                        <a16:rowId xmlns:a16="http://schemas.microsoft.com/office/drawing/2014/main" val="168199111"/>
+                      </a:ext>
+                    </a:extLst>
+                  </a:tr>
+                  <a:tr h="376747">
+                    <a:tc>
+                      <a:txBody>
+                        <a:bodyPr/>
+                        <a:lstStyle/>
+                        <a:p>
+                          <a:endParaRPr lang="en-US"/>
+                        </a:p>
+                      </a:txBody>
+                      <a:tcPr>
+                        <a:lnL w="12700" cap="flat" cmpd="sng" algn="ctr">
+                          <a:solidFill>
+                            <a:schemeClr val="tx1"/>
+                          </a:solidFill>
+                          <a:prstDash val="solid"/>
+                          <a:round/>
+                          <a:headEnd type="none" w="med" len="med"/>
+                          <a:tailEnd type="none" w="med" len="med"/>
+                        </a:lnL>
+                        <a:lnT w="12700" cmpd="sng">
+                          <a:noFill/>
+                        </a:lnT>
+                        <a:blipFill>
+                          <a:blip r:embed="rId2"/>
+                          <a:stretch>
+                            <a:fillRect l="-1000" t="-140323" r="-1027000" b="-1550000"/>
+                          </a:stretch>
+                        </a:blipFill>
+                      </a:tcPr>
+                    </a:tc>
+                    <a:tc>
+                      <a:txBody>
+                        <a:bodyPr/>
+                        <a:lstStyle/>
+                        <a:p>
+                          <a:r>
+                            <a:rPr lang="en-PH" sz="1400" b="0" dirty="0"/>
+                            <a:t>E-commerce</a:t>
+                          </a:r>
+                          <a:endParaRPr lang="en-GB" sz="1400" b="0" dirty="0">
+                            <a:latin typeface="Arial" panose="020B0604020202020204" pitchFamily="34" charset="0"/>
+                            <a:cs typeface="Arial" panose="020B0604020202020204" pitchFamily="34" charset="0"/>
+                          </a:endParaRPr>
+                        </a:p>
+                      </a:txBody>
+                      <a:tcPr>
+                        <a:lnT w="12700" cmpd="sng">
+                          <a:noFill/>
+                        </a:lnT>
+                      </a:tcPr>
+                    </a:tc>
+                    <a:tc>
+                      <a:txBody>
+                        <a:bodyPr/>
+                        <a:lstStyle/>
+                        <a:p>
+                          <a:r>
+                            <a:rPr lang="en-PH" sz="1400" b="0" dirty="0"/>
+                            <a:t>Overall image of HBAT’s website; user-friendliness</a:t>
+                          </a:r>
+                          <a:endParaRPr lang="en-GB" sz="1400" b="0" dirty="0">
+                            <a:latin typeface="Arial" panose="020B0604020202020204" pitchFamily="34" charset="0"/>
+                            <a:cs typeface="Arial" panose="020B0604020202020204" pitchFamily="34" charset="0"/>
+                          </a:endParaRPr>
+                        </a:p>
+                      </a:txBody>
+                      <a:tcPr>
+                        <a:lnR w="12700" cap="flat" cmpd="sng" algn="ctr">
+                          <a:solidFill>
+                            <a:schemeClr val="tx1"/>
+                          </a:solidFill>
+                          <a:prstDash val="solid"/>
+                          <a:round/>
+                          <a:headEnd type="none" w="med" len="med"/>
+                          <a:tailEnd type="none" w="med" len="med"/>
+                        </a:lnR>
+                        <a:lnT w="12700" cmpd="sng">
+                          <a:noFill/>
+                        </a:lnT>
+                      </a:tcPr>
+                    </a:tc>
+                    <a:extLst>
+                      <a:ext uri="{0D108BD9-81ED-4DB2-BD59-A6C34878D82A}">
+                        <a16:rowId xmlns:a16="http://schemas.microsoft.com/office/drawing/2014/main" val="3695046256"/>
+                      </a:ext>
+                    </a:extLst>
+                  </a:tr>
+                  <a:tr h="526414">
+                    <a:tc>
+                      <a:txBody>
+                        <a:bodyPr/>
+                        <a:lstStyle/>
+                        <a:p>
+                          <a:endParaRPr lang="en-US"/>
+                        </a:p>
+                      </a:txBody>
+                      <a:tcPr>
+                        <a:lnL w="12700" cap="flat" cmpd="sng" algn="ctr">
+                          <a:solidFill>
+                            <a:schemeClr val="tx1"/>
+                          </a:solidFill>
+                          <a:prstDash val="solid"/>
+                          <a:round/>
+                          <a:headEnd type="none" w="med" len="med"/>
+                          <a:tailEnd type="none" w="med" len="med"/>
+                        </a:lnL>
+                        <a:blipFill>
+                          <a:blip r:embed="rId2"/>
+                          <a:stretch>
+                            <a:fillRect l="-1000" t="-171264" r="-1027000" b="-1004598"/>
+                          </a:stretch>
+                        </a:blipFill>
+                      </a:tcPr>
+                    </a:tc>
+                    <a:tc>
+                      <a:txBody>
+                        <a:bodyPr/>
+                        <a:lstStyle/>
+                        <a:p>
+                          <a:r>
+                            <a:rPr lang="en-PH" sz="1400" b="0" dirty="0"/>
+                            <a:t>Technical support</a:t>
+                          </a:r>
+                          <a:endParaRPr lang="en-GB" sz="1400" b="0" dirty="0">
+                            <a:latin typeface="Arial" panose="020B0604020202020204" pitchFamily="34" charset="0"/>
+                            <a:cs typeface="Arial" panose="020B0604020202020204" pitchFamily="34" charset="0"/>
+                          </a:endParaRPr>
+                        </a:p>
+                      </a:txBody>
+                      <a:tcPr/>
+                    </a:tc>
+                    <a:tc>
+                      <a:txBody>
+                        <a:bodyPr/>
+                        <a:lstStyle/>
+                        <a:p>
+                          <a:r>
+                            <a:rPr lang="en-PH" sz="1400" b="0" dirty="0"/>
+                            <a:t>Extent to which technical support is offered</a:t>
+                          </a:r>
+                          <a:endParaRPr lang="en-GB" sz="1400" b="0" dirty="0">
+                            <a:latin typeface="Arial" panose="020B0604020202020204" pitchFamily="34" charset="0"/>
+                            <a:cs typeface="Arial" panose="020B0604020202020204" pitchFamily="34" charset="0"/>
+                          </a:endParaRPr>
+                        </a:p>
+                      </a:txBody>
+                      <a:tcPr>
+                        <a:lnR w="12700" cap="flat" cmpd="sng" algn="ctr">
+                          <a:solidFill>
+                            <a:schemeClr val="tx1"/>
+                          </a:solidFill>
+                          <a:prstDash val="solid"/>
+                          <a:round/>
+                          <a:headEnd type="none" w="med" len="med"/>
+                          <a:tailEnd type="none" w="med" len="med"/>
+                        </a:lnR>
+                      </a:tcPr>
+                    </a:tc>
+                    <a:extLst>
+                      <a:ext uri="{0D108BD9-81ED-4DB2-BD59-A6C34878D82A}">
+                        <a16:rowId xmlns:a16="http://schemas.microsoft.com/office/drawing/2014/main" val="2372983334"/>
+                      </a:ext>
+                    </a:extLst>
+                  </a:tr>
+                  <a:tr h="526414">
+                    <a:tc>
+                      <a:txBody>
+                        <a:bodyPr/>
+                        <a:lstStyle/>
+                        <a:p>
+                          <a:endParaRPr lang="en-US"/>
+                        </a:p>
+                      </a:txBody>
+                      <a:tcPr>
+                        <a:lnL w="12700" cap="flat" cmpd="sng" algn="ctr">
+                          <a:solidFill>
+                            <a:schemeClr val="tx1"/>
+                          </a:solidFill>
+                          <a:prstDash val="solid"/>
+                          <a:round/>
+                          <a:headEnd type="none" w="med" len="med"/>
+                          <a:tailEnd type="none" w="med" len="med"/>
+                        </a:lnL>
+                        <a:blipFill>
+                          <a:blip r:embed="rId2"/>
+                          <a:stretch>
+                            <a:fillRect l="-1000" t="-274419" r="-1027000" b="-916279"/>
+                          </a:stretch>
+                        </a:blipFill>
+                      </a:tcPr>
+                    </a:tc>
+                    <a:tc>
+                      <a:txBody>
+                        <a:bodyPr/>
+                        <a:lstStyle/>
+                        <a:p>
+                          <a:r>
+                            <a:rPr lang="en-PH" sz="1400" b="0" dirty="0"/>
+                            <a:t>Complaint resolution</a:t>
+                          </a:r>
+                          <a:endParaRPr lang="en-GB" sz="1400" b="0" dirty="0">
+                            <a:latin typeface="Arial" panose="020B0604020202020204" pitchFamily="34" charset="0"/>
+                            <a:cs typeface="Arial" panose="020B0604020202020204" pitchFamily="34" charset="0"/>
+                          </a:endParaRPr>
+                        </a:p>
+                      </a:txBody>
+                      <a:tcPr/>
+                    </a:tc>
+                    <a:tc>
+                      <a:txBody>
+                        <a:bodyPr/>
+                        <a:lstStyle/>
+                        <a:p>
+                          <a:r>
+                            <a:rPr lang="en-PH" sz="1400" b="0" dirty="0"/>
+                            <a:t>Extent to which any complaints are resolved in timely and complete manner</a:t>
+                          </a:r>
+                          <a:endParaRPr lang="en-GB" sz="1400" b="0" dirty="0">
+                            <a:latin typeface="Arial" panose="020B0604020202020204" pitchFamily="34" charset="0"/>
+                            <a:cs typeface="Arial" panose="020B0604020202020204" pitchFamily="34" charset="0"/>
+                          </a:endParaRPr>
+                        </a:p>
+                      </a:txBody>
+                      <a:tcPr>
+                        <a:lnR w="12700" cap="flat" cmpd="sng" algn="ctr">
+                          <a:solidFill>
+                            <a:schemeClr val="tx1"/>
+                          </a:solidFill>
+                          <a:prstDash val="solid"/>
+                          <a:round/>
+                          <a:headEnd type="none" w="med" len="med"/>
+                          <a:tailEnd type="none" w="med" len="med"/>
+                        </a:lnR>
+                      </a:tcPr>
+                    </a:tc>
+                    <a:extLst>
+                      <a:ext uri="{0D108BD9-81ED-4DB2-BD59-A6C34878D82A}">
+                        <a16:rowId xmlns:a16="http://schemas.microsoft.com/office/drawing/2014/main" val="2216671192"/>
+                      </a:ext>
+                    </a:extLst>
+                  </a:tr>
+                  <a:tr h="526414">
+                    <a:tc>
+                      <a:txBody>
+                        <a:bodyPr/>
+                        <a:lstStyle/>
+                        <a:p>
+                          <a:endParaRPr lang="en-US"/>
+                        </a:p>
+                      </a:txBody>
+                      <a:tcPr>
+                        <a:lnL w="12700" cap="flat" cmpd="sng" algn="ctr">
+                          <a:solidFill>
+                            <a:schemeClr val="tx1"/>
+                          </a:solidFill>
+                          <a:prstDash val="solid"/>
+                          <a:round/>
+                          <a:headEnd type="none" w="med" len="med"/>
+                          <a:tailEnd type="none" w="med" len="med"/>
+                        </a:lnL>
+                        <a:blipFill>
+                          <a:blip r:embed="rId2"/>
+                          <a:stretch>
+                            <a:fillRect l="-1000" t="-370115" r="-1027000" b="-805747"/>
+                          </a:stretch>
+                        </a:blipFill>
+                      </a:tcPr>
+                    </a:tc>
+                    <a:tc>
+                      <a:txBody>
+                        <a:bodyPr/>
+                        <a:lstStyle/>
+                        <a:p>
+                          <a:r>
+                            <a:rPr lang="en-PH" sz="1400" b="0" dirty="0"/>
+                            <a:t>Advertising</a:t>
+                          </a:r>
+                          <a:endParaRPr lang="en-GB" sz="1400" b="0" dirty="0">
+                            <a:latin typeface="Arial" panose="020B0604020202020204" pitchFamily="34" charset="0"/>
+                            <a:cs typeface="Arial" panose="020B0604020202020204" pitchFamily="34" charset="0"/>
+                          </a:endParaRPr>
+                        </a:p>
+                      </a:txBody>
+                      <a:tcPr/>
+                    </a:tc>
+                    <a:tc>
+                      <a:txBody>
+                        <a:bodyPr/>
+                        <a:lstStyle/>
+                        <a:p>
+                          <a:r>
+                            <a:rPr lang="en-PH" sz="1400" b="0" dirty="0"/>
+                            <a:t>Perceptions of HBAT’s product line to meet customer needs</a:t>
+                          </a:r>
+                          <a:endParaRPr lang="en-GB" sz="1400" b="0" dirty="0">
+                            <a:latin typeface="Arial" panose="020B0604020202020204" pitchFamily="34" charset="0"/>
+                            <a:cs typeface="Arial" panose="020B0604020202020204" pitchFamily="34" charset="0"/>
+                          </a:endParaRPr>
+                        </a:p>
+                      </a:txBody>
+                      <a:tcPr>
+                        <a:lnR w="12700" cap="flat" cmpd="sng" algn="ctr">
+                          <a:solidFill>
+                            <a:schemeClr val="tx1"/>
+                          </a:solidFill>
+                          <a:prstDash val="solid"/>
+                          <a:round/>
+                          <a:headEnd type="none" w="med" len="med"/>
+                          <a:tailEnd type="none" w="med" len="med"/>
+                        </a:lnR>
+                      </a:tcPr>
+                    </a:tc>
+                    <a:extLst>
+                      <a:ext uri="{0D108BD9-81ED-4DB2-BD59-A6C34878D82A}">
+                        <a16:rowId xmlns:a16="http://schemas.microsoft.com/office/drawing/2014/main" val="3692207160"/>
+                      </a:ext>
+                    </a:extLst>
+                  </a:tr>
+                  <a:tr h="526414">
+                    <a:tc>
+                      <a:txBody>
+                        <a:bodyPr/>
+                        <a:lstStyle/>
+                        <a:p>
+                          <a:endParaRPr lang="en-US"/>
+                        </a:p>
+                      </a:txBody>
+                      <a:tcPr>
+                        <a:lnL w="12700" cap="flat" cmpd="sng" algn="ctr">
+                          <a:solidFill>
+                            <a:schemeClr val="tx1"/>
+                          </a:solidFill>
+                          <a:prstDash val="solid"/>
+                          <a:round/>
+                          <a:headEnd type="none" w="med" len="med"/>
+                          <a:tailEnd type="none" w="med" len="med"/>
+                        </a:lnL>
+                        <a:blipFill>
+                          <a:blip r:embed="rId2"/>
+                          <a:stretch>
+                            <a:fillRect l="-1000" t="-475581" r="-1027000" b="-715116"/>
+                          </a:stretch>
+                        </a:blipFill>
+                      </a:tcPr>
+                    </a:tc>
+                    <a:tc>
+                      <a:txBody>
+                        <a:bodyPr/>
+                        <a:lstStyle/>
+                        <a:p>
+                          <a:r>
+                            <a:rPr lang="en-PH" sz="1400" b="0" dirty="0"/>
+                            <a:t>Product line</a:t>
+                          </a:r>
+                          <a:endParaRPr lang="en-GB" sz="1400" b="0" dirty="0">
+                            <a:latin typeface="Arial" panose="020B0604020202020204" pitchFamily="34" charset="0"/>
+                            <a:cs typeface="Arial" panose="020B0604020202020204" pitchFamily="34" charset="0"/>
+                          </a:endParaRPr>
+                        </a:p>
+                      </a:txBody>
+                      <a:tcPr/>
+                    </a:tc>
+                    <a:tc>
+                      <a:txBody>
+                        <a:bodyPr/>
+                        <a:lstStyle/>
+                        <a:p>
+                          <a:r>
+                            <a:rPr lang="en-PH" sz="1400" b="0" dirty="0"/>
+                            <a:t>Depth and breadth of HBAT’s product line to meet customer needs</a:t>
+                          </a:r>
+                          <a:endParaRPr lang="en-GB" sz="1400" b="0" dirty="0">
+                            <a:latin typeface="Arial" panose="020B0604020202020204" pitchFamily="34" charset="0"/>
+                            <a:cs typeface="Arial" panose="020B0604020202020204" pitchFamily="34" charset="0"/>
+                          </a:endParaRPr>
+                        </a:p>
+                      </a:txBody>
+                      <a:tcPr>
+                        <a:lnR w="12700" cap="flat" cmpd="sng" algn="ctr">
+                          <a:solidFill>
+                            <a:schemeClr val="tx1"/>
+                          </a:solidFill>
+                          <a:prstDash val="solid"/>
+                          <a:round/>
+                          <a:headEnd type="none" w="med" len="med"/>
+                          <a:tailEnd type="none" w="med" len="med"/>
+                        </a:lnR>
+                      </a:tcPr>
+                    </a:tc>
+                    <a:extLst>
+                      <a:ext uri="{0D108BD9-81ED-4DB2-BD59-A6C34878D82A}">
+                        <a16:rowId xmlns:a16="http://schemas.microsoft.com/office/drawing/2014/main" val="83474327"/>
+                      </a:ext>
+                    </a:extLst>
+                  </a:tr>
+                  <a:tr h="526414">
+                    <a:tc>
+                      <a:txBody>
+                        <a:bodyPr/>
+                        <a:lstStyle/>
+                        <a:p>
+                          <a:endParaRPr lang="en-US"/>
+                        </a:p>
+                      </a:txBody>
+                      <a:tcPr>
+                        <a:lnL w="12700" cap="flat" cmpd="sng" algn="ctr">
+                          <a:solidFill>
+                            <a:schemeClr val="tx1"/>
+                          </a:solidFill>
+                          <a:prstDash val="solid"/>
+                          <a:round/>
+                          <a:headEnd type="none" w="med" len="med"/>
+                          <a:tailEnd type="none" w="med" len="med"/>
+                        </a:lnL>
+                        <a:blipFill>
+                          <a:blip r:embed="rId2"/>
+                          <a:stretch>
+                            <a:fillRect l="-1000" t="-575581" r="-1027000" b="-615116"/>
+                          </a:stretch>
+                        </a:blipFill>
+                      </a:tcPr>
+                    </a:tc>
+                    <a:tc>
+                      <a:txBody>
+                        <a:bodyPr/>
+                        <a:lstStyle/>
+                        <a:p>
+                          <a:r>
+                            <a:rPr lang="en-PH" sz="1400" b="0" dirty="0"/>
+                            <a:t>Salesforce image</a:t>
+                          </a:r>
+                          <a:endParaRPr lang="en-GB" sz="1400" b="0" dirty="0">
+                            <a:latin typeface="Arial" panose="020B0604020202020204" pitchFamily="34" charset="0"/>
+                            <a:cs typeface="Arial" panose="020B0604020202020204" pitchFamily="34" charset="0"/>
+                          </a:endParaRPr>
+                        </a:p>
+                      </a:txBody>
+                      <a:tcPr/>
+                    </a:tc>
+                    <a:tc>
+                      <a:txBody>
+                        <a:bodyPr/>
+                        <a:lstStyle/>
+                        <a:p>
+                          <a:r>
+                            <a:rPr lang="en-PH" sz="1400" b="0" dirty="0"/>
+                            <a:t>Overall image of HBAT’s salesforce</a:t>
+                          </a:r>
+                          <a:endParaRPr lang="en-GB" sz="1400" b="0" dirty="0">
+                            <a:latin typeface="Arial" panose="020B0604020202020204" pitchFamily="34" charset="0"/>
+                            <a:cs typeface="Arial" panose="020B0604020202020204" pitchFamily="34" charset="0"/>
+                          </a:endParaRPr>
+                        </a:p>
+                      </a:txBody>
+                      <a:tcPr>
+                        <a:lnR w="12700" cap="flat" cmpd="sng" algn="ctr">
+                          <a:solidFill>
+                            <a:schemeClr val="tx1"/>
+                          </a:solidFill>
+                          <a:prstDash val="solid"/>
+                          <a:round/>
+                          <a:headEnd type="none" w="med" len="med"/>
+                          <a:tailEnd type="none" w="med" len="med"/>
+                        </a:lnR>
+                      </a:tcPr>
+                    </a:tc>
+                    <a:extLst>
+                      <a:ext uri="{0D108BD9-81ED-4DB2-BD59-A6C34878D82A}">
+                        <a16:rowId xmlns:a16="http://schemas.microsoft.com/office/drawing/2014/main" val="2725664331"/>
+                      </a:ext>
+                    </a:extLst>
+                  </a:tr>
+                  <a:tr h="526414">
+                    <a:tc>
+                      <a:txBody>
+                        <a:bodyPr/>
+                        <a:lstStyle/>
+                        <a:p>
+                          <a:endParaRPr lang="en-US"/>
+                        </a:p>
+                      </a:txBody>
+                      <a:tcPr>
+                        <a:lnL w="12700" cap="flat" cmpd="sng" algn="ctr">
+                          <a:solidFill>
+                            <a:schemeClr val="tx1"/>
+                          </a:solidFill>
+                          <a:prstDash val="solid"/>
+                          <a:round/>
+                          <a:headEnd type="none" w="med" len="med"/>
+                          <a:tailEnd type="none" w="med" len="med"/>
+                        </a:lnL>
+                        <a:blipFill>
+                          <a:blip r:embed="rId2"/>
+                          <a:stretch>
+                            <a:fillRect l="-1000" t="-667816" r="-1027000" b="-508046"/>
+                          </a:stretch>
+                        </a:blipFill>
+                      </a:tcPr>
+                    </a:tc>
+                    <a:tc>
+                      <a:txBody>
+                        <a:bodyPr/>
+                        <a:lstStyle/>
+                        <a:p>
+                          <a:r>
+                            <a:rPr lang="en-PH" sz="1400" b="0" dirty="0"/>
+                            <a:t>Competitive pricing</a:t>
+                          </a:r>
+                          <a:endParaRPr lang="en-GB" sz="1400" b="0" dirty="0">
+                            <a:latin typeface="Arial" panose="020B0604020202020204" pitchFamily="34" charset="0"/>
+                            <a:cs typeface="Arial" panose="020B0604020202020204" pitchFamily="34" charset="0"/>
+                          </a:endParaRPr>
+                        </a:p>
+                      </a:txBody>
+                      <a:tcPr/>
+                    </a:tc>
+                    <a:tc>
+                      <a:txBody>
+                        <a:bodyPr/>
+                        <a:lstStyle/>
+                        <a:p>
+                          <a:r>
+                            <a:rPr lang="en-PH" sz="1400" b="0" dirty="0"/>
+                            <a:t>Extent to which HBAT offers competitive prices</a:t>
+                          </a:r>
+                          <a:endParaRPr lang="en-GB" sz="1400" b="0" dirty="0">
+                            <a:latin typeface="Arial" panose="020B0604020202020204" pitchFamily="34" charset="0"/>
+                            <a:cs typeface="Arial" panose="020B0604020202020204" pitchFamily="34" charset="0"/>
+                          </a:endParaRPr>
+                        </a:p>
+                      </a:txBody>
+                      <a:tcPr>
+                        <a:lnR w="12700" cap="flat" cmpd="sng" algn="ctr">
+                          <a:solidFill>
+                            <a:schemeClr val="tx1"/>
+                          </a:solidFill>
+                          <a:prstDash val="solid"/>
+                          <a:round/>
+                          <a:headEnd type="none" w="med" len="med"/>
+                          <a:tailEnd type="none" w="med" len="med"/>
+                        </a:lnR>
+                      </a:tcPr>
+                    </a:tc>
+                    <a:extLst>
+                      <a:ext uri="{0D108BD9-81ED-4DB2-BD59-A6C34878D82A}">
+                        <a16:rowId xmlns:a16="http://schemas.microsoft.com/office/drawing/2014/main" val="1713181456"/>
+                      </a:ext>
+                    </a:extLst>
+                  </a:tr>
+                  <a:tr h="526414">
+                    <a:tc>
+                      <a:txBody>
+                        <a:bodyPr/>
+                        <a:lstStyle/>
+                        <a:p>
+                          <a:endParaRPr lang="en-US"/>
+                        </a:p>
+                      </a:txBody>
+                      <a:tcPr>
+                        <a:lnL w="12700" cap="flat" cmpd="sng" algn="ctr">
+                          <a:solidFill>
+                            <a:schemeClr val="tx1"/>
+                          </a:solidFill>
+                          <a:prstDash val="solid"/>
+                          <a:round/>
+                          <a:headEnd type="none" w="med" len="med"/>
+                          <a:tailEnd type="none" w="med" len="med"/>
+                        </a:lnL>
+                        <a:blipFill>
+                          <a:blip r:embed="rId2"/>
+                          <a:stretch>
+                            <a:fillRect l="-1000" t="-776744" r="-1027000" b="-413953"/>
+                          </a:stretch>
+                        </a:blipFill>
+                      </a:tcPr>
+                    </a:tc>
+                    <a:tc>
+                      <a:txBody>
+                        <a:bodyPr/>
+                        <a:lstStyle/>
+                        <a:p>
+                          <a:r>
+                            <a:rPr lang="en-PH" sz="1400" b="0" dirty="0"/>
+                            <a:t>Warranty and claims</a:t>
+                          </a:r>
+                          <a:endParaRPr lang="en-GB" sz="1400" b="0" dirty="0">
+                            <a:latin typeface="Arial" panose="020B0604020202020204" pitchFamily="34" charset="0"/>
+                            <a:cs typeface="Arial" panose="020B0604020202020204" pitchFamily="34" charset="0"/>
+                          </a:endParaRPr>
+                        </a:p>
+                      </a:txBody>
+                      <a:tcPr/>
+                    </a:tc>
+                    <a:tc>
+                      <a:txBody>
+                        <a:bodyPr/>
+                        <a:lstStyle/>
+                        <a:p>
+                          <a:r>
+                            <a:rPr lang="en-PH" sz="1400" b="0" dirty="0"/>
+                            <a:t>Extent to which HBAT stands behind its product/ service warranties and claims</a:t>
+                          </a:r>
+                          <a:endParaRPr lang="en-GB" sz="1400" b="0" dirty="0">
+                            <a:latin typeface="Arial" panose="020B0604020202020204" pitchFamily="34" charset="0"/>
+                            <a:cs typeface="Arial" panose="020B0604020202020204" pitchFamily="34" charset="0"/>
+                          </a:endParaRPr>
+                        </a:p>
+                      </a:txBody>
+                      <a:tcPr>
+                        <a:lnR w="12700" cap="flat" cmpd="sng" algn="ctr">
+                          <a:solidFill>
+                            <a:schemeClr val="tx1"/>
+                          </a:solidFill>
+                          <a:prstDash val="solid"/>
+                          <a:round/>
+                          <a:headEnd type="none" w="med" len="med"/>
+                          <a:tailEnd type="none" w="med" len="med"/>
+                        </a:lnR>
+                      </a:tcPr>
+                    </a:tc>
+                    <a:extLst>
+                      <a:ext uri="{0D108BD9-81ED-4DB2-BD59-A6C34878D82A}">
+                        <a16:rowId xmlns:a16="http://schemas.microsoft.com/office/drawing/2014/main" val="1149186816"/>
+                      </a:ext>
+                    </a:extLst>
+                  </a:tr>
+                  <a:tr h="526414">
+                    <a:tc>
+                      <a:txBody>
+                        <a:bodyPr/>
+                        <a:lstStyle/>
+                        <a:p>
+                          <a:endParaRPr lang="en-US"/>
+                        </a:p>
+                      </a:txBody>
+                      <a:tcPr>
+                        <a:lnL w="12700" cap="flat" cmpd="sng" algn="ctr">
+                          <a:solidFill>
+                            <a:schemeClr val="tx1"/>
+                          </a:solidFill>
+                          <a:prstDash val="solid"/>
+                          <a:round/>
+                          <a:headEnd type="none" w="med" len="med"/>
+                          <a:tailEnd type="none" w="med" len="med"/>
+                        </a:lnL>
+                        <a:blipFill>
+                          <a:blip r:embed="rId2"/>
+                          <a:stretch>
+                            <a:fillRect l="-1000" t="-866667" r="-1027000" b="-309195"/>
+                          </a:stretch>
+                        </a:blipFill>
+                      </a:tcPr>
+                    </a:tc>
+                    <a:tc>
+                      <a:txBody>
+                        <a:bodyPr/>
+                        <a:lstStyle/>
+                        <a:p>
+                          <a:r>
+                            <a:rPr lang="en-PH" sz="1400" b="0" dirty="0"/>
+                            <a:t>New products</a:t>
+                          </a:r>
+                          <a:endParaRPr lang="en-GB" sz="1400" b="0" dirty="0">
+                            <a:latin typeface="Arial" panose="020B0604020202020204" pitchFamily="34" charset="0"/>
+                            <a:cs typeface="Arial" panose="020B0604020202020204" pitchFamily="34" charset="0"/>
+                          </a:endParaRPr>
+                        </a:p>
+                      </a:txBody>
+                      <a:tcPr/>
+                    </a:tc>
+                    <a:tc>
+                      <a:txBody>
+                        <a:bodyPr/>
+                        <a:lstStyle/>
+                        <a:p>
+                          <a:r>
+                            <a:rPr lang="en-PH" sz="1400" b="0" dirty="0"/>
+                            <a:t>Extent to which  HBAT develops and sells new products</a:t>
+                          </a:r>
+                          <a:endParaRPr lang="en-GB" sz="1400" b="0" dirty="0">
+                            <a:latin typeface="Arial" panose="020B0604020202020204" pitchFamily="34" charset="0"/>
+                            <a:cs typeface="Arial" panose="020B0604020202020204" pitchFamily="34" charset="0"/>
+                          </a:endParaRPr>
+                        </a:p>
+                      </a:txBody>
+                      <a:tcPr>
+                        <a:lnR w="12700" cap="flat" cmpd="sng" algn="ctr">
+                          <a:solidFill>
+                            <a:schemeClr val="tx1"/>
+                          </a:solidFill>
+                          <a:prstDash val="solid"/>
+                          <a:round/>
+                          <a:headEnd type="none" w="med" len="med"/>
+                          <a:tailEnd type="none" w="med" len="med"/>
+                        </a:lnR>
+                      </a:tcPr>
+                    </a:tc>
+                    <a:extLst>
+                      <a:ext uri="{0D108BD9-81ED-4DB2-BD59-A6C34878D82A}">
+                        <a16:rowId xmlns:a16="http://schemas.microsoft.com/office/drawing/2014/main" val="898855204"/>
+                      </a:ext>
+                    </a:extLst>
+                  </a:tr>
+                  <a:tr h="526414">
+                    <a:tc>
+                      <a:txBody>
+                        <a:bodyPr/>
+                        <a:lstStyle/>
+                        <a:p>
+                          <a:endParaRPr lang="en-US"/>
+                        </a:p>
+                      </a:txBody>
+                      <a:tcPr>
+                        <a:lnL w="12700" cap="flat" cmpd="sng" algn="ctr">
+                          <a:solidFill>
+                            <a:schemeClr val="tx1"/>
+                          </a:solidFill>
+                          <a:prstDash val="solid"/>
+                          <a:round/>
+                          <a:headEnd type="none" w="med" len="med"/>
+                          <a:tailEnd type="none" w="med" len="med"/>
+                        </a:lnL>
+                        <a:blipFill>
+                          <a:blip r:embed="rId2"/>
+                          <a:stretch>
+                            <a:fillRect l="-1000" t="-977907" r="-1027000" b="-212791"/>
+                          </a:stretch>
+                        </a:blipFill>
+                      </a:tcPr>
+                    </a:tc>
+                    <a:tc>
+                      <a:txBody>
+                        <a:bodyPr/>
+                        <a:lstStyle/>
+                        <a:p>
+                          <a:r>
+                            <a:rPr lang="en-PH" sz="1400" b="0" dirty="0"/>
+                            <a:t>Ordering and billing</a:t>
+                          </a:r>
+                          <a:endParaRPr lang="en-GB" sz="1400" b="0" dirty="0">
+                            <a:latin typeface="Arial" panose="020B0604020202020204" pitchFamily="34" charset="0"/>
+                            <a:cs typeface="Arial" panose="020B0604020202020204" pitchFamily="34" charset="0"/>
+                          </a:endParaRPr>
+                        </a:p>
+                      </a:txBody>
+                      <a:tcPr/>
+                    </a:tc>
+                    <a:tc>
+                      <a:txBody>
+                        <a:bodyPr/>
+                        <a:lstStyle/>
+                        <a:p>
+                          <a:r>
+                            <a:rPr lang="en-PH" sz="1400" b="0" dirty="0"/>
+                            <a:t>Perceptions that ordering and billing is handled efficiently and correctly</a:t>
+                          </a:r>
+                          <a:endParaRPr lang="en-GB" sz="1400" b="0" dirty="0">
+                            <a:latin typeface="Arial" panose="020B0604020202020204" pitchFamily="34" charset="0"/>
+                            <a:cs typeface="Arial" panose="020B0604020202020204" pitchFamily="34" charset="0"/>
+                          </a:endParaRPr>
+                        </a:p>
+                      </a:txBody>
+                      <a:tcPr>
+                        <a:lnR w="12700" cap="flat" cmpd="sng" algn="ctr">
+                          <a:solidFill>
+                            <a:schemeClr val="tx1"/>
+                          </a:solidFill>
+                          <a:prstDash val="solid"/>
+                          <a:round/>
+                          <a:headEnd type="none" w="med" len="med"/>
+                          <a:tailEnd type="none" w="med" len="med"/>
+                        </a:lnR>
+                      </a:tcPr>
+                    </a:tc>
+                    <a:extLst>
+                      <a:ext uri="{0D108BD9-81ED-4DB2-BD59-A6C34878D82A}">
+                        <a16:rowId xmlns:a16="http://schemas.microsoft.com/office/drawing/2014/main" val="710683562"/>
+                      </a:ext>
+                    </a:extLst>
+                  </a:tr>
+                  <a:tr h="526414">
+                    <a:tc>
+                      <a:txBody>
+                        <a:bodyPr/>
+                        <a:lstStyle/>
+                        <a:p>
+                          <a:endParaRPr lang="en-US"/>
+                        </a:p>
+                      </a:txBody>
+                      <a:tcPr>
+                        <a:lnL w="12700" cap="flat" cmpd="sng" algn="ctr">
+                          <a:solidFill>
+                            <a:schemeClr val="tx1"/>
+                          </a:solidFill>
+                          <a:prstDash val="solid"/>
+                          <a:round/>
+                          <a:headEnd type="none" w="med" len="med"/>
+                          <a:tailEnd type="none" w="med" len="med"/>
+                        </a:lnL>
+                        <a:blipFill>
+                          <a:blip r:embed="rId2"/>
+                          <a:stretch>
+                            <a:fillRect l="-1000" t="-1065517" r="-1027000" b="-110345"/>
+                          </a:stretch>
+                        </a:blipFill>
+                      </a:tcPr>
+                    </a:tc>
+                    <a:tc>
+                      <a:txBody>
+                        <a:bodyPr/>
+                        <a:lstStyle/>
+                        <a:p>
+                          <a:r>
+                            <a:rPr lang="en-PH" sz="1400" b="0" dirty="0"/>
+                            <a:t>Price flexibility</a:t>
+                          </a:r>
+                          <a:endParaRPr lang="en-GB" sz="1400" b="0" dirty="0">
+                            <a:latin typeface="Arial" panose="020B0604020202020204" pitchFamily="34" charset="0"/>
+                            <a:cs typeface="Arial" panose="020B0604020202020204" pitchFamily="34" charset="0"/>
+                          </a:endParaRPr>
+                        </a:p>
+                      </a:txBody>
+                      <a:tcPr/>
+                    </a:tc>
+                    <a:tc>
+                      <a:txBody>
+                        <a:bodyPr/>
+                        <a:lstStyle/>
+                        <a:p>
+                          <a:r>
+                            <a:rPr lang="en-PH" sz="1400" b="0" dirty="0"/>
+                            <a:t>Perceived willingness of HBAT sales reps to negotiate price on purchase of paper products</a:t>
+                          </a:r>
+                          <a:endParaRPr lang="en-GB" sz="1400" b="0" dirty="0">
+                            <a:latin typeface="Arial" panose="020B0604020202020204" pitchFamily="34" charset="0"/>
+                            <a:cs typeface="Arial" panose="020B0604020202020204" pitchFamily="34" charset="0"/>
+                          </a:endParaRPr>
+                        </a:p>
+                      </a:txBody>
+                      <a:tcPr>
+                        <a:lnR w="12700" cap="flat" cmpd="sng" algn="ctr">
+                          <a:solidFill>
+                            <a:schemeClr val="tx1"/>
+                          </a:solidFill>
+                          <a:prstDash val="solid"/>
+                          <a:round/>
+                          <a:headEnd type="none" w="med" len="med"/>
+                          <a:tailEnd type="none" w="med" len="med"/>
+                        </a:lnR>
+                      </a:tcPr>
+                    </a:tc>
+                    <a:extLst>
+                      <a:ext uri="{0D108BD9-81ED-4DB2-BD59-A6C34878D82A}">
+                        <a16:rowId xmlns:a16="http://schemas.microsoft.com/office/drawing/2014/main" val="3615121717"/>
+                      </a:ext>
+                    </a:extLst>
+                  </a:tr>
+                  <a:tr h="526414">
+                    <a:tc>
+                      <a:txBody>
+                        <a:bodyPr/>
+                        <a:lstStyle/>
+                        <a:p>
+                          <a:endParaRPr lang="en-US"/>
+                        </a:p>
+                      </a:txBody>
+                      <a:tcPr>
+                        <a:lnL w="12700" cap="flat" cmpd="sng" algn="ctr">
+                          <a:solidFill>
+                            <a:schemeClr val="tx1"/>
+                          </a:solidFill>
+                          <a:prstDash val="solid"/>
+                          <a:round/>
+                          <a:headEnd type="none" w="med" len="med"/>
+                          <a:tailEnd type="none" w="med" len="med"/>
+                        </a:lnL>
+                        <a:lnB w="12700" cap="flat" cmpd="sng" algn="ctr">
+                          <a:solidFill>
+                            <a:schemeClr val="tx1"/>
+                          </a:solidFill>
+                          <a:prstDash val="solid"/>
+                          <a:round/>
+                          <a:headEnd type="none" w="med" len="med"/>
+                          <a:tailEnd type="none" w="med" len="med"/>
+                        </a:lnB>
+                        <a:blipFill>
+                          <a:blip r:embed="rId2"/>
+                          <a:stretch>
+                            <a:fillRect l="-1000" t="-1179070" r="-1027000" b="-11628"/>
+                          </a:stretch>
+                        </a:blipFill>
+                      </a:tcPr>
+                    </a:tc>
+                    <a:tc>
+                      <a:txBody>
+                        <a:bodyPr/>
+                        <a:lstStyle/>
+                        <a:p>
+                          <a:r>
+                            <a:rPr lang="en-PH" sz="1400" b="0" dirty="0"/>
+                            <a:t>Delivery speed</a:t>
+                          </a:r>
+                          <a:endParaRPr lang="en-GB" sz="1400" b="0" dirty="0">
+                            <a:latin typeface="Arial" panose="020B0604020202020204" pitchFamily="34" charset="0"/>
+                            <a:cs typeface="Arial" panose="020B0604020202020204" pitchFamily="34" charset="0"/>
+                          </a:endParaRPr>
+                        </a:p>
+                      </a:txBody>
+                      <a:tcPr>
+                        <a:lnB w="12700" cap="flat" cmpd="sng" algn="ctr">
+                          <a:solidFill>
+                            <a:schemeClr val="tx1"/>
+                          </a:solidFill>
+                          <a:prstDash val="solid"/>
+                          <a:round/>
+                          <a:headEnd type="none" w="med" len="med"/>
+                          <a:tailEnd type="none" w="med" len="med"/>
+                        </a:lnB>
+                      </a:tcPr>
+                    </a:tc>
+                    <a:tc>
+                      <a:txBody>
+                        <a:bodyPr/>
+                        <a:lstStyle/>
+                        <a:p>
+                          <a:r>
+                            <a:rPr lang="en-PH" sz="1400" b="0" dirty="0"/>
+                            <a:t>Amount of time it takes to deliver the paper product once an order has been confirmed</a:t>
+                          </a:r>
+                          <a:endParaRPr lang="en-GB" sz="1400" b="0" dirty="0">
+                            <a:latin typeface="Arial" panose="020B0604020202020204" pitchFamily="34" charset="0"/>
+                            <a:cs typeface="Arial" panose="020B0604020202020204" pitchFamily="34" charset="0"/>
+                          </a:endParaRPr>
+                        </a:p>
+                      </a:txBody>
+                      <a:tcPr>
+                        <a:lnR w="12700" cap="flat" cmpd="sng" algn="ctr">
+                          <a:solidFill>
+                            <a:schemeClr val="tx1"/>
+                          </a:solidFill>
+                          <a:prstDash val="solid"/>
+                          <a:round/>
+                          <a:headEnd type="none" w="med" len="med"/>
+                          <a:tailEnd type="none" w="med" len="med"/>
+                        </a:lnR>
+                        <a:lnB w="12700" cap="flat" cmpd="sng" algn="ctr">
+                          <a:solidFill>
+                            <a:schemeClr val="tx1"/>
+                          </a:solidFill>
+                          <a:prstDash val="solid"/>
+                          <a:round/>
+                          <a:headEnd type="none" w="med" len="med"/>
+                          <a:tailEnd type="none" w="med" len="med"/>
+                        </a:lnB>
+                      </a:tcPr>
+                    </a:tc>
+                    <a:extLst>
+                      <a:ext uri="{0D108BD9-81ED-4DB2-BD59-A6C34878D82A}">
+                        <a16:rowId xmlns:a16="http://schemas.microsoft.com/office/drawing/2014/main" val="1045023014"/>
+                      </a:ext>
+                    </a:extLst>
+                  </a:tr>
+                </a:tbl>
+              </a:graphicData>
+            </a:graphic>
+          </p:graphicFrame>
+        </mc:Fallback>
+      </mc:AlternateContent>
+    </p:spTree>
+    <p:extLst>
+      <p:ext uri="{BB962C8B-B14F-4D97-AF65-F5344CB8AC3E}">
+        <p14:creationId xmlns:p14="http://schemas.microsoft.com/office/powerpoint/2010/main" val="1579710484"/>
+      </p:ext>
+    </p:extLst>
+  </p:cSld>
+  <p:clrMapOvr>
+    <a:masterClrMapping/>
+  </p:clrMapOvr>
+</p:sld>
+</file>
+
 <file path=ppt/theme/theme1.xml><?xml version="1.0" encoding="utf-8"?>
 <a:theme xmlns:a="http://schemas.openxmlformats.org/drawingml/2006/main" name="Office Theme">
   <a:themeElements>

--- a/SEM_presentation/01_efa/image/slide_logos.pptx
+++ b/SEM_presentation/01_efa/image/slide_logos.pptx
@@ -117,7 +117,7 @@
 <file path=ppt/revisionInfo.xml><?xml version="1.0" encoding="utf-8"?>
 <p1510:revInfo xmlns:a="http://schemas.openxmlformats.org/drawingml/2006/main" xmlns:r="http://schemas.openxmlformats.org/officeDocument/2006/relationships" xmlns:p1510="http://schemas.microsoft.com/office/powerpoint/2015/10/main">
   <p1510:revLst>
-    <p1510:client id="{5AC45C88-7A94-46F3-BAC5-161FFDB890F3}" v="3" dt="2021-08-04T04:32:29.532"/>
+    <p1510:client id="{5AC45C88-7A94-46F3-BAC5-161FFDB890F3}" v="7" dt="2021-08-15T05:35:39.186"/>
   </p1510:revLst>
 </p1510:revInfo>
 </file>
@@ -127,10 +127,160 @@
   <pc:docChgLst>
     <pc:chgData name="CHRISTOPHER LLONES" userId="ee08fdad-24ed-4713-bb77-380897b11f62" providerId="ADAL" clId="{5AC45C88-7A94-46F3-BAC5-161FFDB890F3}"/>
     <pc:docChg chg="custSel addSld modSld">
-      <pc:chgData name="CHRISTOPHER LLONES" userId="ee08fdad-24ed-4713-bb77-380897b11f62" providerId="ADAL" clId="{5AC45C88-7A94-46F3-BAC5-161FFDB890F3}" dt="2021-08-04T04:32:29.531" v="4" actId="5736"/>
+      <pc:chgData name="CHRISTOPHER LLONES" userId="ee08fdad-24ed-4713-bb77-380897b11f62" providerId="ADAL" clId="{5AC45C88-7A94-46F3-BAC5-161FFDB890F3}" dt="2021-08-15T05:40:43.811" v="87" actId="1038"/>
       <pc:docMkLst>
         <pc:docMk/>
       </pc:docMkLst>
+      <pc:sldChg chg="addSp delSp modSp mod">
+        <pc:chgData name="CHRISTOPHER LLONES" userId="ee08fdad-24ed-4713-bb77-380897b11f62" providerId="ADAL" clId="{5AC45C88-7A94-46F3-BAC5-161FFDB890F3}" dt="2021-08-15T05:40:43.811" v="87" actId="1038"/>
+        <pc:sldMkLst>
+          <pc:docMk/>
+          <pc:sldMk cId="777242666" sldId="256"/>
+        </pc:sldMkLst>
+        <pc:picChg chg="add mod">
+          <ac:chgData name="CHRISTOPHER LLONES" userId="ee08fdad-24ed-4713-bb77-380897b11f62" providerId="ADAL" clId="{5AC45C88-7A94-46F3-BAC5-161FFDB890F3}" dt="2021-08-15T05:40:43.811" v="87" actId="1038"/>
+          <ac:picMkLst>
+            <pc:docMk/>
+            <pc:sldMk cId="777242666" sldId="256"/>
+            <ac:picMk id="2" creationId="{F90F2B9B-F468-48F2-B19B-91100FA147D5}"/>
+          </ac:picMkLst>
+        </pc:picChg>
+        <pc:picChg chg="del mod">
+          <ac:chgData name="CHRISTOPHER LLONES" userId="ee08fdad-24ed-4713-bb77-380897b11f62" providerId="ADAL" clId="{5AC45C88-7A94-46F3-BAC5-161FFDB890F3}" dt="2021-08-15T05:36:17.827" v="39" actId="478"/>
+          <ac:picMkLst>
+            <pc:docMk/>
+            <pc:sldMk cId="777242666" sldId="256"/>
+            <ac:picMk id="31" creationId="{6D39D4FF-75EC-4530-B632-704BD7C16C28}"/>
+          </ac:picMkLst>
+        </pc:picChg>
+        <pc:picChg chg="del">
+          <ac:chgData name="CHRISTOPHER LLONES" userId="ee08fdad-24ed-4713-bb77-380897b11f62" providerId="ADAL" clId="{5AC45C88-7A94-46F3-BAC5-161FFDB890F3}" dt="2021-08-15T05:34:46.152" v="16" actId="21"/>
+          <ac:picMkLst>
+            <pc:docMk/>
+            <pc:sldMk cId="777242666" sldId="256"/>
+            <ac:picMk id="1026" creationId="{4FE418C6-F88A-4FDA-9549-97CA8BBECC6C}"/>
+          </ac:picMkLst>
+        </pc:picChg>
+        <pc:picChg chg="del">
+          <ac:chgData name="CHRISTOPHER LLONES" userId="ee08fdad-24ed-4713-bb77-380897b11f62" providerId="ADAL" clId="{5AC45C88-7A94-46F3-BAC5-161FFDB890F3}" dt="2021-08-15T05:34:46.152" v="16" actId="21"/>
+          <ac:picMkLst>
+            <pc:docMk/>
+            <pc:sldMk cId="777242666" sldId="256"/>
+            <ac:picMk id="2050" creationId="{FC43FC77-1501-4892-BAAC-4206277F5ABF}"/>
+          </ac:picMkLst>
+        </pc:picChg>
+      </pc:sldChg>
+      <pc:sldChg chg="addSp delSp modSp mod">
+        <pc:chgData name="CHRISTOPHER LLONES" userId="ee08fdad-24ed-4713-bb77-380897b11f62" providerId="ADAL" clId="{5AC45C88-7A94-46F3-BAC5-161FFDB890F3}" dt="2021-08-15T05:35:32.540" v="33" actId="164"/>
+        <pc:sldMkLst>
+          <pc:docMk/>
+          <pc:sldMk cId="1877650632" sldId="257"/>
+        </pc:sldMkLst>
+        <pc:grpChg chg="add mod">
+          <ac:chgData name="CHRISTOPHER LLONES" userId="ee08fdad-24ed-4713-bb77-380897b11f62" providerId="ADAL" clId="{5AC45C88-7A94-46F3-BAC5-161FFDB890F3}" dt="2021-08-15T05:35:32.540" v="33" actId="164"/>
+          <ac:grpSpMkLst>
+            <pc:docMk/>
+            <pc:sldMk cId="1877650632" sldId="257"/>
+            <ac:grpSpMk id="5" creationId="{C60222E0-234F-42B8-99B0-3B680ED73E20}"/>
+          </ac:grpSpMkLst>
+        </pc:grpChg>
+        <pc:grpChg chg="mod">
+          <ac:chgData name="CHRISTOPHER LLONES" userId="ee08fdad-24ed-4713-bb77-380897b11f62" providerId="ADAL" clId="{5AC45C88-7A94-46F3-BAC5-161FFDB890F3}" dt="2021-08-15T05:34:12.432" v="8" actId="1076"/>
+          <ac:grpSpMkLst>
+            <pc:docMk/>
+            <pc:sldMk cId="1877650632" sldId="257"/>
+            <ac:grpSpMk id="12" creationId="{CC9514B7-D75C-444D-9402-0075240F781A}"/>
+          </ac:grpSpMkLst>
+        </pc:grpChg>
+        <pc:grpChg chg="mod">
+          <ac:chgData name="CHRISTOPHER LLONES" userId="ee08fdad-24ed-4713-bb77-380897b11f62" providerId="ADAL" clId="{5AC45C88-7A94-46F3-BAC5-161FFDB890F3}" dt="2021-08-15T05:34:13.344" v="9" actId="1076"/>
+          <ac:grpSpMkLst>
+            <pc:docMk/>
+            <pc:sldMk cId="1877650632" sldId="257"/>
+            <ac:grpSpMk id="21" creationId="{01CF845A-D27E-4811-AC96-578BDFF6D06A}"/>
+          </ac:grpSpMkLst>
+        </pc:grpChg>
+        <pc:grpChg chg="mod">
+          <ac:chgData name="CHRISTOPHER LLONES" userId="ee08fdad-24ed-4713-bb77-380897b11f62" providerId="ADAL" clId="{5AC45C88-7A94-46F3-BAC5-161FFDB890F3}" dt="2021-08-15T05:34:14.034" v="10" actId="1076"/>
+          <ac:grpSpMkLst>
+            <pc:docMk/>
+            <pc:sldMk cId="1877650632" sldId="257"/>
+            <ac:grpSpMk id="36" creationId="{04DBBF64-5FFE-4E7B-97C8-05F15EFD04E6}"/>
+          </ac:grpSpMkLst>
+        </pc:grpChg>
+        <pc:grpChg chg="del mod">
+          <ac:chgData name="CHRISTOPHER LLONES" userId="ee08fdad-24ed-4713-bb77-380897b11f62" providerId="ADAL" clId="{5AC45C88-7A94-46F3-BAC5-161FFDB890F3}" dt="2021-08-15T05:34:20.095" v="12" actId="165"/>
+          <ac:grpSpMkLst>
+            <pc:docMk/>
+            <pc:sldMk cId="1877650632" sldId="257"/>
+            <ac:grpSpMk id="51" creationId="{3AC92974-ED12-4DED-AC16-4999DC74BC59}"/>
+          </ac:grpSpMkLst>
+        </pc:grpChg>
+        <pc:picChg chg="add del mod">
+          <ac:chgData name="CHRISTOPHER LLONES" userId="ee08fdad-24ed-4713-bb77-380897b11f62" providerId="ADAL" clId="{5AC45C88-7A94-46F3-BAC5-161FFDB890F3}" dt="2021-08-15T05:34:54.309" v="21" actId="478"/>
+          <ac:picMkLst>
+            <pc:docMk/>
+            <pc:sldMk cId="1877650632" sldId="257"/>
+            <ac:picMk id="47" creationId="{3FF89480-E0E0-41F2-9915-7DD676977588}"/>
+          </ac:picMkLst>
+        </pc:picChg>
+        <pc:picChg chg="add del mod">
+          <ac:chgData name="CHRISTOPHER LLONES" userId="ee08fdad-24ed-4713-bb77-380897b11f62" providerId="ADAL" clId="{5AC45C88-7A94-46F3-BAC5-161FFDB890F3}" dt="2021-08-15T05:34:53.170" v="19" actId="478"/>
+          <ac:picMkLst>
+            <pc:docMk/>
+            <pc:sldMk cId="1877650632" sldId="257"/>
+            <ac:picMk id="48" creationId="{335DF211-6A44-4FE0-B787-F2B5CCDBA607}"/>
+          </ac:picMkLst>
+        </pc:picChg>
+        <pc:picChg chg="mod topLvl">
+          <ac:chgData name="CHRISTOPHER LLONES" userId="ee08fdad-24ed-4713-bb77-380897b11f62" providerId="ADAL" clId="{5AC45C88-7A94-46F3-BAC5-161FFDB890F3}" dt="2021-08-15T05:35:32.540" v="33" actId="164"/>
+          <ac:picMkLst>
+            <pc:docMk/>
+            <pc:sldMk cId="1877650632" sldId="257"/>
+            <ac:picMk id="52" creationId="{195CF476-A8DD-45ED-B964-D6FAF872C7BF}"/>
+          </ac:picMkLst>
+        </pc:picChg>
+        <pc:picChg chg="mod topLvl">
+          <ac:chgData name="CHRISTOPHER LLONES" userId="ee08fdad-24ed-4713-bb77-380897b11f62" providerId="ADAL" clId="{5AC45C88-7A94-46F3-BAC5-161FFDB890F3}" dt="2021-08-15T05:35:32.540" v="33" actId="164"/>
+          <ac:picMkLst>
+            <pc:docMk/>
+            <pc:sldMk cId="1877650632" sldId="257"/>
+            <ac:picMk id="53" creationId="{CB2FB668-93EF-4770-BC89-B52C91FE48B1}"/>
+          </ac:picMkLst>
+        </pc:picChg>
+        <pc:picChg chg="mod topLvl">
+          <ac:chgData name="CHRISTOPHER LLONES" userId="ee08fdad-24ed-4713-bb77-380897b11f62" providerId="ADAL" clId="{5AC45C88-7A94-46F3-BAC5-161FFDB890F3}" dt="2021-08-15T05:35:32.540" v="33" actId="164"/>
+          <ac:picMkLst>
+            <pc:docMk/>
+            <pc:sldMk cId="1877650632" sldId="257"/>
+            <ac:picMk id="54" creationId="{35398D9C-A715-437F-B60E-3AB0EA29E6EA}"/>
+          </ac:picMkLst>
+        </pc:picChg>
+        <pc:picChg chg="mod topLvl">
+          <ac:chgData name="CHRISTOPHER LLONES" userId="ee08fdad-24ed-4713-bb77-380897b11f62" providerId="ADAL" clId="{5AC45C88-7A94-46F3-BAC5-161FFDB890F3}" dt="2021-08-15T05:35:32.540" v="33" actId="164"/>
+          <ac:picMkLst>
+            <pc:docMk/>
+            <pc:sldMk cId="1877650632" sldId="257"/>
+            <ac:picMk id="55" creationId="{71E1EF6E-8F2C-409D-BF73-5FCDA36F1E7B}"/>
+          </ac:picMkLst>
+        </pc:picChg>
+        <pc:picChg chg="mod topLvl">
+          <ac:chgData name="CHRISTOPHER LLONES" userId="ee08fdad-24ed-4713-bb77-380897b11f62" providerId="ADAL" clId="{5AC45C88-7A94-46F3-BAC5-161FFDB890F3}" dt="2021-08-15T05:35:32.540" v="33" actId="164"/>
+          <ac:picMkLst>
+            <pc:docMk/>
+            <pc:sldMk cId="1877650632" sldId="257"/>
+            <ac:picMk id="56" creationId="{6ABAA967-E752-4175-BF9D-87979E7D675B}"/>
+          </ac:picMkLst>
+        </pc:picChg>
+        <pc:picChg chg="mod">
+          <ac:chgData name="CHRISTOPHER LLONES" userId="ee08fdad-24ed-4713-bb77-380897b11f62" providerId="ADAL" clId="{5AC45C88-7A94-46F3-BAC5-161FFDB890F3}" dt="2021-08-15T05:34:09.520" v="6" actId="1076"/>
+          <ac:picMkLst>
+            <pc:docMk/>
+            <pc:sldMk cId="1877650632" sldId="257"/>
+            <ac:picMk id="6146" creationId="{49F701FC-E446-4420-95E1-E9C4C483E0F4}"/>
+          </ac:picMkLst>
+        </pc:picChg>
+      </pc:sldChg>
       <pc:sldChg chg="addSp delSp modSp new mod">
         <pc:chgData name="CHRISTOPHER LLONES" userId="ee08fdad-24ed-4713-bb77-380897b11f62" providerId="ADAL" clId="{5AC45C88-7A94-46F3-BAC5-161FFDB890F3}" dt="2021-08-04T04:32:29.531" v="4" actId="5736"/>
         <pc:sldMkLst>
@@ -324,7 +474,7 @@
           <a:p>
             <a:fld id="{A7E68E60-9218-46BB-A378-9A469EA0EEDE}" type="datetimeFigureOut">
               <a:rPr lang="en-GB" smtClean="0"/>
-              <a:t>04/08/2021</a:t>
+              <a:t>15/08/2021</a:t>
             </a:fld>
             <a:endParaRPr lang="en-GB"/>
           </a:p>
@@ -524,7 +674,7 @@
           <a:p>
             <a:fld id="{A7E68E60-9218-46BB-A378-9A469EA0EEDE}" type="datetimeFigureOut">
               <a:rPr lang="en-GB" smtClean="0"/>
-              <a:t>04/08/2021</a:t>
+              <a:t>15/08/2021</a:t>
             </a:fld>
             <a:endParaRPr lang="en-GB"/>
           </a:p>
@@ -734,7 +884,7 @@
           <a:p>
             <a:fld id="{A7E68E60-9218-46BB-A378-9A469EA0EEDE}" type="datetimeFigureOut">
               <a:rPr lang="en-GB" smtClean="0"/>
-              <a:t>04/08/2021</a:t>
+              <a:t>15/08/2021</a:t>
             </a:fld>
             <a:endParaRPr lang="en-GB"/>
           </a:p>
@@ -934,7 +1084,7 @@
           <a:p>
             <a:fld id="{A7E68E60-9218-46BB-A378-9A469EA0EEDE}" type="datetimeFigureOut">
               <a:rPr lang="en-GB" smtClean="0"/>
-              <a:t>04/08/2021</a:t>
+              <a:t>15/08/2021</a:t>
             </a:fld>
             <a:endParaRPr lang="en-GB"/>
           </a:p>
@@ -1210,7 +1360,7 @@
           <a:p>
             <a:fld id="{A7E68E60-9218-46BB-A378-9A469EA0EEDE}" type="datetimeFigureOut">
               <a:rPr lang="en-GB" smtClean="0"/>
-              <a:t>04/08/2021</a:t>
+              <a:t>15/08/2021</a:t>
             </a:fld>
             <a:endParaRPr lang="en-GB"/>
           </a:p>
@@ -1478,7 +1628,7 @@
           <a:p>
             <a:fld id="{A7E68E60-9218-46BB-A378-9A469EA0EEDE}" type="datetimeFigureOut">
               <a:rPr lang="en-GB" smtClean="0"/>
-              <a:t>04/08/2021</a:t>
+              <a:t>15/08/2021</a:t>
             </a:fld>
             <a:endParaRPr lang="en-GB"/>
           </a:p>
@@ -1893,7 +2043,7 @@
           <a:p>
             <a:fld id="{A7E68E60-9218-46BB-A378-9A469EA0EEDE}" type="datetimeFigureOut">
               <a:rPr lang="en-GB" smtClean="0"/>
-              <a:t>04/08/2021</a:t>
+              <a:t>15/08/2021</a:t>
             </a:fld>
             <a:endParaRPr lang="en-GB"/>
           </a:p>
@@ -2035,7 +2185,7 @@
           <a:p>
             <a:fld id="{A7E68E60-9218-46BB-A378-9A469EA0EEDE}" type="datetimeFigureOut">
               <a:rPr lang="en-GB" smtClean="0"/>
-              <a:t>04/08/2021</a:t>
+              <a:t>15/08/2021</a:t>
             </a:fld>
             <a:endParaRPr lang="en-GB"/>
           </a:p>
@@ -2148,7 +2298,7 @@
           <a:p>
             <a:fld id="{A7E68E60-9218-46BB-A378-9A469EA0EEDE}" type="datetimeFigureOut">
               <a:rPr lang="en-GB" smtClean="0"/>
-              <a:t>04/08/2021</a:t>
+              <a:t>15/08/2021</a:t>
             </a:fld>
             <a:endParaRPr lang="en-GB"/>
           </a:p>
@@ -2461,7 +2611,7 @@
           <a:p>
             <a:fld id="{A7E68E60-9218-46BB-A378-9A469EA0EEDE}" type="datetimeFigureOut">
               <a:rPr lang="en-GB" smtClean="0"/>
-              <a:t>04/08/2021</a:t>
+              <a:t>15/08/2021</a:t>
             </a:fld>
             <a:endParaRPr lang="en-GB"/>
           </a:p>
@@ -2750,7 +2900,7 @@
           <a:p>
             <a:fld id="{A7E68E60-9218-46BB-A378-9A469EA0EEDE}" type="datetimeFigureOut">
               <a:rPr lang="en-GB" smtClean="0"/>
-              <a:t>04/08/2021</a:t>
+              <a:t>15/08/2021</a:t>
             </a:fld>
             <a:endParaRPr lang="en-GB"/>
           </a:p>
@@ -2993,7 +3143,7 @@
           <a:p>
             <a:fld id="{A7E68E60-9218-46BB-A378-9A469EA0EEDE}" type="datetimeFigureOut">
               <a:rPr lang="en-GB" smtClean="0"/>
-              <a:t>04/08/2021</a:t>
+              <a:t>15/08/2021</a:t>
             </a:fld>
             <a:endParaRPr lang="en-GB"/>
           </a:p>
@@ -3412,86 +3562,10 @@
       </p:grpSpPr>
       <p:pic>
         <p:nvPicPr>
-          <p:cNvPr id="2050" name="Picture 2" descr="Logo, icon&#10;&#10;Description automatically generated">
+          <p:cNvPr id="2" name="Picture 1">
             <a:extLst>
               <a:ext uri="{FF2B5EF4-FFF2-40B4-BE49-F238E27FC236}">
-                <a16:creationId xmlns:a16="http://schemas.microsoft.com/office/drawing/2014/main" id="{FC43FC77-1501-4892-BAAC-4206277F5ABF}"/>
-              </a:ext>
-            </a:extLst>
-          </p:cNvPr>
-          <p:cNvPicPr>
-            <a:picLocks noChangeAspect="1" noChangeArrowheads="1"/>
-          </p:cNvPicPr>
-          <p:nvPr/>
-        </p:nvPicPr>
-        <p:blipFill>
-          <a:blip r:embed="rId2">
-            <a:alphaModFix amt="74000"/>
-            <a:extLst>
-              <a:ext uri="{28A0092B-C50C-407E-A947-70E740481C1C}">
-                <a14:useLocalDpi xmlns:a14="http://schemas.microsoft.com/office/drawing/2010/main" val="0"/>
-              </a:ext>
-            </a:extLst>
-          </a:blip>
-          <a:srcRect/>
-          <a:stretch>
-            <a:fillRect/>
-          </a:stretch>
-        </p:blipFill>
-        <p:spPr bwMode="auto">
-          <a:xfrm>
-            <a:off x="266411" y="166308"/>
-            <a:ext cx="897890" cy="695741"/>
-          </a:xfrm>
-          <a:prstGeom prst="rect">
-            <a:avLst/>
-          </a:prstGeom>
-        </p:spPr>
-      </p:pic>
-      <p:pic>
-        <p:nvPicPr>
-          <p:cNvPr id="1026" name="Picture 2" descr="Logo&#10;&#10;Description automatically generated">
-            <a:extLst>
-              <a:ext uri="{FF2B5EF4-FFF2-40B4-BE49-F238E27FC236}">
-                <a16:creationId xmlns:a16="http://schemas.microsoft.com/office/drawing/2014/main" id="{4FE418C6-F88A-4FDA-9549-97CA8BBECC6C}"/>
-              </a:ext>
-            </a:extLst>
-          </p:cNvPr>
-          <p:cNvPicPr>
-            <a:picLocks noChangeAspect="1" noChangeArrowheads="1"/>
-          </p:cNvPicPr>
-          <p:nvPr/>
-        </p:nvPicPr>
-        <p:blipFill>
-          <a:blip r:embed="rId3">
-            <a:alphaModFix amt="74000"/>
-            <a:extLst>
-              <a:ext uri="{28A0092B-C50C-407E-A947-70E740481C1C}">
-                <a14:useLocalDpi xmlns:a14="http://schemas.microsoft.com/office/drawing/2010/main" val="0"/>
-              </a:ext>
-            </a:extLst>
-          </a:blip>
-          <a:srcRect/>
-          <a:stretch>
-            <a:fillRect/>
-          </a:stretch>
-        </p:blipFill>
-        <p:spPr bwMode="auto">
-          <a:xfrm>
-            <a:off x="1442720" y="187715"/>
-            <a:ext cx="1920240" cy="674334"/>
-          </a:xfrm>
-          <a:prstGeom prst="rect">
-            <a:avLst/>
-          </a:prstGeom>
-        </p:spPr>
-      </p:pic>
-      <p:pic>
-        <p:nvPicPr>
-          <p:cNvPr id="31" name="Picture 30">
-            <a:extLst>
-              <a:ext uri="{FF2B5EF4-FFF2-40B4-BE49-F238E27FC236}">
-                <a16:creationId xmlns:a16="http://schemas.microsoft.com/office/drawing/2014/main" id="{6D39D4FF-75EC-4530-B632-704BD7C16C28}"/>
+                <a16:creationId xmlns:a16="http://schemas.microsoft.com/office/drawing/2014/main" id="{F90F2B9B-F468-48F2-B19B-91100FA147D5}"/>
               </a:ext>
             </a:extLst>
           </p:cNvPr>
@@ -3501,8 +3575,8 @@
           <p:nvPr/>
         </p:nvPicPr>
         <p:blipFill>
-          <a:blip r:embed="rId4">
-            <a:alphaModFix amt="74000"/>
+          <a:blip r:embed="rId2">
+            <a:alphaModFix amt="77000"/>
           </a:blip>
           <a:stretch>
             <a:fillRect/>
@@ -3510,8 +3584,8 @@
         </p:blipFill>
         <p:spPr>
           <a:xfrm>
-            <a:off x="10305211" y="132998"/>
-            <a:ext cx="1761897" cy="2042337"/>
+            <a:off x="9917281" y="5335928"/>
+            <a:ext cx="1994537" cy="1371965"/>
           </a:xfrm>
           <a:prstGeom prst="rect">
             <a:avLst/>
@@ -3691,7 +3765,7 @@
         </p:blipFill>
         <p:spPr bwMode="auto">
           <a:xfrm>
-            <a:off x="3501390" y="838899"/>
+            <a:off x="106718" y="1033605"/>
             <a:ext cx="2746692" cy="3170954"/>
           </a:xfrm>
           <a:prstGeom prst="rect">
@@ -3714,7 +3788,7 @@
         </p:nvGrpSpPr>
         <p:grpSpPr>
           <a:xfrm>
-            <a:off x="6991670" y="662782"/>
+            <a:off x="1097953" y="1459522"/>
             <a:ext cx="2349100" cy="2766218"/>
             <a:chOff x="6991670" y="662782"/>
             <a:chExt cx="2636518" cy="2985452"/>
@@ -4338,7 +4412,7 @@
         </p:nvGrpSpPr>
         <p:grpSpPr>
           <a:xfrm>
-            <a:off x="8904549" y="3734850"/>
+            <a:off x="3626012" y="4142661"/>
             <a:ext cx="2349100" cy="2766218"/>
             <a:chOff x="8904549" y="3734850"/>
             <a:chExt cx="2349100" cy="2766218"/>
@@ -4667,7 +4741,7 @@
         </p:nvGrpSpPr>
         <p:grpSpPr>
           <a:xfrm>
-            <a:off x="4856507" y="4009853"/>
+            <a:off x="3237296" y="3649611"/>
             <a:ext cx="2349100" cy="2766218"/>
             <a:chOff x="4856507" y="4009853"/>
             <a:chExt cx="2349100" cy="2766218"/>
@@ -5567,10 +5641,10 @@
       </p:grpSp>
       <p:grpSp>
         <p:nvGrpSpPr>
-          <p:cNvPr id="51" name="Group 50">
+          <p:cNvPr id="5" name="Group 4">
             <a:extLst>
               <a:ext uri="{FF2B5EF4-FFF2-40B4-BE49-F238E27FC236}">
-                <a16:creationId xmlns:a16="http://schemas.microsoft.com/office/drawing/2014/main" id="{3AC92974-ED12-4DED-AC16-4999DC74BC59}"/>
+                <a16:creationId xmlns:a16="http://schemas.microsoft.com/office/drawing/2014/main" id="{C60222E0-234F-42B8-99B0-3B680ED73E20}"/>
               </a:ext>
             </a:extLst>
           </p:cNvPr>
@@ -5579,10 +5653,10 @@
         </p:nvGrpSpPr>
         <p:grpSpPr>
           <a:xfrm>
-            <a:off x="10160000" y="143158"/>
-            <a:ext cx="1761754" cy="2040080"/>
-            <a:chOff x="3950989" y="1087956"/>
-            <a:chExt cx="5776107" cy="6688629"/>
+            <a:off x="8321773" y="439481"/>
+            <a:ext cx="2110477" cy="1450336"/>
+            <a:chOff x="8321773" y="439481"/>
+            <a:chExt cx="2110477" cy="1450336"/>
           </a:xfrm>
         </p:grpSpPr>
         <p:pic>
@@ -5607,8 +5681,8 @@
           </p:blipFill>
           <p:spPr>
             <a:xfrm>
-              <a:off x="7325064" y="3157525"/>
-              <a:ext cx="2402032" cy="2594709"/>
+              <a:off x="9699613" y="488988"/>
+              <a:ext cx="732637" cy="791405"/>
             </a:xfrm>
             <a:prstGeom prst="rect">
               <a:avLst/>
@@ -5644,8 +5718,8 @@
           </p:blipFill>
           <p:spPr bwMode="auto">
             <a:xfrm>
-              <a:off x="3950989" y="1087956"/>
-              <a:ext cx="2320242" cy="2760021"/>
+              <a:off x="8321773" y="439481"/>
+              <a:ext cx="707690" cy="841826"/>
             </a:xfrm>
             <a:prstGeom prst="rect">
               <a:avLst/>
@@ -5675,8 +5749,8 @@
           </p:blipFill>
           <p:spPr>
             <a:xfrm>
-              <a:off x="6248082" y="1157408"/>
-              <a:ext cx="2279751" cy="2690569"/>
+              <a:off x="9022403" y="460664"/>
+              <a:ext cx="695340" cy="820643"/>
             </a:xfrm>
             <a:prstGeom prst="rect">
               <a:avLst/>
@@ -5705,8 +5779,8 @@
           </p:blipFill>
           <p:spPr>
             <a:xfrm>
-              <a:off x="6194631" y="5086016"/>
-              <a:ext cx="2320242" cy="2690569"/>
+              <a:off x="9356154" y="1069174"/>
+              <a:ext cx="707690" cy="820643"/>
             </a:xfrm>
             <a:prstGeom prst="rect">
               <a:avLst/>
@@ -5735,8 +5809,8 @@
           </p:blipFill>
           <p:spPr>
             <a:xfrm>
-              <a:off x="5140799" y="3152475"/>
-              <a:ext cx="2194204" cy="2594709"/>
+              <a:off x="8684674" y="1069174"/>
+              <a:ext cx="669248" cy="791405"/>
             </a:xfrm>
             <a:prstGeom prst="rect">
               <a:avLst/>
@@ -5774,8 +5848,8 @@
           <a:chExt cx="0" cy="0"/>
         </a:xfrm>
       </p:grpSpPr>
-      <mc:AlternateContent xmlns:mc="http://schemas.openxmlformats.org/markup-compatibility/2006">
-        <mc:Choice xmlns:a14="http://schemas.microsoft.com/office/drawing/2010/main" Requires="a14">
+      <mc:AlternateContent xmlns:mc="http://schemas.openxmlformats.org/markup-compatibility/2006" xmlns:a14="http://schemas.microsoft.com/office/drawing/2010/main">
+        <mc:Choice Requires="a14">
           <p:graphicFrame>
             <p:nvGraphicFramePr>
               <p:cNvPr id="5" name="Table 4">
@@ -5835,6 +5909,7 @@
                         <a:bodyPr/>
                         <a:lstStyle/>
                         <a:p>
+                          <a:pPr/>
                           <a14:m>
                             <m:oMathPara xmlns:m="http://schemas.openxmlformats.org/officeDocument/2006/math">
                               <m:oMathParaPr>
@@ -5844,18 +5919,24 @@
                                 <m:sSub>
                                   <m:sSubPr>
                                     <m:ctrlPr>
-                                      <a:rPr lang="en-PH" sz="1600" b="0" smtClean="0"/>
+                                      <a:rPr lang="en-PH" sz="1600" b="0" i="1" smtClean="0">
+                                        <a:latin typeface="Cambria Math" panose="02040503050406030204" pitchFamily="18" charset="0"/>
+                                      </a:rPr>
                                     </m:ctrlPr>
                                   </m:sSubPr>
                                   <m:e>
                                     <m:r>
-                                      <a:rPr lang="en-PH" sz="1600" b="0" smtClean="0"/>
+                                      <a:rPr lang="en-PH" sz="1600" b="0" smtClean="0">
+                                        <a:latin typeface="Cambria Math" panose="02040503050406030204" pitchFamily="18" charset="0"/>
+                                      </a:rPr>
                                       <m:t>𝑋</m:t>
                                     </m:r>
                                   </m:e>
                                   <m:sub>
                                     <m:r>
-                                      <a:rPr lang="en-PH" sz="1600" b="0" smtClean="0"/>
+                                      <a:rPr lang="en-PH" sz="1600" b="0" smtClean="0">
+                                        <a:latin typeface="Cambria Math" panose="02040503050406030204" pitchFamily="18" charset="0"/>
+                                      </a:rPr>
                                       <m:t>6</m:t>
                                     </m:r>
                                   </m:sub>
@@ -6010,6 +6091,7 @@
                         <a:bodyPr/>
                         <a:lstStyle/>
                         <a:p>
+                          <a:pPr/>
                           <a14:m>
                             <m:oMathPara xmlns:m="http://schemas.openxmlformats.org/officeDocument/2006/math">
                               <m:oMathParaPr>
@@ -6019,18 +6101,24 @@
                                 <m:sSub>
                                   <m:sSubPr>
                                     <m:ctrlPr>
-                                      <a:rPr lang="en-PH" sz="1400" b="0" smtClean="0"/>
+                                      <a:rPr lang="en-PH" sz="1400" b="0" i="1" smtClean="0">
+                                        <a:latin typeface="Cambria Math" panose="02040503050406030204" pitchFamily="18" charset="0"/>
+                                      </a:rPr>
                                     </m:ctrlPr>
                                   </m:sSubPr>
                                   <m:e>
                                     <m:r>
-                                      <a:rPr lang="en-PH" sz="1400" b="0" smtClean="0"/>
+                                      <a:rPr lang="en-PH" sz="1400" b="0" smtClean="0">
+                                        <a:latin typeface="Cambria Math" panose="02040503050406030204" pitchFamily="18" charset="0"/>
+                                      </a:rPr>
                                       <m:t>𝑋</m:t>
                                     </m:r>
                                   </m:e>
                                   <m:sub>
                                     <m:r>
-                                      <a:rPr lang="en-PH" sz="1400" b="0" smtClean="0"/>
+                                      <a:rPr lang="en-PH" sz="1400" b="0" smtClean="0">
+                                        <a:latin typeface="Cambria Math" panose="02040503050406030204" pitchFamily="18" charset="0"/>
+                                      </a:rPr>
                                       <m:t>7</m:t>
                                     </m:r>
                                   </m:sub>
@@ -6122,6 +6210,7 @@
                         <a:bodyPr/>
                         <a:lstStyle/>
                         <a:p>
+                          <a:pPr/>
                           <a14:m>
                             <m:oMathPara xmlns:m="http://schemas.openxmlformats.org/officeDocument/2006/math">
                               <m:oMathParaPr>
@@ -6131,18 +6220,24 @@
                                 <m:sSub>
                                   <m:sSubPr>
                                     <m:ctrlPr>
-                                      <a:rPr lang="en-PH" sz="1400" b="0" smtClean="0"/>
+                                      <a:rPr lang="en-PH" sz="1400" b="0" i="1" smtClean="0">
+                                        <a:latin typeface="Cambria Math" panose="02040503050406030204" pitchFamily="18" charset="0"/>
+                                      </a:rPr>
                                     </m:ctrlPr>
                                   </m:sSubPr>
                                   <m:e>
                                     <m:r>
-                                      <a:rPr lang="en-PH" sz="1400" b="0" smtClean="0"/>
+                                      <a:rPr lang="en-PH" sz="1400" b="0" smtClean="0">
+                                        <a:latin typeface="Cambria Math" panose="02040503050406030204" pitchFamily="18" charset="0"/>
+                                      </a:rPr>
                                       <m:t>𝑋</m:t>
                                     </m:r>
                                   </m:e>
                                   <m:sub>
                                     <m:r>
-                                      <a:rPr lang="en-PH" sz="1400" b="0" smtClean="0"/>
+                                      <a:rPr lang="en-PH" sz="1400" b="0" smtClean="0">
+                                        <a:latin typeface="Cambria Math" panose="02040503050406030204" pitchFamily="18" charset="0"/>
+                                      </a:rPr>
                                       <m:t>8</m:t>
                                     </m:r>
                                   </m:sub>
@@ -6224,6 +6319,7 @@
                         <a:bodyPr/>
                         <a:lstStyle/>
                         <a:p>
+                          <a:pPr/>
                           <a14:m>
                             <m:oMathPara xmlns:m="http://schemas.openxmlformats.org/officeDocument/2006/math">
                               <m:oMathParaPr>
@@ -6233,18 +6329,24 @@
                                 <m:sSub>
                                   <m:sSubPr>
                                     <m:ctrlPr>
-                                      <a:rPr lang="en-PH" sz="1400" b="0" smtClean="0"/>
+                                      <a:rPr lang="en-PH" sz="1400" b="0" i="1" smtClean="0">
+                                        <a:latin typeface="Cambria Math" panose="02040503050406030204" pitchFamily="18" charset="0"/>
+                                      </a:rPr>
                                     </m:ctrlPr>
                                   </m:sSubPr>
                                   <m:e>
                                     <m:r>
-                                      <a:rPr lang="en-PH" sz="1400" b="0" smtClean="0"/>
+                                      <a:rPr lang="en-PH" sz="1400" b="0" smtClean="0">
+                                        <a:latin typeface="Cambria Math" panose="02040503050406030204" pitchFamily="18" charset="0"/>
+                                      </a:rPr>
                                       <m:t>𝑋</m:t>
                                     </m:r>
                                   </m:e>
                                   <m:sub>
                                     <m:r>
-                                      <a:rPr lang="en-PH" sz="1400" b="0" smtClean="0"/>
+                                      <a:rPr lang="en-PH" sz="1400" b="0" smtClean="0">
+                                        <a:latin typeface="Cambria Math" panose="02040503050406030204" pitchFamily="18" charset="0"/>
+                                      </a:rPr>
                                       <m:t>9</m:t>
                                     </m:r>
                                   </m:sub>
@@ -6326,6 +6428,7 @@
                         <a:bodyPr/>
                         <a:lstStyle/>
                         <a:p>
+                          <a:pPr/>
                           <a14:m>
                             <m:oMathPara xmlns:m="http://schemas.openxmlformats.org/officeDocument/2006/math">
                               <m:oMathParaPr>
@@ -6335,18 +6438,24 @@
                                 <m:sSub>
                                   <m:sSubPr>
                                     <m:ctrlPr>
-                                      <a:rPr lang="en-PH" sz="1400" b="0" smtClean="0"/>
+                                      <a:rPr lang="en-PH" sz="1400" b="0" i="1" smtClean="0">
+                                        <a:latin typeface="Cambria Math" panose="02040503050406030204" pitchFamily="18" charset="0"/>
+                                      </a:rPr>
                                     </m:ctrlPr>
                                   </m:sSubPr>
                                   <m:e>
                                     <m:r>
-                                      <a:rPr lang="en-PH" sz="1400" b="0" smtClean="0"/>
+                                      <a:rPr lang="en-PH" sz="1400" b="0" smtClean="0">
+                                        <a:latin typeface="Cambria Math" panose="02040503050406030204" pitchFamily="18" charset="0"/>
+                                      </a:rPr>
                                       <m:t>𝑋</m:t>
                                     </m:r>
                                   </m:e>
                                   <m:sub>
                                     <m:r>
-                                      <a:rPr lang="en-PH" sz="1400" b="0" smtClean="0"/>
+                                      <a:rPr lang="en-PH" sz="1400" b="0" smtClean="0">
+                                        <a:latin typeface="Cambria Math" panose="02040503050406030204" pitchFamily="18" charset="0"/>
+                                      </a:rPr>
                                       <m:t>10</m:t>
                                     </m:r>
                                   </m:sub>
@@ -6428,6 +6537,7 @@
                         <a:bodyPr/>
                         <a:lstStyle/>
                         <a:p>
+                          <a:pPr/>
                           <a14:m>
                             <m:oMathPara xmlns:m="http://schemas.openxmlformats.org/officeDocument/2006/math">
                               <m:oMathParaPr>
@@ -6437,18 +6547,24 @@
                                 <m:sSub>
                                   <m:sSubPr>
                                     <m:ctrlPr>
-                                      <a:rPr lang="en-PH" sz="1400" b="0" smtClean="0"/>
+                                      <a:rPr lang="en-PH" sz="1400" b="0" i="1" smtClean="0">
+                                        <a:latin typeface="Cambria Math" panose="02040503050406030204" pitchFamily="18" charset="0"/>
+                                      </a:rPr>
                                     </m:ctrlPr>
                                   </m:sSubPr>
                                   <m:e>
                                     <m:r>
-                                      <a:rPr lang="en-PH" sz="1400" b="0" smtClean="0"/>
+                                      <a:rPr lang="en-PH" sz="1400" b="0" smtClean="0">
+                                        <a:latin typeface="Cambria Math" panose="02040503050406030204" pitchFamily="18" charset="0"/>
+                                      </a:rPr>
                                       <m:t>𝑋</m:t>
                                     </m:r>
                                   </m:e>
                                   <m:sub>
                                     <m:r>
-                                      <a:rPr lang="en-PH" sz="1400" b="0" smtClean="0"/>
+                                      <a:rPr lang="en-PH" sz="1400" b="0" smtClean="0">
+                                        <a:latin typeface="Cambria Math" panose="02040503050406030204" pitchFamily="18" charset="0"/>
+                                      </a:rPr>
                                       <m:t>11</m:t>
                                     </m:r>
                                   </m:sub>
@@ -6530,6 +6646,7 @@
                         <a:bodyPr/>
                         <a:lstStyle/>
                         <a:p>
+                          <a:pPr/>
                           <a14:m>
                             <m:oMathPara xmlns:m="http://schemas.openxmlformats.org/officeDocument/2006/math">
                               <m:oMathParaPr>
@@ -6539,18 +6656,24 @@
                                 <m:sSub>
                                   <m:sSubPr>
                                     <m:ctrlPr>
-                                      <a:rPr lang="en-PH" sz="1400" b="0" smtClean="0"/>
+                                      <a:rPr lang="en-PH" sz="1400" b="0" i="1" smtClean="0">
+                                        <a:latin typeface="Cambria Math" panose="02040503050406030204" pitchFamily="18" charset="0"/>
+                                      </a:rPr>
                                     </m:ctrlPr>
                                   </m:sSubPr>
                                   <m:e>
                                     <m:r>
-                                      <a:rPr lang="en-PH" sz="1400" b="0" smtClean="0"/>
+                                      <a:rPr lang="en-PH" sz="1400" b="0" smtClean="0">
+                                        <a:latin typeface="Cambria Math" panose="02040503050406030204" pitchFamily="18" charset="0"/>
+                                      </a:rPr>
                                       <m:t>𝑋</m:t>
                                     </m:r>
                                   </m:e>
                                   <m:sub>
                                     <m:r>
-                                      <a:rPr lang="en-PH" sz="1400" b="0" smtClean="0"/>
+                                      <a:rPr lang="en-PH" sz="1400" b="0" smtClean="0">
+                                        <a:latin typeface="Cambria Math" panose="02040503050406030204" pitchFamily="18" charset="0"/>
+                                      </a:rPr>
                                       <m:t>12</m:t>
                                     </m:r>
                                   </m:sub>
@@ -6632,6 +6755,7 @@
                         <a:bodyPr/>
                         <a:lstStyle/>
                         <a:p>
+                          <a:pPr/>
                           <a14:m>
                             <m:oMathPara xmlns:m="http://schemas.openxmlformats.org/officeDocument/2006/math">
                               <m:oMathParaPr>
@@ -6641,18 +6765,24 @@
                                 <m:sSub>
                                   <m:sSubPr>
                                     <m:ctrlPr>
-                                      <a:rPr lang="en-PH" sz="1400" b="0" smtClean="0"/>
+                                      <a:rPr lang="en-PH" sz="1400" b="0" i="1" smtClean="0">
+                                        <a:latin typeface="Cambria Math" panose="02040503050406030204" pitchFamily="18" charset="0"/>
+                                      </a:rPr>
                                     </m:ctrlPr>
                                   </m:sSubPr>
                                   <m:e>
                                     <m:r>
-                                      <a:rPr lang="en-PH" sz="1400" b="0" smtClean="0"/>
+                                      <a:rPr lang="en-PH" sz="1400" b="0" smtClean="0">
+                                        <a:latin typeface="Cambria Math" panose="02040503050406030204" pitchFamily="18" charset="0"/>
+                                      </a:rPr>
                                       <m:t>𝑋</m:t>
                                     </m:r>
                                   </m:e>
                                   <m:sub>
                                     <m:r>
-                                      <a:rPr lang="en-PH" sz="1400" b="0" smtClean="0"/>
+                                      <a:rPr lang="en-PH" sz="1400" b="0" smtClean="0">
+                                        <a:latin typeface="Cambria Math" panose="02040503050406030204" pitchFamily="18" charset="0"/>
+                                      </a:rPr>
                                       <m:t>13</m:t>
                                     </m:r>
                                   </m:sub>
@@ -6734,6 +6864,7 @@
                         <a:bodyPr/>
                         <a:lstStyle/>
                         <a:p>
+                          <a:pPr/>
                           <a14:m>
                             <m:oMathPara xmlns:m="http://schemas.openxmlformats.org/officeDocument/2006/math">
                               <m:oMathParaPr>
@@ -6743,18 +6874,24 @@
                                 <m:sSub>
                                   <m:sSubPr>
                                     <m:ctrlPr>
-                                      <a:rPr lang="en-PH" sz="1400" b="0" smtClean="0"/>
+                                      <a:rPr lang="en-PH" sz="1400" b="0" i="1" smtClean="0">
+                                        <a:latin typeface="Cambria Math" panose="02040503050406030204" pitchFamily="18" charset="0"/>
+                                      </a:rPr>
                                     </m:ctrlPr>
                                   </m:sSubPr>
                                   <m:e>
                                     <m:r>
-                                      <a:rPr lang="en-PH" sz="1400" b="0" smtClean="0"/>
+                                      <a:rPr lang="en-PH" sz="1400" b="0" smtClean="0">
+                                        <a:latin typeface="Cambria Math" panose="02040503050406030204" pitchFamily="18" charset="0"/>
+                                      </a:rPr>
                                       <m:t>𝑋</m:t>
                                     </m:r>
                                   </m:e>
                                   <m:sub>
                                     <m:r>
-                                      <a:rPr lang="en-PH" sz="1400" b="0" smtClean="0"/>
+                                      <a:rPr lang="en-PH" sz="1400" b="0" smtClean="0">
+                                        <a:latin typeface="Cambria Math" panose="02040503050406030204" pitchFamily="18" charset="0"/>
+                                      </a:rPr>
                                       <m:t>14</m:t>
                                     </m:r>
                                   </m:sub>
@@ -6836,6 +6973,7 @@
                         <a:bodyPr/>
                         <a:lstStyle/>
                         <a:p>
+                          <a:pPr/>
                           <a14:m>
                             <m:oMathPara xmlns:m="http://schemas.openxmlformats.org/officeDocument/2006/math">
                               <m:oMathParaPr>
@@ -6845,18 +6983,24 @@
                                 <m:sSub>
                                   <m:sSubPr>
                                     <m:ctrlPr>
-                                      <a:rPr lang="en-PH" sz="1400" b="0" smtClean="0"/>
+                                      <a:rPr lang="en-PH" sz="1400" b="0" i="1" smtClean="0">
+                                        <a:latin typeface="Cambria Math" panose="02040503050406030204" pitchFamily="18" charset="0"/>
+                                      </a:rPr>
                                     </m:ctrlPr>
                                   </m:sSubPr>
                                   <m:e>
                                     <m:r>
-                                      <a:rPr lang="en-PH" sz="1400" b="0" smtClean="0"/>
+                                      <a:rPr lang="en-PH" sz="1400" b="0" smtClean="0">
+                                        <a:latin typeface="Cambria Math" panose="02040503050406030204" pitchFamily="18" charset="0"/>
+                                      </a:rPr>
                                       <m:t>𝑋</m:t>
                                     </m:r>
                                   </m:e>
                                   <m:sub>
                                     <m:r>
-                                      <a:rPr lang="en-PH" sz="1400" b="0" smtClean="0"/>
+                                      <a:rPr lang="en-PH" sz="1400" b="0" smtClean="0">
+                                        <a:latin typeface="Cambria Math" panose="02040503050406030204" pitchFamily="18" charset="0"/>
+                                      </a:rPr>
                                       <m:t>15</m:t>
                                     </m:r>
                                   </m:sub>
@@ -6938,6 +7082,7 @@
                         <a:bodyPr/>
                         <a:lstStyle/>
                         <a:p>
+                          <a:pPr/>
                           <a14:m>
                             <m:oMathPara xmlns:m="http://schemas.openxmlformats.org/officeDocument/2006/math">
                               <m:oMathParaPr>
@@ -6947,18 +7092,24 @@
                                 <m:sSub>
                                   <m:sSubPr>
                                     <m:ctrlPr>
-                                      <a:rPr lang="en-PH" sz="1400" b="0" smtClean="0"/>
+                                      <a:rPr lang="en-PH" sz="1400" b="0" i="1" smtClean="0">
+                                        <a:latin typeface="Cambria Math" panose="02040503050406030204" pitchFamily="18" charset="0"/>
+                                      </a:rPr>
                                     </m:ctrlPr>
                                   </m:sSubPr>
                                   <m:e>
                                     <m:r>
-                                      <a:rPr lang="en-PH" sz="1400" b="0" smtClean="0"/>
+                                      <a:rPr lang="en-PH" sz="1400" b="0" smtClean="0">
+                                        <a:latin typeface="Cambria Math" panose="02040503050406030204" pitchFamily="18" charset="0"/>
+                                      </a:rPr>
                                       <m:t>𝑋</m:t>
                                     </m:r>
                                   </m:e>
                                   <m:sub>
                                     <m:r>
-                                      <a:rPr lang="en-PH" sz="1400" b="0" smtClean="0"/>
+                                      <a:rPr lang="en-PH" sz="1400" b="0" smtClean="0">
+                                        <a:latin typeface="Cambria Math" panose="02040503050406030204" pitchFamily="18" charset="0"/>
+                                      </a:rPr>
                                       <m:t>16</m:t>
                                     </m:r>
                                   </m:sub>
@@ -7040,6 +7191,7 @@
                         <a:bodyPr/>
                         <a:lstStyle/>
                         <a:p>
+                          <a:pPr/>
                           <a14:m>
                             <m:oMathPara xmlns:m="http://schemas.openxmlformats.org/officeDocument/2006/math">
                               <m:oMathParaPr>
@@ -7049,18 +7201,24 @@
                                 <m:sSub>
                                   <m:sSubPr>
                                     <m:ctrlPr>
-                                      <a:rPr lang="en-PH" sz="1400" b="0" smtClean="0"/>
+                                      <a:rPr lang="en-PH" sz="1400" b="0" i="1" smtClean="0">
+                                        <a:latin typeface="Cambria Math" panose="02040503050406030204" pitchFamily="18" charset="0"/>
+                                      </a:rPr>
                                     </m:ctrlPr>
                                   </m:sSubPr>
                                   <m:e>
                                     <m:r>
-                                      <a:rPr lang="en-PH" sz="1400" b="0" smtClean="0"/>
+                                      <a:rPr lang="en-PH" sz="1400" b="0" smtClean="0">
+                                        <a:latin typeface="Cambria Math" panose="02040503050406030204" pitchFamily="18" charset="0"/>
+                                      </a:rPr>
                                       <m:t>𝑋</m:t>
                                     </m:r>
                                   </m:e>
                                   <m:sub>
                                     <m:r>
-                                      <a:rPr lang="en-PH" sz="1400" b="0" smtClean="0"/>
+                                      <a:rPr lang="en-PH" sz="1400" b="0" smtClean="0">
+                                        <a:latin typeface="Cambria Math" panose="02040503050406030204" pitchFamily="18" charset="0"/>
+                                      </a:rPr>
                                       <m:t>17</m:t>
                                     </m:r>
                                   </m:sub>
@@ -7142,6 +7300,7 @@
                         <a:bodyPr/>
                         <a:lstStyle/>
                         <a:p>
+                          <a:pPr/>
                           <a14:m>
                             <m:oMathPara xmlns:m="http://schemas.openxmlformats.org/officeDocument/2006/math">
                               <m:oMathParaPr>
@@ -7151,18 +7310,24 @@
                                 <m:sSub>
                                   <m:sSubPr>
                                     <m:ctrlPr>
-                                      <a:rPr lang="en-PH" sz="1400" b="0" smtClean="0"/>
+                                      <a:rPr lang="en-PH" sz="1400" b="0" i="1" smtClean="0">
+                                        <a:latin typeface="Cambria Math" panose="02040503050406030204" pitchFamily="18" charset="0"/>
+                                      </a:rPr>
                                     </m:ctrlPr>
                                   </m:sSubPr>
                                   <m:e>
                                     <m:r>
-                                      <a:rPr lang="en-PH" sz="1400" b="0" smtClean="0"/>
+                                      <a:rPr lang="en-PH" sz="1400" b="0" smtClean="0">
+                                        <a:latin typeface="Cambria Math" panose="02040503050406030204" pitchFamily="18" charset="0"/>
+                                      </a:rPr>
                                       <m:t>𝑋</m:t>
                                     </m:r>
                                   </m:e>
                                   <m:sub>
                                     <m:r>
-                                      <a:rPr lang="en-PH" sz="1400" b="0" smtClean="0"/>
+                                      <a:rPr lang="en-PH" sz="1400" b="0" smtClean="0">
+                                        <a:latin typeface="Cambria Math" panose="02040503050406030204" pitchFamily="18" charset="0"/>
+                                      </a:rPr>
                                       <m:t>18</m:t>
                                     </m:r>
                                   </m:sub>
@@ -7271,7 +7436,7 @@
             </a:graphic>
           </p:graphicFrame>
         </mc:Choice>
-        <mc:Fallback>
+        <mc:Fallback xmlns="">
           <p:graphicFrame>
             <p:nvGraphicFramePr>
               <p:cNvPr id="5" name="Table 4">

--- a/SEM_presentation/01_efa/image/slide_logos.pptx
+++ b/SEM_presentation/01_efa/image/slide_logos.pptx
@@ -6,8 +6,9 @@
   </p:sldMasterIdLst>
   <p:sldIdLst>
     <p:sldId id="256" r:id="rId2"/>
-    <p:sldId id="257" r:id="rId3"/>
-    <p:sldId id="258" r:id="rId4"/>
+    <p:sldId id="259" r:id="rId3"/>
+    <p:sldId id="257" r:id="rId4"/>
+    <p:sldId id="258" r:id="rId5"/>
   </p:sldIdLst>
   <p:sldSz cx="12192000" cy="6858000"/>
   <p:notesSz cx="6858000" cy="9144000"/>
@@ -117,7 +118,7 @@
 <file path=ppt/revisionInfo.xml><?xml version="1.0" encoding="utf-8"?>
 <p1510:revInfo xmlns:a="http://schemas.openxmlformats.org/drawingml/2006/main" xmlns:r="http://schemas.openxmlformats.org/officeDocument/2006/relationships" xmlns:p1510="http://schemas.microsoft.com/office/powerpoint/2015/10/main">
   <p1510:revLst>
-    <p1510:client id="{5AC45C88-7A94-46F3-BAC5-161FFDB890F3}" v="7" dt="2021-08-15T05:35:39.186"/>
+    <p1510:client id="{5AC45C88-7A94-46F3-BAC5-161FFDB890F3}" v="17" dt="2021-08-15T09:30:10.696"/>
   </p1510:revLst>
 </p1510:revInfo>
 </file>
@@ -126,17 +127,25 @@
 <pc:chgInfo xmlns:a="http://schemas.openxmlformats.org/drawingml/2006/main" xmlns:r="http://schemas.openxmlformats.org/officeDocument/2006/relationships" xmlns:ac="http://schemas.microsoft.com/office/drawing/2013/main/command" xmlns:pc="http://schemas.microsoft.com/office/powerpoint/2013/main/command">
   <pc:docChgLst>
     <pc:chgData name="CHRISTOPHER LLONES" userId="ee08fdad-24ed-4713-bb77-380897b11f62" providerId="ADAL" clId="{5AC45C88-7A94-46F3-BAC5-161FFDB890F3}"/>
-    <pc:docChg chg="custSel addSld modSld">
-      <pc:chgData name="CHRISTOPHER LLONES" userId="ee08fdad-24ed-4713-bb77-380897b11f62" providerId="ADAL" clId="{5AC45C88-7A94-46F3-BAC5-161FFDB890F3}" dt="2021-08-15T05:40:43.811" v="87" actId="1038"/>
+    <pc:docChg chg="undo custSel addSld modSld">
+      <pc:chgData name="CHRISTOPHER LLONES" userId="ee08fdad-24ed-4713-bb77-380897b11f62" providerId="ADAL" clId="{5AC45C88-7A94-46F3-BAC5-161FFDB890F3}" dt="2021-08-15T09:30:24.037" v="220" actId="12789"/>
       <pc:docMkLst>
         <pc:docMk/>
       </pc:docMkLst>
       <pc:sldChg chg="addSp delSp modSp mod">
-        <pc:chgData name="CHRISTOPHER LLONES" userId="ee08fdad-24ed-4713-bb77-380897b11f62" providerId="ADAL" clId="{5AC45C88-7A94-46F3-BAC5-161FFDB890F3}" dt="2021-08-15T05:40:43.811" v="87" actId="1038"/>
+        <pc:chgData name="CHRISTOPHER LLONES" userId="ee08fdad-24ed-4713-bb77-380897b11f62" providerId="ADAL" clId="{5AC45C88-7A94-46F3-BAC5-161FFDB890F3}" dt="2021-08-15T09:24:41.862" v="158" actId="478"/>
         <pc:sldMkLst>
           <pc:docMk/>
           <pc:sldMk cId="777242666" sldId="256"/>
         </pc:sldMkLst>
+        <pc:spChg chg="add del mod">
+          <ac:chgData name="CHRISTOPHER LLONES" userId="ee08fdad-24ed-4713-bb77-380897b11f62" providerId="ADAL" clId="{5AC45C88-7A94-46F3-BAC5-161FFDB890F3}" dt="2021-08-15T09:24:41.862" v="158" actId="478"/>
+          <ac:spMkLst>
+            <pc:docMk/>
+            <pc:sldMk cId="777242666" sldId="256"/>
+            <ac:spMk id="3" creationId="{14195306-2853-4793-814A-731FD99C25B4}"/>
+          </ac:spMkLst>
+        </pc:spChg>
         <pc:picChg chg="add mod">
           <ac:chgData name="CHRISTOPHER LLONES" userId="ee08fdad-24ed-4713-bb77-380897b11f62" providerId="ADAL" clId="{5AC45C88-7A94-46F3-BAC5-161FFDB890F3}" dt="2021-08-15T05:40:43.811" v="87" actId="1038"/>
           <ac:picMkLst>
@@ -319,6 +328,405 @@
             <ac:graphicFrameMk id="5" creationId="{DD7DCB67-FF56-41DA-A1D8-ECE9C2881C86}"/>
           </ac:graphicFrameMkLst>
         </pc:graphicFrameChg>
+      </pc:sldChg>
+      <pc:sldChg chg="addSp delSp modSp add mod">
+        <pc:chgData name="CHRISTOPHER LLONES" userId="ee08fdad-24ed-4713-bb77-380897b11f62" providerId="ADAL" clId="{5AC45C88-7A94-46F3-BAC5-161FFDB890F3}" dt="2021-08-15T09:30:24.037" v="220" actId="12789"/>
+        <pc:sldMkLst>
+          <pc:docMk/>
+          <pc:sldMk cId="4059821999" sldId="259"/>
+        </pc:sldMkLst>
+        <pc:spChg chg="mod">
+          <ac:chgData name="CHRISTOPHER LLONES" userId="ee08fdad-24ed-4713-bb77-380897b11f62" providerId="ADAL" clId="{5AC45C88-7A94-46F3-BAC5-161FFDB890F3}" dt="2021-08-15T09:30:10.693" v="218" actId="164"/>
+          <ac:spMkLst>
+            <pc:docMk/>
+            <pc:sldMk cId="4059821999" sldId="259"/>
+            <ac:spMk id="3" creationId="{14195306-2853-4793-814A-731FD99C25B4}"/>
+          </ac:spMkLst>
+        </pc:spChg>
+        <pc:spChg chg="mod">
+          <ac:chgData name="CHRISTOPHER LLONES" userId="ee08fdad-24ed-4713-bb77-380897b11f62" providerId="ADAL" clId="{5AC45C88-7A94-46F3-BAC5-161FFDB890F3}" dt="2021-08-15T09:25:01.293" v="160"/>
+          <ac:spMkLst>
+            <pc:docMk/>
+            <pc:sldMk cId="4059821999" sldId="259"/>
+            <ac:spMk id="7" creationId="{8DB2D8A4-2F35-4DD0-B1F9-657E44BCE8E7}"/>
+          </ac:spMkLst>
+        </pc:spChg>
+        <pc:spChg chg="mod">
+          <ac:chgData name="CHRISTOPHER LLONES" userId="ee08fdad-24ed-4713-bb77-380897b11f62" providerId="ADAL" clId="{5AC45C88-7A94-46F3-BAC5-161FFDB890F3}" dt="2021-08-15T09:25:01.293" v="160"/>
+          <ac:spMkLst>
+            <pc:docMk/>
+            <pc:sldMk cId="4059821999" sldId="259"/>
+            <ac:spMk id="9" creationId="{F1570F4A-D268-4E05-8325-B4F76B265053}"/>
+          </ac:spMkLst>
+        </pc:spChg>
+        <pc:spChg chg="mod">
+          <ac:chgData name="CHRISTOPHER LLONES" userId="ee08fdad-24ed-4713-bb77-380897b11f62" providerId="ADAL" clId="{5AC45C88-7A94-46F3-BAC5-161FFDB890F3}" dt="2021-08-15T09:25:01.293" v="160"/>
+          <ac:spMkLst>
+            <pc:docMk/>
+            <pc:sldMk cId="4059821999" sldId="259"/>
+            <ac:spMk id="10" creationId="{8F96FF44-A31A-48C1-8C83-5DACF764574B}"/>
+          </ac:spMkLst>
+        </pc:spChg>
+        <pc:spChg chg="mod">
+          <ac:chgData name="CHRISTOPHER LLONES" userId="ee08fdad-24ed-4713-bb77-380897b11f62" providerId="ADAL" clId="{5AC45C88-7A94-46F3-BAC5-161FFDB890F3}" dt="2021-08-15T09:25:01.293" v="160"/>
+          <ac:spMkLst>
+            <pc:docMk/>
+            <pc:sldMk cId="4059821999" sldId="259"/>
+            <ac:spMk id="11" creationId="{4FF47E73-D6E0-4DC9-89D2-5737FACE7506}"/>
+          </ac:spMkLst>
+        </pc:spChg>
+        <pc:spChg chg="mod">
+          <ac:chgData name="CHRISTOPHER LLONES" userId="ee08fdad-24ed-4713-bb77-380897b11f62" providerId="ADAL" clId="{5AC45C88-7A94-46F3-BAC5-161FFDB890F3}" dt="2021-08-15T09:25:01.293" v="160"/>
+          <ac:spMkLst>
+            <pc:docMk/>
+            <pc:sldMk cId="4059821999" sldId="259"/>
+            <ac:spMk id="12" creationId="{5DAF3BB1-5E4A-4D67-89EF-3EF5F805DC15}"/>
+          </ac:spMkLst>
+        </pc:spChg>
+        <pc:spChg chg="mod">
+          <ac:chgData name="CHRISTOPHER LLONES" userId="ee08fdad-24ed-4713-bb77-380897b11f62" providerId="ADAL" clId="{5AC45C88-7A94-46F3-BAC5-161FFDB890F3}" dt="2021-08-15T09:25:01.293" v="160"/>
+          <ac:spMkLst>
+            <pc:docMk/>
+            <pc:sldMk cId="4059821999" sldId="259"/>
+            <ac:spMk id="17" creationId="{681D645F-EC98-411C-B789-5ADE5B785283}"/>
+          </ac:spMkLst>
+        </pc:spChg>
+        <pc:spChg chg="mod">
+          <ac:chgData name="CHRISTOPHER LLONES" userId="ee08fdad-24ed-4713-bb77-380897b11f62" providerId="ADAL" clId="{5AC45C88-7A94-46F3-BAC5-161FFDB890F3}" dt="2021-08-15T09:25:01.293" v="160"/>
+          <ac:spMkLst>
+            <pc:docMk/>
+            <pc:sldMk cId="4059821999" sldId="259"/>
+            <ac:spMk id="21" creationId="{44EA0E3A-C728-43BE-B600-978606100C76}"/>
+          </ac:spMkLst>
+        </pc:spChg>
+        <pc:spChg chg="mod">
+          <ac:chgData name="CHRISTOPHER LLONES" userId="ee08fdad-24ed-4713-bb77-380897b11f62" providerId="ADAL" clId="{5AC45C88-7A94-46F3-BAC5-161FFDB890F3}" dt="2021-08-15T09:25:01.293" v="160"/>
+          <ac:spMkLst>
+            <pc:docMk/>
+            <pc:sldMk cId="4059821999" sldId="259"/>
+            <ac:spMk id="24" creationId="{CE4E4A99-A9F5-4288-AE58-68137958F118}"/>
+          </ac:spMkLst>
+        </pc:spChg>
+        <pc:spChg chg="mod">
+          <ac:chgData name="CHRISTOPHER LLONES" userId="ee08fdad-24ed-4713-bb77-380897b11f62" providerId="ADAL" clId="{5AC45C88-7A94-46F3-BAC5-161FFDB890F3}" dt="2021-08-15T09:25:01.293" v="160"/>
+          <ac:spMkLst>
+            <pc:docMk/>
+            <pc:sldMk cId="4059821999" sldId="259"/>
+            <ac:spMk id="27" creationId="{79D5A297-C825-441A-8D66-66AE6D59DAE2}"/>
+          </ac:spMkLst>
+        </pc:spChg>
+        <pc:spChg chg="mod">
+          <ac:chgData name="CHRISTOPHER LLONES" userId="ee08fdad-24ed-4713-bb77-380897b11f62" providerId="ADAL" clId="{5AC45C88-7A94-46F3-BAC5-161FFDB890F3}" dt="2021-08-15T09:25:01.293" v="160"/>
+          <ac:spMkLst>
+            <pc:docMk/>
+            <pc:sldMk cId="4059821999" sldId="259"/>
+            <ac:spMk id="28" creationId="{AFC3E4B1-6691-4E53-9CA6-301E2DF8D709}"/>
+          </ac:spMkLst>
+        </pc:spChg>
+        <pc:spChg chg="mod">
+          <ac:chgData name="CHRISTOPHER LLONES" userId="ee08fdad-24ed-4713-bb77-380897b11f62" providerId="ADAL" clId="{5AC45C88-7A94-46F3-BAC5-161FFDB890F3}" dt="2021-08-15T09:25:01.293" v="160"/>
+          <ac:spMkLst>
+            <pc:docMk/>
+            <pc:sldMk cId="4059821999" sldId="259"/>
+            <ac:spMk id="29" creationId="{ECF1F5EF-BF04-42E1-BC94-DB0A56B507C7}"/>
+          </ac:spMkLst>
+        </pc:spChg>
+        <pc:spChg chg="mod">
+          <ac:chgData name="CHRISTOPHER LLONES" userId="ee08fdad-24ed-4713-bb77-380897b11f62" providerId="ADAL" clId="{5AC45C88-7A94-46F3-BAC5-161FFDB890F3}" dt="2021-08-15T09:25:01.293" v="160"/>
+          <ac:spMkLst>
+            <pc:docMk/>
+            <pc:sldMk cId="4059821999" sldId="259"/>
+            <ac:spMk id="30" creationId="{EA635843-EA51-4D77-9647-BBD24776CA72}"/>
+          </ac:spMkLst>
+        </pc:spChg>
+        <pc:spChg chg="mod">
+          <ac:chgData name="CHRISTOPHER LLONES" userId="ee08fdad-24ed-4713-bb77-380897b11f62" providerId="ADAL" clId="{5AC45C88-7A94-46F3-BAC5-161FFDB890F3}" dt="2021-08-15T09:26:38.813" v="165"/>
+          <ac:spMkLst>
+            <pc:docMk/>
+            <pc:sldMk cId="4059821999" sldId="259"/>
+            <ac:spMk id="35" creationId="{DBF6990A-DF79-4D7F-AB12-09889EAD4861}"/>
+          </ac:spMkLst>
+        </pc:spChg>
+        <pc:spChg chg="mod">
+          <ac:chgData name="CHRISTOPHER LLONES" userId="ee08fdad-24ed-4713-bb77-380897b11f62" providerId="ADAL" clId="{5AC45C88-7A94-46F3-BAC5-161FFDB890F3}" dt="2021-08-15T09:26:38.813" v="165"/>
+          <ac:spMkLst>
+            <pc:docMk/>
+            <pc:sldMk cId="4059821999" sldId="259"/>
+            <ac:spMk id="37" creationId="{4352439D-382F-4E91-9EBA-0099984E4F5A}"/>
+          </ac:spMkLst>
+        </pc:spChg>
+        <pc:spChg chg="mod">
+          <ac:chgData name="CHRISTOPHER LLONES" userId="ee08fdad-24ed-4713-bb77-380897b11f62" providerId="ADAL" clId="{5AC45C88-7A94-46F3-BAC5-161FFDB890F3}" dt="2021-08-15T09:26:38.813" v="165"/>
+          <ac:spMkLst>
+            <pc:docMk/>
+            <pc:sldMk cId="4059821999" sldId="259"/>
+            <ac:spMk id="38" creationId="{AEA24039-2BCB-4158-AF8C-27E63A36AD52}"/>
+          </ac:spMkLst>
+        </pc:spChg>
+        <pc:spChg chg="mod">
+          <ac:chgData name="CHRISTOPHER LLONES" userId="ee08fdad-24ed-4713-bb77-380897b11f62" providerId="ADAL" clId="{5AC45C88-7A94-46F3-BAC5-161FFDB890F3}" dt="2021-08-15T09:26:38.813" v="165"/>
+          <ac:spMkLst>
+            <pc:docMk/>
+            <pc:sldMk cId="4059821999" sldId="259"/>
+            <ac:spMk id="39" creationId="{2E152E3F-D402-413D-A5FB-3A2B61DBA6B8}"/>
+          </ac:spMkLst>
+        </pc:spChg>
+        <pc:spChg chg="mod">
+          <ac:chgData name="CHRISTOPHER LLONES" userId="ee08fdad-24ed-4713-bb77-380897b11f62" providerId="ADAL" clId="{5AC45C88-7A94-46F3-BAC5-161FFDB890F3}" dt="2021-08-15T09:26:38.813" v="165"/>
+          <ac:spMkLst>
+            <pc:docMk/>
+            <pc:sldMk cId="4059821999" sldId="259"/>
+            <ac:spMk id="40" creationId="{642ACE44-AD3E-488E-A3E3-DF99A0128797}"/>
+          </ac:spMkLst>
+        </pc:spChg>
+        <pc:grpChg chg="add del mod">
+          <ac:chgData name="CHRISTOPHER LLONES" userId="ee08fdad-24ed-4713-bb77-380897b11f62" providerId="ADAL" clId="{5AC45C88-7A94-46F3-BAC5-161FFDB890F3}" dt="2021-08-15T09:26:27.452" v="164" actId="21"/>
+          <ac:grpSpMkLst>
+            <pc:docMk/>
+            <pc:sldMk cId="4059821999" sldId="259"/>
+            <ac:grpSpMk id="6" creationId="{D3FAF67F-2D54-4DB2-9333-91684B06B912}"/>
+          </ac:grpSpMkLst>
+        </pc:grpChg>
+        <pc:grpChg chg="mod">
+          <ac:chgData name="CHRISTOPHER LLONES" userId="ee08fdad-24ed-4713-bb77-380897b11f62" providerId="ADAL" clId="{5AC45C88-7A94-46F3-BAC5-161FFDB890F3}" dt="2021-08-15T09:25:01.293" v="160"/>
+          <ac:grpSpMkLst>
+            <pc:docMk/>
+            <pc:sldMk cId="4059821999" sldId="259"/>
+            <ac:grpSpMk id="8" creationId="{A92018D3-503B-4BFD-BC3E-E342C921ED67}"/>
+          </ac:grpSpMkLst>
+        </pc:grpChg>
+        <pc:grpChg chg="add del mod">
+          <ac:chgData name="CHRISTOPHER LLONES" userId="ee08fdad-24ed-4713-bb77-380897b11f62" providerId="ADAL" clId="{5AC45C88-7A94-46F3-BAC5-161FFDB890F3}" dt="2021-08-15T09:26:55.836" v="172" actId="21"/>
+          <ac:grpSpMkLst>
+            <pc:docMk/>
+            <pc:sldMk cId="4059821999" sldId="259"/>
+            <ac:grpSpMk id="16" creationId="{E2C95B9C-1C08-4FA7-8AED-D26CC1F97949}"/>
+          </ac:grpSpMkLst>
+        </pc:grpChg>
+        <pc:grpChg chg="add del mod">
+          <ac:chgData name="CHRISTOPHER LLONES" userId="ee08fdad-24ed-4713-bb77-380897b11f62" providerId="ADAL" clId="{5AC45C88-7A94-46F3-BAC5-161FFDB890F3}" dt="2021-08-15T09:26:47.632" v="170" actId="21"/>
+          <ac:grpSpMkLst>
+            <pc:docMk/>
+            <pc:sldMk cId="4059821999" sldId="259"/>
+            <ac:grpSpMk id="20" creationId="{1182279A-5DCF-4D25-A633-620ACD7DEC56}"/>
+          </ac:grpSpMkLst>
+        </pc:grpChg>
+        <pc:grpChg chg="add del mod">
+          <ac:chgData name="CHRISTOPHER LLONES" userId="ee08fdad-24ed-4713-bb77-380897b11f62" providerId="ADAL" clId="{5AC45C88-7A94-46F3-BAC5-161FFDB890F3}" dt="2021-08-15T09:27:06.919" v="177" actId="21"/>
+          <ac:grpSpMkLst>
+            <pc:docMk/>
+            <pc:sldMk cId="4059821999" sldId="259"/>
+            <ac:grpSpMk id="23" creationId="{8186DBDF-B6D5-4FA8-A6EF-D1C6617784C4}"/>
+          </ac:grpSpMkLst>
+        </pc:grpChg>
+        <pc:grpChg chg="mod">
+          <ac:chgData name="CHRISTOPHER LLONES" userId="ee08fdad-24ed-4713-bb77-380897b11f62" providerId="ADAL" clId="{5AC45C88-7A94-46F3-BAC5-161FFDB890F3}" dt="2021-08-15T09:25:01.293" v="160"/>
+          <ac:grpSpMkLst>
+            <pc:docMk/>
+            <pc:sldMk cId="4059821999" sldId="259"/>
+            <ac:grpSpMk id="25" creationId="{F9A79106-D8C8-4D2C-B7F1-C32CC2AE2736}"/>
+          </ac:grpSpMkLst>
+        </pc:grpChg>
+        <pc:grpChg chg="add del mod">
+          <ac:chgData name="CHRISTOPHER LLONES" userId="ee08fdad-24ed-4713-bb77-380897b11f62" providerId="ADAL" clId="{5AC45C88-7A94-46F3-BAC5-161FFDB890F3}" dt="2021-08-15T09:26:40.449" v="166" actId="21"/>
+          <ac:grpSpMkLst>
+            <pc:docMk/>
+            <pc:sldMk cId="4059821999" sldId="259"/>
+            <ac:grpSpMk id="34" creationId="{34073F5B-5D49-4F70-99F7-E927D6B8DC40}"/>
+          </ac:grpSpMkLst>
+        </pc:grpChg>
+        <pc:grpChg chg="mod">
+          <ac:chgData name="CHRISTOPHER LLONES" userId="ee08fdad-24ed-4713-bb77-380897b11f62" providerId="ADAL" clId="{5AC45C88-7A94-46F3-BAC5-161FFDB890F3}" dt="2021-08-15T09:26:38.813" v="165"/>
+          <ac:grpSpMkLst>
+            <pc:docMk/>
+            <pc:sldMk cId="4059821999" sldId="259"/>
+            <ac:grpSpMk id="36" creationId="{DBA3567C-8AC8-4B8B-90DA-EADED52B4800}"/>
+          </ac:grpSpMkLst>
+        </pc:grpChg>
+        <pc:grpChg chg="add del mod">
+          <ac:chgData name="CHRISTOPHER LLONES" userId="ee08fdad-24ed-4713-bb77-380897b11f62" providerId="ADAL" clId="{5AC45C88-7A94-46F3-BAC5-161FFDB890F3}" dt="2021-08-15T09:28:54.066" v="203" actId="165"/>
+          <ac:grpSpMkLst>
+            <pc:docMk/>
+            <pc:sldMk cId="4059821999" sldId="259"/>
+            <ac:grpSpMk id="48" creationId="{41D12AE0-5E9E-4123-B6AA-479A50A0FAD3}"/>
+          </ac:grpSpMkLst>
+        </pc:grpChg>
+        <pc:grpChg chg="add mod">
+          <ac:chgData name="CHRISTOPHER LLONES" userId="ee08fdad-24ed-4713-bb77-380897b11f62" providerId="ADAL" clId="{5AC45C88-7A94-46F3-BAC5-161FFDB890F3}" dt="2021-08-15T09:30:10.693" v="218" actId="164"/>
+          <ac:grpSpMkLst>
+            <pc:docMk/>
+            <pc:sldMk cId="4059821999" sldId="259"/>
+            <ac:grpSpMk id="49" creationId="{6C6C4B67-B018-406A-89D8-743A0CE742AE}"/>
+          </ac:grpSpMkLst>
+        </pc:grpChg>
+        <pc:grpChg chg="add mod">
+          <ac:chgData name="CHRISTOPHER LLONES" userId="ee08fdad-24ed-4713-bb77-380897b11f62" providerId="ADAL" clId="{5AC45C88-7A94-46F3-BAC5-161FFDB890F3}" dt="2021-08-15T09:30:24.037" v="220" actId="12789"/>
+          <ac:grpSpMkLst>
+            <pc:docMk/>
+            <pc:sldMk cId="4059821999" sldId="259"/>
+            <ac:grpSpMk id="50" creationId="{38EB3E9B-6C47-4207-A5CE-B3187D41A443}"/>
+          </ac:grpSpMkLst>
+        </pc:grpChg>
+        <pc:picChg chg="del">
+          <ac:chgData name="CHRISTOPHER LLONES" userId="ee08fdad-24ed-4713-bb77-380897b11f62" providerId="ADAL" clId="{5AC45C88-7A94-46F3-BAC5-161FFDB890F3}" dt="2021-08-15T09:24:46.149" v="159" actId="478"/>
+          <ac:picMkLst>
+            <pc:docMk/>
+            <pc:sldMk cId="4059821999" sldId="259"/>
+            <ac:picMk id="2" creationId="{F90F2B9B-F468-48F2-B19B-91100FA147D5}"/>
+          </ac:picMkLst>
+        </pc:picChg>
+        <pc:picChg chg="add del mod">
+          <ac:chgData name="CHRISTOPHER LLONES" userId="ee08fdad-24ed-4713-bb77-380897b11f62" providerId="ADAL" clId="{5AC45C88-7A94-46F3-BAC5-161FFDB890F3}" dt="2021-08-15T09:27:01.880" v="175" actId="478"/>
+          <ac:picMkLst>
+            <pc:docMk/>
+            <pc:sldMk cId="4059821999" sldId="259"/>
+            <ac:picMk id="4" creationId="{495EF8D5-5162-4F67-B5AB-8482D83B4A82}"/>
+          </ac:picMkLst>
+        </pc:picChg>
+        <pc:picChg chg="add mod topLvl">
+          <ac:chgData name="CHRISTOPHER LLONES" userId="ee08fdad-24ed-4713-bb77-380897b11f62" providerId="ADAL" clId="{5AC45C88-7A94-46F3-BAC5-161FFDB890F3}" dt="2021-08-15T09:29:17.103" v="209" actId="164"/>
+          <ac:picMkLst>
+            <pc:docMk/>
+            <pc:sldMk cId="4059821999" sldId="259"/>
+            <ac:picMk id="5" creationId="{2F3464F8-EDE9-4A0C-A060-7A8F549CD086}"/>
+          </ac:picMkLst>
+        </pc:picChg>
+        <pc:picChg chg="mod">
+          <ac:chgData name="CHRISTOPHER LLONES" userId="ee08fdad-24ed-4713-bb77-380897b11f62" providerId="ADAL" clId="{5AC45C88-7A94-46F3-BAC5-161FFDB890F3}" dt="2021-08-15T09:25:01.293" v="160"/>
+          <ac:picMkLst>
+            <pc:docMk/>
+            <pc:sldMk cId="4059821999" sldId="259"/>
+            <ac:picMk id="18" creationId="{7F19E14F-5497-48EF-84F2-BB6004D730EA}"/>
+          </ac:picMkLst>
+        </pc:picChg>
+        <pc:picChg chg="mod">
+          <ac:chgData name="CHRISTOPHER LLONES" userId="ee08fdad-24ed-4713-bb77-380897b11f62" providerId="ADAL" clId="{5AC45C88-7A94-46F3-BAC5-161FFDB890F3}" dt="2021-08-15T09:25:01.293" v="160"/>
+          <ac:picMkLst>
+            <pc:docMk/>
+            <pc:sldMk cId="4059821999" sldId="259"/>
+            <ac:picMk id="19" creationId="{A1985DE7-52BD-45F4-AA09-6C2E658FC8A5}"/>
+          </ac:picMkLst>
+        </pc:picChg>
+        <pc:picChg chg="mod">
+          <ac:chgData name="CHRISTOPHER LLONES" userId="ee08fdad-24ed-4713-bb77-380897b11f62" providerId="ADAL" clId="{5AC45C88-7A94-46F3-BAC5-161FFDB890F3}" dt="2021-08-15T09:25:01.293" v="160"/>
+          <ac:picMkLst>
+            <pc:docMk/>
+            <pc:sldMk cId="4059821999" sldId="259"/>
+            <ac:picMk id="22" creationId="{61183A28-4DEF-4B87-B17D-85E700271D78}"/>
+          </ac:picMkLst>
+        </pc:picChg>
+        <pc:picChg chg="mod">
+          <ac:chgData name="CHRISTOPHER LLONES" userId="ee08fdad-24ed-4713-bb77-380897b11f62" providerId="ADAL" clId="{5AC45C88-7A94-46F3-BAC5-161FFDB890F3}" dt="2021-08-15T09:25:01.293" v="160"/>
+          <ac:picMkLst>
+            <pc:docMk/>
+            <pc:sldMk cId="4059821999" sldId="259"/>
+            <ac:picMk id="26" creationId="{626EB3DC-C92E-4B9D-82E0-932E76CF0DDE}"/>
+          </ac:picMkLst>
+        </pc:picChg>
+        <pc:picChg chg="add mod topLvl">
+          <ac:chgData name="CHRISTOPHER LLONES" userId="ee08fdad-24ed-4713-bb77-380897b11f62" providerId="ADAL" clId="{5AC45C88-7A94-46F3-BAC5-161FFDB890F3}" dt="2021-08-15T09:29:17.103" v="209" actId="164"/>
+          <ac:picMkLst>
+            <pc:docMk/>
+            <pc:sldMk cId="4059821999" sldId="259"/>
+            <ac:picMk id="44" creationId="{82CB283F-5A82-4D94-A718-6C1220D01162}"/>
+          </ac:picMkLst>
+        </pc:picChg>
+        <pc:picChg chg="add mod topLvl">
+          <ac:chgData name="CHRISTOPHER LLONES" userId="ee08fdad-24ed-4713-bb77-380897b11f62" providerId="ADAL" clId="{5AC45C88-7A94-46F3-BAC5-161FFDB890F3}" dt="2021-08-15T09:29:17.103" v="209" actId="164"/>
+          <ac:picMkLst>
+            <pc:docMk/>
+            <pc:sldMk cId="4059821999" sldId="259"/>
+            <ac:picMk id="45" creationId="{B32D2691-E498-464A-8229-A28A6C9D71FB}"/>
+          </ac:picMkLst>
+        </pc:picChg>
+        <pc:picChg chg="add mod topLvl">
+          <ac:chgData name="CHRISTOPHER LLONES" userId="ee08fdad-24ed-4713-bb77-380897b11f62" providerId="ADAL" clId="{5AC45C88-7A94-46F3-BAC5-161FFDB890F3}" dt="2021-08-15T09:29:58.406" v="216" actId="1076"/>
+          <ac:picMkLst>
+            <pc:docMk/>
+            <pc:sldMk cId="4059821999" sldId="259"/>
+            <ac:picMk id="46" creationId="{248CB911-926B-426A-9B8D-812F6ABD056D}"/>
+          </ac:picMkLst>
+        </pc:picChg>
+        <pc:picChg chg="add mod topLvl">
+          <ac:chgData name="CHRISTOPHER LLONES" userId="ee08fdad-24ed-4713-bb77-380897b11f62" providerId="ADAL" clId="{5AC45C88-7A94-46F3-BAC5-161FFDB890F3}" dt="2021-08-15T09:29:17.103" v="209" actId="164"/>
+          <ac:picMkLst>
+            <pc:docMk/>
+            <pc:sldMk cId="4059821999" sldId="259"/>
+            <ac:picMk id="47" creationId="{98B3A78C-4279-4C9A-BB8F-33EA995B333C}"/>
+          </ac:picMkLst>
+        </pc:picChg>
+        <pc:cxnChg chg="mod">
+          <ac:chgData name="CHRISTOPHER LLONES" userId="ee08fdad-24ed-4713-bb77-380897b11f62" providerId="ADAL" clId="{5AC45C88-7A94-46F3-BAC5-161FFDB890F3}" dt="2021-08-15T09:26:27.452" v="164" actId="21"/>
+          <ac:cxnSpMkLst>
+            <pc:docMk/>
+            <pc:sldMk cId="4059821999" sldId="259"/>
+            <ac:cxnSpMk id="13" creationId="{97552F6D-4E1A-4958-9E40-950D3EC5BDF5}"/>
+          </ac:cxnSpMkLst>
+        </pc:cxnChg>
+        <pc:cxnChg chg="mod">
+          <ac:chgData name="CHRISTOPHER LLONES" userId="ee08fdad-24ed-4713-bb77-380897b11f62" providerId="ADAL" clId="{5AC45C88-7A94-46F3-BAC5-161FFDB890F3}" dt="2021-08-15T09:26:27.452" v="164" actId="21"/>
+          <ac:cxnSpMkLst>
+            <pc:docMk/>
+            <pc:sldMk cId="4059821999" sldId="259"/>
+            <ac:cxnSpMk id="14" creationId="{B1D03F47-B804-4D4D-9D40-C6D19B39EC3B}"/>
+          </ac:cxnSpMkLst>
+        </pc:cxnChg>
+        <pc:cxnChg chg="mod">
+          <ac:chgData name="CHRISTOPHER LLONES" userId="ee08fdad-24ed-4713-bb77-380897b11f62" providerId="ADAL" clId="{5AC45C88-7A94-46F3-BAC5-161FFDB890F3}" dt="2021-08-15T09:26:27.452" v="164" actId="21"/>
+          <ac:cxnSpMkLst>
+            <pc:docMk/>
+            <pc:sldMk cId="4059821999" sldId="259"/>
+            <ac:cxnSpMk id="15" creationId="{EA777F05-A978-48EA-A8CA-AFD9E2DA8A41}"/>
+          </ac:cxnSpMkLst>
+        </pc:cxnChg>
+        <pc:cxnChg chg="mod">
+          <ac:chgData name="CHRISTOPHER LLONES" userId="ee08fdad-24ed-4713-bb77-380897b11f62" providerId="ADAL" clId="{5AC45C88-7A94-46F3-BAC5-161FFDB890F3}" dt="2021-08-15T09:27:06.919" v="177" actId="21"/>
+          <ac:cxnSpMkLst>
+            <pc:docMk/>
+            <pc:sldMk cId="4059821999" sldId="259"/>
+            <ac:cxnSpMk id="31" creationId="{E81DDCDD-F9AD-4597-99EF-54CB4E0A522E}"/>
+          </ac:cxnSpMkLst>
+        </pc:cxnChg>
+        <pc:cxnChg chg="mod">
+          <ac:chgData name="CHRISTOPHER LLONES" userId="ee08fdad-24ed-4713-bb77-380897b11f62" providerId="ADAL" clId="{5AC45C88-7A94-46F3-BAC5-161FFDB890F3}" dt="2021-08-15T09:27:06.919" v="177" actId="21"/>
+          <ac:cxnSpMkLst>
+            <pc:docMk/>
+            <pc:sldMk cId="4059821999" sldId="259"/>
+            <ac:cxnSpMk id="32" creationId="{A3A6A952-D9CA-4131-904E-413ABA5E52C2}"/>
+          </ac:cxnSpMkLst>
+        </pc:cxnChg>
+        <pc:cxnChg chg="mod">
+          <ac:chgData name="CHRISTOPHER LLONES" userId="ee08fdad-24ed-4713-bb77-380897b11f62" providerId="ADAL" clId="{5AC45C88-7A94-46F3-BAC5-161FFDB890F3}" dt="2021-08-15T09:27:06.919" v="177" actId="21"/>
+          <ac:cxnSpMkLst>
+            <pc:docMk/>
+            <pc:sldMk cId="4059821999" sldId="259"/>
+            <ac:cxnSpMk id="33" creationId="{09040FA8-8749-45B0-9931-3F6E9C716EE1}"/>
+          </ac:cxnSpMkLst>
+        </pc:cxnChg>
+        <pc:cxnChg chg="mod">
+          <ac:chgData name="CHRISTOPHER LLONES" userId="ee08fdad-24ed-4713-bb77-380897b11f62" providerId="ADAL" clId="{5AC45C88-7A94-46F3-BAC5-161FFDB890F3}" dt="2021-08-15T09:26:40.449" v="166" actId="21"/>
+          <ac:cxnSpMkLst>
+            <pc:docMk/>
+            <pc:sldMk cId="4059821999" sldId="259"/>
+            <ac:cxnSpMk id="41" creationId="{F2284BDF-16EB-44D0-AECC-0808B7FF82A6}"/>
+          </ac:cxnSpMkLst>
+        </pc:cxnChg>
+        <pc:cxnChg chg="mod">
+          <ac:chgData name="CHRISTOPHER LLONES" userId="ee08fdad-24ed-4713-bb77-380897b11f62" providerId="ADAL" clId="{5AC45C88-7A94-46F3-BAC5-161FFDB890F3}" dt="2021-08-15T09:26:40.449" v="166" actId="21"/>
+          <ac:cxnSpMkLst>
+            <pc:docMk/>
+            <pc:sldMk cId="4059821999" sldId="259"/>
+            <ac:cxnSpMk id="42" creationId="{7F685E4B-D0C8-4FC0-9EA1-869820ABAF0F}"/>
+          </ac:cxnSpMkLst>
+        </pc:cxnChg>
+        <pc:cxnChg chg="mod">
+          <ac:chgData name="CHRISTOPHER LLONES" userId="ee08fdad-24ed-4713-bb77-380897b11f62" providerId="ADAL" clId="{5AC45C88-7A94-46F3-BAC5-161FFDB890F3}" dt="2021-08-15T09:26:40.449" v="166" actId="21"/>
+          <ac:cxnSpMkLst>
+            <pc:docMk/>
+            <pc:sldMk cId="4059821999" sldId="259"/>
+            <ac:cxnSpMk id="43" creationId="{3A232206-3D2A-4D22-A253-D2728FA1BB1A}"/>
+          </ac:cxnSpMkLst>
+        </pc:cxnChg>
       </pc:sldChg>
     </pc:docChg>
   </pc:docChgLst>
@@ -3606,6 +4014,272 @@
 </file>
 
 <file path=ppt/slides/slide2.xml><?xml version="1.0" encoding="utf-8"?>
+<p:sld xmlns:a="http://schemas.openxmlformats.org/drawingml/2006/main" xmlns:r="http://schemas.openxmlformats.org/officeDocument/2006/relationships" xmlns:p="http://schemas.openxmlformats.org/presentationml/2006/main">
+  <p:cSld>
+    <p:spTree>
+      <p:nvGrpSpPr>
+        <p:cNvPr id="1" name=""/>
+        <p:cNvGrpSpPr/>
+        <p:nvPr/>
+      </p:nvGrpSpPr>
+      <p:grpSpPr>
+        <a:xfrm>
+          <a:off x="0" y="0"/>
+          <a:ext cx="0" cy="0"/>
+          <a:chOff x="0" y="0"/>
+          <a:chExt cx="0" cy="0"/>
+        </a:xfrm>
+      </p:grpSpPr>
+      <p:grpSp>
+        <p:nvGrpSpPr>
+          <p:cNvPr id="50" name="Group 49">
+            <a:extLst>
+              <a:ext uri="{FF2B5EF4-FFF2-40B4-BE49-F238E27FC236}">
+                <a16:creationId xmlns:a16="http://schemas.microsoft.com/office/drawing/2014/main" id="{38EB3E9B-6C47-4207-A5CE-B3187D41A443}"/>
+              </a:ext>
+            </a:extLst>
+          </p:cNvPr>
+          <p:cNvGrpSpPr/>
+          <p:nvPr/>
+        </p:nvGrpSpPr>
+        <p:grpSpPr>
+          <a:xfrm>
+            <a:off x="2326064" y="1064841"/>
+            <a:ext cx="7539872" cy="4728319"/>
+            <a:chOff x="2326064" y="904585"/>
+            <a:chExt cx="7539872" cy="4728319"/>
+          </a:xfrm>
+        </p:grpSpPr>
+        <p:sp>
+          <p:nvSpPr>
+            <p:cNvPr id="3" name="TextBox 2">
+              <a:extLst>
+                <a:ext uri="{FF2B5EF4-FFF2-40B4-BE49-F238E27FC236}">
+                  <a16:creationId xmlns:a16="http://schemas.microsoft.com/office/drawing/2014/main" id="{14195306-2853-4793-814A-731FD99C25B4}"/>
+                </a:ext>
+              </a:extLst>
+            </p:cNvPr>
+            <p:cNvSpPr txBox="1"/>
+            <p:nvPr/>
+          </p:nvSpPr>
+          <p:spPr>
+            <a:xfrm>
+              <a:off x="2326064" y="904585"/>
+              <a:ext cx="7539872" cy="1569660"/>
+            </a:xfrm>
+            <a:prstGeom prst="rect">
+              <a:avLst/>
+            </a:prstGeom>
+            <a:noFill/>
+          </p:spPr>
+          <p:txBody>
+            <a:bodyPr wrap="square" rtlCol="0">
+              <a:spAutoFit/>
+            </a:bodyPr>
+            <a:lstStyle/>
+            <a:p>
+              <a:r>
+                <a:rPr lang="en-PH" sz="4800" dirty="0"/>
+                <a:t>Structural Equation Modeling (SEM)using R</a:t>
+              </a:r>
+              <a:endParaRPr lang="en-GB" sz="4800" dirty="0"/>
+            </a:p>
+          </p:txBody>
+        </p:sp>
+        <p:grpSp>
+          <p:nvGrpSpPr>
+            <p:cNvPr id="49" name="Group 48">
+              <a:extLst>
+                <a:ext uri="{FF2B5EF4-FFF2-40B4-BE49-F238E27FC236}">
+                  <a16:creationId xmlns:a16="http://schemas.microsoft.com/office/drawing/2014/main" id="{6C6C4B67-B018-406A-89D8-743A0CE742AE}"/>
+                </a:ext>
+              </a:extLst>
+            </p:cNvPr>
+            <p:cNvGrpSpPr/>
+            <p:nvPr/>
+          </p:nvGrpSpPr>
+          <p:grpSpPr>
+            <a:xfrm>
+              <a:off x="3779603" y="2891995"/>
+              <a:ext cx="4837966" cy="2740909"/>
+              <a:chOff x="2224180" y="3664993"/>
+              <a:chExt cx="4837966" cy="2740909"/>
+            </a:xfrm>
+          </p:grpSpPr>
+          <p:pic>
+            <p:nvPicPr>
+              <p:cNvPr id="5" name="Picture 2" descr="A close-up of a cell phone&#10;&#10;Description automatically generated with medium confidence">
+                <a:extLst>
+                  <a:ext uri="{FF2B5EF4-FFF2-40B4-BE49-F238E27FC236}">
+                    <a16:creationId xmlns:a16="http://schemas.microsoft.com/office/drawing/2014/main" id="{2F3464F8-EDE9-4A0C-A060-7A8F549CD086}"/>
+                  </a:ext>
+                </a:extLst>
+              </p:cNvPr>
+              <p:cNvPicPr>
+                <a:picLocks noChangeAspect="1" noChangeArrowheads="1"/>
+              </p:cNvPicPr>
+              <p:nvPr/>
+            </p:nvPicPr>
+            <p:blipFill>
+              <a:blip r:embed="rId2">
+                <a:extLst>
+                  <a:ext uri="{28A0092B-C50C-407E-A947-70E740481C1C}">
+                    <a14:useLocalDpi xmlns:a14="http://schemas.microsoft.com/office/drawing/2010/main" val="0"/>
+                  </a:ext>
+                </a:extLst>
+              </a:blip>
+              <a:srcRect/>
+              <a:stretch>
+                <a:fillRect/>
+              </a:stretch>
+            </p:blipFill>
+            <p:spPr bwMode="auto">
+              <a:xfrm>
+                <a:off x="2224180" y="3664993"/>
+                <a:ext cx="1381335" cy="1594700"/>
+              </a:xfrm>
+              <a:prstGeom prst="rect">
+                <a:avLst/>
+              </a:prstGeom>
+              <a:noFill/>
+            </p:spPr>
+          </p:pic>
+          <p:pic>
+            <p:nvPicPr>
+              <p:cNvPr id="44" name="Picture 43">
+                <a:extLst>
+                  <a:ext uri="{FF2B5EF4-FFF2-40B4-BE49-F238E27FC236}">
+                    <a16:creationId xmlns:a16="http://schemas.microsoft.com/office/drawing/2014/main" id="{82CB283F-5A82-4D94-A718-6C1220D01162}"/>
+                  </a:ext>
+                </a:extLst>
+              </p:cNvPr>
+              <p:cNvPicPr>
+                <a:picLocks noChangeAspect="1"/>
+              </p:cNvPicPr>
+              <p:nvPr/>
+            </p:nvPicPr>
+            <p:blipFill>
+              <a:blip r:embed="rId3"/>
+              <a:stretch>
+                <a:fillRect/>
+              </a:stretch>
+            </p:blipFill>
+            <p:spPr>
+              <a:xfrm>
+                <a:off x="4382856" y="4909444"/>
+                <a:ext cx="1267966" cy="1496458"/>
+              </a:xfrm>
+              <a:prstGeom prst="rect">
+                <a:avLst/>
+              </a:prstGeom>
+            </p:spPr>
+          </p:pic>
+          <p:pic>
+            <p:nvPicPr>
+              <p:cNvPr id="45" name="Picture 44">
+                <a:extLst>
+                  <a:ext uri="{FF2B5EF4-FFF2-40B4-BE49-F238E27FC236}">
+                    <a16:creationId xmlns:a16="http://schemas.microsoft.com/office/drawing/2014/main" id="{B32D2691-E498-464A-8229-A28A6C9D71FB}"/>
+                  </a:ext>
+                </a:extLst>
+              </p:cNvPr>
+              <p:cNvPicPr>
+                <a:picLocks noChangeAspect="1"/>
+              </p:cNvPicPr>
+              <p:nvPr/>
+            </p:nvPicPr>
+            <p:blipFill>
+              <a:blip r:embed="rId4"/>
+              <a:stretch>
+                <a:fillRect/>
+              </a:stretch>
+            </p:blipFill>
+            <p:spPr>
+              <a:xfrm>
+                <a:off x="3718883" y="3674534"/>
+                <a:ext cx="1267966" cy="1496458"/>
+              </a:xfrm>
+              <a:prstGeom prst="rect">
+                <a:avLst/>
+              </a:prstGeom>
+            </p:spPr>
+          </p:pic>
+          <p:pic>
+            <p:nvPicPr>
+              <p:cNvPr id="46" name="Picture 45">
+                <a:extLst>
+                  <a:ext uri="{FF2B5EF4-FFF2-40B4-BE49-F238E27FC236}">
+                    <a16:creationId xmlns:a16="http://schemas.microsoft.com/office/drawing/2014/main" id="{248CB911-926B-426A-9B8D-812F6ABD056D}"/>
+                  </a:ext>
+                </a:extLst>
+              </p:cNvPr>
+              <p:cNvPicPr>
+                <a:picLocks noChangeAspect="1"/>
+              </p:cNvPicPr>
+              <p:nvPr/>
+            </p:nvPicPr>
+            <p:blipFill>
+              <a:blip r:embed="rId5"/>
+              <a:stretch>
+                <a:fillRect/>
+              </a:stretch>
+            </p:blipFill>
+            <p:spPr>
+              <a:xfrm>
+                <a:off x="5100217" y="3676143"/>
+                <a:ext cx="1267967" cy="1493240"/>
+              </a:xfrm>
+              <a:prstGeom prst="rect">
+                <a:avLst/>
+              </a:prstGeom>
+            </p:spPr>
+          </p:pic>
+          <p:pic>
+            <p:nvPicPr>
+              <p:cNvPr id="47" name="Picture 46">
+                <a:extLst>
+                  <a:ext uri="{FF2B5EF4-FFF2-40B4-BE49-F238E27FC236}">
+                    <a16:creationId xmlns:a16="http://schemas.microsoft.com/office/drawing/2014/main" id="{98B3A78C-4279-4C9A-BB8F-33EA995B333C}"/>
+                  </a:ext>
+                </a:extLst>
+              </p:cNvPr>
+              <p:cNvPicPr>
+                <a:picLocks noChangeAspect="1"/>
+              </p:cNvPicPr>
+              <p:nvPr/>
+            </p:nvPicPr>
+            <p:blipFill>
+              <a:blip r:embed="rId6"/>
+              <a:stretch>
+                <a:fillRect/>
+              </a:stretch>
+            </p:blipFill>
+            <p:spPr>
+              <a:xfrm>
+                <a:off x="5794180" y="4894056"/>
+                <a:ext cx="1267966" cy="1496458"/>
+              </a:xfrm>
+              <a:prstGeom prst="rect">
+                <a:avLst/>
+              </a:prstGeom>
+            </p:spPr>
+          </p:pic>
+        </p:grpSp>
+      </p:grpSp>
+    </p:spTree>
+    <p:extLst>
+      <p:ext uri="{BB962C8B-B14F-4D97-AF65-F5344CB8AC3E}">
+        <p14:creationId xmlns:p14="http://schemas.microsoft.com/office/powerpoint/2010/main" val="4059821999"/>
+      </p:ext>
+    </p:extLst>
+  </p:cSld>
+  <p:clrMapOvr>
+    <a:masterClrMapping/>
+  </p:clrMapOvr>
+</p:sld>
+</file>
+
+<file path=ppt/slides/slide3.xml><?xml version="1.0" encoding="utf-8"?>
 <p:sld xmlns:a="http://schemas.openxmlformats.org/drawingml/2006/main" xmlns:r="http://schemas.openxmlformats.org/officeDocument/2006/relationships" xmlns:p="http://schemas.openxmlformats.org/presentationml/2006/main">
   <p:cSld>
     <p:spTree>
@@ -5831,7 +6505,7 @@
 </p:sld>
 </file>
 
-<file path=ppt/slides/slide3.xml><?xml version="1.0" encoding="utf-8"?>
+<file path=ppt/slides/slide4.xml><?xml version="1.0" encoding="utf-8"?>
 <p:sld xmlns:a="http://schemas.openxmlformats.org/drawingml/2006/main" xmlns:r="http://schemas.openxmlformats.org/officeDocument/2006/relationships" xmlns:p="http://schemas.openxmlformats.org/presentationml/2006/main">
   <p:cSld>
     <p:spTree>
